--- a/meterials/slides/ch09-weui.pptx
+++ b/meterials/slides/ch09-weui.pptx
@@ -184,6 +184,10 @@
 </p:cmAuthorLst>
 </file>
 
+<file path=ppt/revisionInfo.xml><?xml version="1.0" encoding="utf-8"?>
+<p1510:revInfo xmlns:a="http://schemas.openxmlformats.org/drawingml/2006/main" xmlns:r="http://schemas.openxmlformats.org/officeDocument/2006/relationships" xmlns:p1510="http://schemas.microsoft.com/office/powerpoint/2015/10/main"/>
+</file>
+
 <file path=ppt/handoutMasters/handoutMaster1.xml><?xml version="1.0" encoding="utf-8"?>
 <p:handoutMaster xmlns:a="http://schemas.openxmlformats.org/drawingml/2006/main" xmlns:r="http://schemas.openxmlformats.org/officeDocument/2006/relationships" xmlns:p="http://schemas.openxmlformats.org/presentationml/2006/main">
   <p:cSld>
@@ -266,7 +270,7 @@
           <a:p>
             <a:fld id="{2B71C804-97F5-4B36-A7AC-EEEC7F44F6C2}" type="datetimeFigureOut">
               <a:rPr lang="zh-CN" altLang="en-US" smtClean="0"/>
-              <a:t>2017/8/17</a:t>
+              <a:t>2017/9/7</a:t>
             </a:fld>
             <a:endParaRPr lang="zh-CN" altLang="en-US"/>
           </a:p>
@@ -432,7 +436,7 @@
           <a:p>
             <a:fld id="{0568D9C6-D8DC-4CC3-8480-E0C4DBA1CC07}" type="datetimeFigureOut">
               <a:rPr lang="zh-CN" altLang="en-US" smtClean="0"/>
-              <a:t>2017/8/17</a:t>
+              <a:t>2017/9/7</a:t>
             </a:fld>
             <a:endParaRPr lang="zh-CN" altLang="en-US"/>
           </a:p>
@@ -1129,7 +1133,7 @@
           <a:p>
             <a:fld id="{DB9D664F-4C68-42D2-B189-678958EFAFDA}" type="datetime1">
               <a:rPr lang="zh-CN" altLang="en-US" smtClean="0"/>
-              <a:t>2017/8/17</a:t>
+              <a:t>2017/9/7</a:t>
             </a:fld>
             <a:endParaRPr lang="zh-CN" altLang="en-US"/>
           </a:p>
@@ -2111,7 +2115,7 @@
           <a:p>
             <a:fld id="{ED5513C8-E3A4-4D78-B249-887659A958FF}" type="datetime1">
               <a:rPr lang="en-US" altLang="zh-CN" smtClean="0"/>
-              <a:t>8/17/2017</a:t>
+              <a:t>9/7/2017</a:t>
             </a:fld>
             <a:endParaRPr lang="en-US"/>
           </a:p>
@@ -2289,7 +2293,7 @@
           <a:p>
             <a:fld id="{EBEDA52C-3EEE-4289-818C-901C0A7814FE}" type="datetime1">
               <a:rPr lang="en-US" altLang="zh-CN" smtClean="0"/>
-              <a:t>8/17/2017</a:t>
+              <a:t>9/7/2017</a:t>
             </a:fld>
             <a:endParaRPr lang="en-US"/>
           </a:p>
@@ -2543,7 +2547,7 @@
           <a:p>
             <a:fld id="{09EF5D7F-EA15-485C-85DD-8FDC010A62D4}" type="datetime1">
               <a:rPr lang="en-US" altLang="zh-CN" smtClean="0"/>
-              <a:t>8/17/2017</a:t>
+              <a:t>9/7/2017</a:t>
             </a:fld>
             <a:endParaRPr lang="en-US"/>
           </a:p>
@@ -2783,7 +2787,7 @@
           <a:p>
             <a:fld id="{9541C2B2-0BAB-4CD4-83EE-25F1A7138896}" type="datetime1">
               <a:rPr lang="en-US" altLang="zh-CN" smtClean="0"/>
-              <a:t>8/17/2017</a:t>
+              <a:t>9/7/2017</a:t>
             </a:fld>
             <a:endParaRPr lang="en-US"/>
           </a:p>
@@ -3158,7 +3162,7 @@
           <a:p>
             <a:fld id="{7DEA23E7-D0FC-41DC-8745-BE6FC447B182}" type="datetime1">
               <a:rPr lang="en-US" altLang="zh-CN" smtClean="0"/>
-              <a:t>8/17/2017</a:t>
+              <a:t>9/7/2017</a:t>
             </a:fld>
             <a:endParaRPr lang="en-US"/>
           </a:p>
@@ -3943,7 +3947,7 @@
           <a:p>
             <a:fld id="{5DEA8378-5F33-490B-8120-8DE6B7EE2781}" type="datetime1">
               <a:rPr lang="en-US" altLang="zh-CN" smtClean="0"/>
-              <a:t>8/17/2017</a:t>
+              <a:t>9/7/2017</a:t>
             </a:fld>
             <a:endParaRPr lang="en-US"/>
           </a:p>
@@ -4197,7 +4201,7 @@
           <a:p>
             <a:fld id="{38DD30CF-78A7-4C73-91B4-38D3E3317745}" type="datetime1">
               <a:rPr lang="en-US" altLang="zh-CN" smtClean="0"/>
-              <a:t>8/17/2017</a:t>
+              <a:t>9/7/2017</a:t>
             </a:fld>
             <a:endParaRPr lang="en-US"/>
           </a:p>
@@ -4300,7 +4304,7 @@
           <a:p>
             <a:fld id="{A1BE0A72-8501-4974-A7B7-5BD248ABBAFC}" type="datetime1">
               <a:rPr lang="zh-CN" altLang="en-US" smtClean="0"/>
-              <a:t>2017/8/17</a:t>
+              <a:t>2017/9/7</a:t>
             </a:fld>
             <a:endParaRPr lang="zh-CN" altLang="en-US"/>
           </a:p>
@@ -4561,7 +4565,7 @@
           <a:p>
             <a:fld id="{0B7E01DD-16D0-4DBA-9C1A-51468BA0B73A}" type="datetime1">
               <a:rPr lang="en-US" altLang="zh-CN" smtClean="0"/>
-              <a:t>8/17/2017</a:t>
+              <a:t>9/7/2017</a:t>
             </a:fld>
             <a:endParaRPr lang="en-US"/>
           </a:p>
@@ -4739,7 +4743,7 @@
           <a:p>
             <a:fld id="{B587E63F-0E62-4A50-901F-E071D77F7634}" type="datetime1">
               <a:rPr lang="en-US" altLang="zh-CN" smtClean="0"/>
-              <a:t>8/17/2017</a:t>
+              <a:t>9/7/2017</a:t>
             </a:fld>
             <a:endParaRPr lang="en-US"/>
           </a:p>
@@ -4927,7 +4931,7 @@
           <a:p>
             <a:fld id="{BD8521E8-9297-400B-AD8C-0A4D05699D33}" type="datetime1">
               <a:rPr lang="en-US" altLang="zh-CN" smtClean="0"/>
-              <a:t>8/17/2017</a:t>
+              <a:t>9/7/2017</a:t>
             </a:fld>
             <a:endParaRPr lang="en-US"/>
           </a:p>
@@ -5158,7 +5162,7 @@
           <a:p>
             <a:fld id="{ED5513C8-E3A4-4D78-B249-887659A958FF}" type="datetime1">
               <a:rPr lang="en-US" altLang="zh-CN" smtClean="0"/>
-              <a:t>8/17/2017</a:t>
+              <a:t>9/7/2017</a:t>
             </a:fld>
             <a:endParaRPr lang="en-US"/>
           </a:p>
@@ -5336,7 +5340,7 @@
           <a:p>
             <a:fld id="{EBEDA52C-3EEE-4289-818C-901C0A7814FE}" type="datetime1">
               <a:rPr lang="en-US" altLang="zh-CN" smtClean="0"/>
-              <a:t>8/17/2017</a:t>
+              <a:t>9/7/2017</a:t>
             </a:fld>
             <a:endParaRPr lang="en-US"/>
           </a:p>
@@ -5590,7 +5594,7 @@
           <a:p>
             <a:fld id="{09EF5D7F-EA15-485C-85DD-8FDC010A62D4}" type="datetime1">
               <a:rPr lang="en-US" altLang="zh-CN" smtClean="0"/>
-              <a:t>8/17/2017</a:t>
+              <a:t>9/7/2017</a:t>
             </a:fld>
             <a:endParaRPr lang="en-US"/>
           </a:p>
@@ -5830,7 +5834,7 @@
           <a:p>
             <a:fld id="{9541C2B2-0BAB-4CD4-83EE-25F1A7138896}" type="datetime1">
               <a:rPr lang="en-US" altLang="zh-CN" smtClean="0"/>
-              <a:t>8/17/2017</a:t>
+              <a:t>9/7/2017</a:t>
             </a:fld>
             <a:endParaRPr lang="en-US"/>
           </a:p>
@@ -6205,7 +6209,7 @@
           <a:p>
             <a:fld id="{7DEA23E7-D0FC-41DC-8745-BE6FC447B182}" type="datetime1">
               <a:rPr lang="en-US" altLang="zh-CN" smtClean="0"/>
-              <a:t>8/17/2017</a:t>
+              <a:t>9/7/2017</a:t>
             </a:fld>
             <a:endParaRPr lang="en-US"/>
           </a:p>
@@ -6990,7 +6994,7 @@
           <a:p>
             <a:fld id="{A1BE0A72-8501-4974-A7B7-5BD248ABBAFC}" type="datetime1">
               <a:rPr lang="zh-CN" altLang="en-US" smtClean="0"/>
-              <a:t>2017/8/17</a:t>
+              <a:t>2017/9/7</a:t>
             </a:fld>
             <a:endParaRPr lang="zh-CN" altLang="en-US"/>
           </a:p>
@@ -7043,7 +7047,7 @@
           <a:p>
             <a:fld id="{5DEA8378-5F33-490B-8120-8DE6B7EE2781}" type="datetime1">
               <a:rPr lang="en-US" altLang="zh-CN" smtClean="0"/>
-              <a:t>8/17/2017</a:t>
+              <a:t>9/7/2017</a:t>
             </a:fld>
             <a:endParaRPr lang="en-US"/>
           </a:p>
@@ -7297,7 +7301,7 @@
           <a:p>
             <a:fld id="{38DD30CF-78A7-4C73-91B4-38D3E3317745}" type="datetime1">
               <a:rPr lang="en-US" altLang="zh-CN" smtClean="0"/>
-              <a:t>8/17/2017</a:t>
+              <a:t>9/7/2017</a:t>
             </a:fld>
             <a:endParaRPr lang="en-US"/>
           </a:p>
@@ -7562,7 +7566,7 @@
           <a:p>
             <a:fld id="{0B7E01DD-16D0-4DBA-9C1A-51468BA0B73A}" type="datetime1">
               <a:rPr lang="en-US" altLang="zh-CN" smtClean="0"/>
-              <a:t>8/17/2017</a:t>
+              <a:t>9/7/2017</a:t>
             </a:fld>
             <a:endParaRPr lang="en-US"/>
           </a:p>
@@ -7740,7 +7744,7 @@
           <a:p>
             <a:fld id="{B587E63F-0E62-4A50-901F-E071D77F7634}" type="datetime1">
               <a:rPr lang="en-US" altLang="zh-CN" smtClean="0"/>
-              <a:t>8/17/2017</a:t>
+              <a:t>9/7/2017</a:t>
             </a:fld>
             <a:endParaRPr lang="en-US"/>
           </a:p>
@@ -7928,7 +7932,7 @@
           <a:p>
             <a:fld id="{BD8521E8-9297-400B-AD8C-0A4D05699D33}" type="datetime1">
               <a:rPr lang="en-US" altLang="zh-CN" smtClean="0"/>
-              <a:t>8/17/2017</a:t>
+              <a:t>9/7/2017</a:t>
             </a:fld>
             <a:endParaRPr lang="en-US"/>
           </a:p>
@@ -8031,7 +8035,7 @@
           <a:p>
             <a:fld id="{EF452D9C-F9EB-4417-9C3A-C876C2AF9415}" type="datetime1">
               <a:rPr lang="zh-CN" altLang="en-US" smtClean="0"/>
-              <a:t>2017/8/17</a:t>
+              <a:t>2017/9/7</a:t>
             </a:fld>
             <a:endParaRPr lang="zh-CN" altLang="en-US"/>
           </a:p>
@@ -8217,7 +8221,7 @@
           <a:p>
             <a:fld id="{2F2E9289-9B4C-49AE-BDDA-70D6EDC89D17}" type="datetime1">
               <a:rPr lang="zh-CN" altLang="en-US" smtClean="0"/>
-              <a:t>2017/8/17</a:t>
+              <a:t>2017/9/7</a:t>
             </a:fld>
             <a:endParaRPr lang="zh-CN" altLang="en-US"/>
           </a:p>
@@ -8387,7 +8391,7 @@
           <a:p>
             <a:fld id="{2F2E9289-9B4C-49AE-BDDA-70D6EDC89D17}" type="datetime1">
               <a:rPr lang="zh-CN" altLang="en-US" smtClean="0"/>
-              <a:t>2017/8/17</a:t>
+              <a:t>2017/9/7</a:t>
             </a:fld>
             <a:endParaRPr lang="zh-CN" altLang="en-US"/>
           </a:p>
@@ -8623,7 +8627,7 @@
           <a:p>
             <a:fld id="{8C5BA751-A251-47D6-8494-C134D9EBED5F}" type="datetime1">
               <a:rPr lang="zh-CN" altLang="en-US" smtClean="0"/>
-              <a:t>2017/8/17</a:t>
+              <a:t>2017/9/7</a:t>
             </a:fld>
             <a:endParaRPr lang="zh-CN" altLang="en-US"/>
           </a:p>
@@ -8979,7 +8983,7 @@
           <a:p>
             <a:fld id="{C46E2078-F302-4651-A2A2-2FC6C4E1A3F1}" type="datetime1">
               <a:rPr lang="zh-CN" altLang="en-US" smtClean="0"/>
-              <a:t>2017/8/17</a:t>
+              <a:t>2017/9/7</a:t>
             </a:fld>
             <a:endParaRPr lang="zh-CN" altLang="en-US"/>
           </a:p>
@@ -9101,7 +9105,7 @@
               <a:pPr>
                 <a:defRPr/>
               </a:pPr>
-              <a:t>2017/8/17</a:t>
+              <a:t>2017/9/7</a:t>
             </a:fld>
             <a:endParaRPr lang="zh-CN" altLang="en-US"/>
           </a:p>
@@ -9249,7 +9253,7 @@
           <a:p>
             <a:fld id="{A1BE0A72-8501-4974-A7B7-5BD248ABBAFC}" type="datetime1">
               <a:rPr lang="zh-CN" altLang="en-US" smtClean="0"/>
-              <a:t>2017/8/17</a:t>
+              <a:t>2017/9/7</a:t>
             </a:fld>
             <a:endParaRPr lang="zh-CN" altLang="en-US"/>
           </a:p>
@@ -9763,7 +9767,7 @@
           <a:p>
             <a:fld id="{A1BE0A72-8501-4974-A7B7-5BD248ABBAFC}" type="datetime1">
               <a:rPr lang="zh-CN" altLang="en-US" smtClean="0"/>
-              <a:t>2017/8/17</a:t>
+              <a:t>2017/9/7</a:t>
             </a:fld>
             <a:endParaRPr lang="zh-CN" altLang="en-US"/>
           </a:p>
@@ -10369,7 +10373,7 @@
           <a:p>
             <a:fld id="{7A78726F-0AD2-4A20-BC72-263D2D3F3A2F}" type="datetime1">
               <a:rPr lang="en-US" altLang="zh-CN" smtClean="0"/>
-              <a:t>8/17/2017</a:t>
+              <a:t>9/7/2017</a:t>
             </a:fld>
             <a:endParaRPr lang="en-US"/>
           </a:p>
@@ -11350,7 +11354,7 @@
           <a:p>
             <a:fld id="{A1BE0A72-8501-4974-A7B7-5BD248ABBAFC}" type="datetime1">
               <a:rPr lang="zh-CN" altLang="en-US" smtClean="0"/>
-              <a:t>2017/8/17</a:t>
+              <a:t>2017/9/7</a:t>
             </a:fld>
             <a:endParaRPr lang="zh-CN" altLang="en-US"/>
           </a:p>
@@ -11956,7 +11960,7 @@
           <a:p>
             <a:fld id="{7A78726F-0AD2-4A20-BC72-263D2D3F3A2F}" type="datetime1">
               <a:rPr lang="en-US" altLang="zh-CN" smtClean="0"/>
-              <a:t>8/17/2017</a:t>
+              <a:t>9/7/2017</a:t>
             </a:fld>
             <a:endParaRPr lang="en-US"/>
           </a:p>
@@ -12827,7 +12831,7 @@
           <a:lstStyle/>
           <a:p>
             <a:r>
-              <a:rPr lang="zh-CN" altLang="en-US" dirty="0" smtClean="0"/>
+              <a:rPr lang="zh-CN" altLang="en-US" dirty="0"/>
               <a:t>第</a:t>
             </a:r>
             <a:r>
@@ -12835,11 +12839,11 @@
               <a:t>9</a:t>
             </a:r>
             <a:r>
-              <a:rPr lang="zh-CN" altLang="en-US" dirty="0" smtClean="0"/>
+              <a:rPr lang="zh-CN" altLang="en-US" dirty="0"/>
               <a:t>讲 </a:t>
             </a:r>
             <a:r>
-              <a:rPr lang="en-US" altLang="zh-CN" dirty="0" err="1" smtClean="0"/>
+              <a:rPr lang="en-US" altLang="zh-CN" dirty="0" err="1"/>
               <a:t>WeUI</a:t>
             </a:r>
             <a:endParaRPr lang="zh-CN" altLang="en-US" dirty="0"/>
@@ -12895,13 +12899,6 @@
   <p:clrMapOvr>
     <a:masterClrMapping/>
   </p:clrMapOvr>
-  <p:timing>
-    <p:tnLst>
-      <p:par>
-        <p:cTn id="1" dur="indefinite" restart="never" nodeType="tmRoot"/>
-      </p:par>
-    </p:tnLst>
-  </p:timing>
 </p:sld>
 </file>
 
@@ -12938,10 +12935,9 @@
           <a:lstStyle/>
           <a:p>
             <a:r>
-              <a:rPr lang="zh-CN" altLang="en-US" dirty="0" smtClean="0"/>
+              <a:rPr lang="zh-CN" altLang="en-US" dirty="0"/>
               <a:t>第二讲</a:t>
             </a:r>
-            <a:endParaRPr lang="zh-CN" altLang="en-US" dirty="0"/>
           </a:p>
         </p:txBody>
       </p:sp>
@@ -12975,7 +12971,7 @@
               <a:buAutoNum type="ea1JpnChsDbPeriod"/>
             </a:pPr>
             <a:r>
-              <a:rPr lang="en-US" altLang="zh-CN" sz="2000" dirty="0" err="1" smtClean="0">
+              <a:rPr lang="en-US" altLang="zh-CN" sz="2000" dirty="0" err="1">
                 <a:solidFill>
                   <a:schemeClr val="tx1">
                     <a:lumMod val="65000"/>
@@ -12988,7 +12984,7 @@
               <a:t>WeUI</a:t>
             </a:r>
             <a:r>
-              <a:rPr lang="zh-CN" altLang="en-US" sz="2000" dirty="0" smtClean="0">
+              <a:rPr lang="zh-CN" altLang="en-US" sz="2000" dirty="0">
                 <a:solidFill>
                   <a:schemeClr val="tx1">
                     <a:lumMod val="65000"/>
@@ -13032,7 +13028,7 @@
               <a:t>WeUI</a:t>
             </a:r>
             <a:r>
-              <a:rPr lang="zh-CN" altLang="en-US" sz="2400" dirty="0" smtClean="0">
+              <a:rPr lang="zh-CN" altLang="en-US" sz="2400" dirty="0">
                 <a:solidFill>
                   <a:schemeClr val="accent6">
                     <a:lumMod val="75000"/>
@@ -13062,7 +13058,7 @@
               <a:buAutoNum type="ea1JpnChsDbPeriod"/>
             </a:pPr>
             <a:r>
-              <a:rPr lang="zh-CN" altLang="en-US" sz="2000" dirty="0" smtClean="0">
+              <a:rPr lang="zh-CN" altLang="en-US" sz="2000" dirty="0">
                 <a:solidFill>
                   <a:schemeClr val="tx1">
                     <a:lumMod val="65000"/>
@@ -13097,13 +13093,6 @@
   <p:clrMapOvr>
     <a:masterClrMapping/>
   </p:clrMapOvr>
-  <p:timing>
-    <p:tnLst>
-      <p:par>
-        <p:cTn id="1" dur="indefinite" restart="never" nodeType="tmRoot"/>
-      </p:par>
-    </p:tnLst>
-  </p:timing>
 </p:sld>
 </file>
 
@@ -13145,7 +13134,7 @@
           <a:lstStyle/>
           <a:p>
             <a:r>
-              <a:rPr lang="en-US" altLang="zh-CN" b="0" dirty="0" smtClean="0"/>
+              <a:rPr lang="en-US" altLang="zh-CN" b="0" dirty="0"/>
               <a:t>flex</a:t>
             </a:r>
             <a:endParaRPr lang="zh-CN" altLang="en-US" b="0" dirty="0"/>
@@ -13196,18 +13185,11 @@
               <a:t>Flex</a:t>
             </a:r>
             <a:r>
-              <a:rPr lang="zh-CN" altLang="en-US" sz="2000" dirty="0" smtClean="0">
-                <a:latin typeface="微软雅黑" panose="020B0503020204020204" pitchFamily="34" charset="-122"/>
-                <a:ea typeface="微软雅黑" panose="020B0503020204020204" pitchFamily="34" charset="-122"/>
-              </a:rPr>
-              <a:t>布局</a:t>
-            </a:r>
-            <a:r>
               <a:rPr lang="zh-CN" altLang="en-US" sz="2000" dirty="0">
                 <a:latin typeface="微软雅黑" panose="020B0503020204020204" pitchFamily="34" charset="-122"/>
                 <a:ea typeface="微软雅黑" panose="020B0503020204020204" pitchFamily="34" charset="-122"/>
               </a:rPr>
-              <a:t>。</a:t>
+              <a:t>布局。</a:t>
             </a:r>
           </a:p>
         </p:txBody>
@@ -13269,23 +13251,15 @@
               <a:buChar char="•"/>
             </a:pPr>
             <a:r>
-              <a:rPr lang="zh-CN" altLang="en-US" dirty="0" smtClean="0"/>
+              <a:rPr lang="zh-CN" altLang="en-US" dirty="0"/>
               <a:t>示例代码：</a:t>
             </a:r>
-            <a:endParaRPr lang="en-US" altLang="zh-CN" dirty="0" smtClean="0"/>
+            <a:endParaRPr lang="en-US" altLang="zh-CN" dirty="0"/>
           </a:p>
           <a:p>
             <a:r>
               <a:rPr lang="en-US" altLang="zh-CN" dirty="0"/>
-              <a:t> </a:t>
-            </a:r>
-            <a:r>
-              <a:rPr lang="en-US" altLang="zh-CN" dirty="0" smtClean="0"/>
-              <a:t>   &lt;</a:t>
-            </a:r>
-            <a:r>
-              <a:rPr lang="en-US" altLang="zh-CN" dirty="0"/>
-              <a:t>div class="</a:t>
+              <a:t>    &lt;div class="</a:t>
             </a:r>
             <a:r>
               <a:rPr lang="en-US" altLang="zh-CN" dirty="0" err="1"/>
@@ -13445,15 +13419,7 @@
           <a:p>
             <a:r>
               <a:rPr lang="en-US" altLang="zh-CN" dirty="0"/>
-              <a:t>    </a:t>
-            </a:r>
-            <a:r>
-              <a:rPr lang="en-US" altLang="zh-CN" dirty="0" smtClean="0"/>
-              <a:t>&lt;/</a:t>
-            </a:r>
-            <a:r>
-              <a:rPr lang="en-US" altLang="zh-CN" dirty="0"/>
-              <a:t>div&gt;</a:t>
+              <a:t>    &lt;/div&gt;</a:t>
             </a:r>
             <a:endParaRPr lang="zh-CN" altLang="en-US" dirty="0"/>
           </a:p>
@@ -13469,13 +13435,6 @@
   <p:clrMapOvr>
     <a:masterClrMapping/>
   </p:clrMapOvr>
-  <p:timing>
-    <p:tnLst>
-      <p:par>
-        <p:cTn id="1" dur="indefinite" restart="never" nodeType="tmRoot"/>
-      </p:par>
-    </p:tnLst>
-  </p:timing>
 </p:sld>
 </file>
 
@@ -13512,7 +13471,7 @@
           <a:lstStyle/>
           <a:p>
             <a:r>
-              <a:rPr lang="en-US" altLang="zh-CN" b="0" dirty="0" smtClean="0"/>
+              <a:rPr lang="en-US" altLang="zh-CN" b="0" dirty="0"/>
               <a:t>grid</a:t>
             </a:r>
             <a:endParaRPr lang="zh-CN" altLang="en-US" b="0" dirty="0"/>
@@ -13611,12 +13570,8 @@
           <a:lstStyle/>
           <a:p>
             <a:r>
-              <a:rPr lang="en-US" altLang="zh-CN" dirty="0" smtClean="0"/>
-              <a:t>    &lt;</a:t>
-            </a:r>
-            <a:r>
               <a:rPr lang="en-US" altLang="zh-CN" dirty="0"/>
-              <a:t>div class="</a:t>
+              <a:t>    &lt;div class="</a:t>
             </a:r>
             <a:r>
               <a:rPr lang="en-US" altLang="zh-CN" dirty="0" err="1"/>
@@ -13675,12 +13630,8 @@
               <a:t>grid__icon</a:t>
             </a:r>
             <a:r>
-              <a:rPr lang="en-US" altLang="zh-CN" dirty="0" smtClean="0"/>
-              <a:t>"&gt; </a:t>
-            </a:r>
-            <a:r>
               <a:rPr lang="en-US" altLang="zh-CN" dirty="0"/>
-              <a:t>&lt;</a:t>
+              <a:t>"&gt; &lt;</a:t>
             </a:r>
             <a:r>
               <a:rPr lang="en-US" altLang="zh-CN" dirty="0" err="1"/>
@@ -13696,15 +13647,7 @@
             </a:r>
             <a:r>
               <a:rPr lang="en-US" altLang="zh-CN" dirty="0"/>
-              <a:t>="./images/grid1.jpg" alt</a:t>
-            </a:r>
-            <a:r>
-              <a:rPr lang="en-US" altLang="zh-CN" dirty="0" smtClean="0"/>
-              <a:t>=""&gt;&lt;/</a:t>
-            </a:r>
-            <a:r>
-              <a:rPr lang="en-US" altLang="zh-CN" dirty="0"/>
-              <a:t>div&gt;</a:t>
+              <a:t>="./images/grid1.jpg" alt=""&gt;&lt;/div&gt;</a:t>
             </a:r>
           </a:p>
           <a:p>
@@ -13725,12 +13668,8 @@
               <a:t>grid__label</a:t>
             </a:r>
             <a:r>
-              <a:rPr lang="en-US" altLang="zh-CN" dirty="0" smtClean="0"/>
-              <a:t>"&gt;Button&lt;/</a:t>
-            </a:r>
-            <a:r>
               <a:rPr lang="en-US" altLang="zh-CN" dirty="0"/>
-              <a:t>p&gt;</a:t>
+              <a:t>"&gt;Button&lt;/p&gt;</a:t>
             </a:r>
           </a:p>
           <a:p>
@@ -13787,7 +13726,7 @@
               <a:t>grid__icon</a:t>
             </a:r>
             <a:r>
-              <a:rPr lang="en-US" altLang="zh-CN" dirty="0" smtClean="0"/>
+              <a:rPr lang="en-US" altLang="zh-CN" dirty="0"/>
               <a:t>"&gt;&lt;</a:t>
             </a:r>
             <a:r>
@@ -13804,15 +13743,7 @@
             </a:r>
             <a:r>
               <a:rPr lang="en-US" altLang="zh-CN" dirty="0"/>
-              <a:t>="./images/grid2.jpg" alt</a:t>
-            </a:r>
-            <a:r>
-              <a:rPr lang="en-US" altLang="zh-CN" dirty="0" smtClean="0"/>
-              <a:t>=""&gt;&lt;/</a:t>
-            </a:r>
-            <a:r>
-              <a:rPr lang="en-US" altLang="zh-CN" dirty="0"/>
-              <a:t>div&gt;</a:t>
+              <a:t>="./images/grid2.jpg" alt=""&gt;&lt;/div&gt;</a:t>
             </a:r>
           </a:p>
           <a:p>
@@ -13833,12 +13764,8 @@
               <a:t>grid__label</a:t>
             </a:r>
             <a:r>
-              <a:rPr lang="en-US" altLang="zh-CN" dirty="0" smtClean="0"/>
-              <a:t>"&gt;Cell&lt;/</a:t>
-            </a:r>
-            <a:r>
               <a:rPr lang="en-US" altLang="zh-CN" dirty="0"/>
-              <a:t>p&gt;</a:t>
+              <a:t>"&gt;Cell&lt;/p&gt;</a:t>
             </a:r>
           </a:p>
           <a:p>
@@ -13895,7 +13822,7 @@
               <a:t>grid__icon</a:t>
             </a:r>
             <a:r>
-              <a:rPr lang="en-US" altLang="zh-CN" dirty="0" smtClean="0"/>
+              <a:rPr lang="en-US" altLang="zh-CN" dirty="0"/>
               <a:t>"&gt;&lt;</a:t>
             </a:r>
             <a:r>
@@ -13912,15 +13839,7 @@
             </a:r>
             <a:r>
               <a:rPr lang="en-US" altLang="zh-CN" dirty="0"/>
-              <a:t>="./images/grid3.png" alt</a:t>
-            </a:r>
-            <a:r>
-              <a:rPr lang="en-US" altLang="zh-CN" dirty="0" smtClean="0"/>
-              <a:t>=""&gt;&lt;/</a:t>
-            </a:r>
-            <a:r>
-              <a:rPr lang="en-US" altLang="zh-CN" dirty="0"/>
-              <a:t>div&gt;</a:t>
+              <a:t>="./images/grid3.png" alt=""&gt;&lt;/div&gt;</a:t>
             </a:r>
           </a:p>
           <a:p>
@@ -13941,12 +13860,8 @@
               <a:t>grid__label</a:t>
             </a:r>
             <a:r>
-              <a:rPr lang="en-US" altLang="zh-CN" dirty="0" smtClean="0"/>
-              <a:t>"&gt;Food&lt;/</a:t>
-            </a:r>
-            <a:r>
               <a:rPr lang="en-US" altLang="zh-CN" dirty="0"/>
-              <a:t>p&gt;</a:t>
+              <a:t>"&gt;Food&lt;/p&gt;</a:t>
             </a:r>
           </a:p>
           <a:p>
@@ -14015,7 +13930,7 @@
           <a:lstStyle/>
           <a:p>
             <a:r>
-              <a:rPr lang="en-US" altLang="zh-CN" dirty="0" err="1" smtClean="0"/>
+              <a:rPr lang="en-US" altLang="zh-CN" dirty="0" err="1"/>
               <a:t>ActionSheet</a:t>
             </a:r>
             <a:endParaRPr lang="en-US" altLang="zh-CN" dirty="0"/>
@@ -14078,21 +13993,6 @@
   <p:clrMapOvr>
     <a:masterClrMapping/>
   </p:clrMapOvr>
-  <mc:AlternateContent xmlns:mc="http://schemas.openxmlformats.org/markup-compatibility/2006">
-    <mc:Choice xmlns:p14="http://schemas.microsoft.com/office/powerpoint/2010/main" Requires="p14">
-      <p:transition spd="slow" p14:dur="2000"/>
-    </mc:Choice>
-    <mc:Fallback>
-      <p:transition spd="slow"/>
-    </mc:Fallback>
-  </mc:AlternateContent>
-  <p:timing>
-    <p:tnLst>
-      <p:par>
-        <p:cTn id="1" dur="indefinite" restart="never" nodeType="tmRoot"/>
-      </p:par>
-    </p:tnLst>
-  </p:timing>
 </p:sld>
 </file>
 
@@ -14325,13 +14225,13 @@
               <a:t>appmsg</a:t>
             </a:r>
             <a:r>
-              <a:rPr lang="zh-CN" altLang="en-US" sz="2000" dirty="0" smtClean="0">
+              <a:rPr lang="zh-CN" altLang="en-US" sz="2000" dirty="0">
                 <a:latin typeface="微软雅黑" panose="020B0503020204020204" pitchFamily="34" charset="-122"/>
                 <a:ea typeface="微软雅黑" panose="020B0503020204020204" pitchFamily="34" charset="-122"/>
               </a:rPr>
               <a:t>。</a:t>
             </a:r>
-            <a:endParaRPr lang="en-US" altLang="zh-CN" sz="2000" dirty="0" smtClean="0">
+            <a:endParaRPr lang="en-US" altLang="zh-CN" sz="2000" dirty="0">
               <a:latin typeface="微软雅黑" panose="020B0503020204020204" pitchFamily="34" charset="-122"/>
               <a:ea typeface="微软雅黑" panose="020B0503020204020204" pitchFamily="34" charset="-122"/>
             </a:endParaRPr>
@@ -14345,7 +14245,7 @@
               <a:buChar char="•"/>
             </a:pPr>
             <a:r>
-              <a:rPr lang="en-US" altLang="zh-CN" sz="2000" dirty="0" smtClean="0">
+              <a:rPr lang="en-US" altLang="zh-CN" sz="2000" dirty="0">
                 <a:latin typeface="微软雅黑" panose="020B0503020204020204" pitchFamily="34" charset="-122"/>
                 <a:ea typeface="微软雅黑" panose="020B0503020204020204" pitchFamily="34" charset="-122"/>
               </a:rPr>
@@ -14491,14 +14391,13 @@
           <a:lstStyle/>
           <a:p>
             <a:r>
-              <a:rPr lang="en-US" altLang="zh-CN" b="0" dirty="0" smtClean="0"/>
+              <a:rPr lang="en-US" altLang="zh-CN" b="0" dirty="0"/>
               <a:t>Panel</a:t>
             </a:r>
             <a:r>
-              <a:rPr lang="zh-CN" altLang="en-US" b="0" dirty="0" smtClean="0"/>
+              <a:rPr lang="zh-CN" altLang="en-US" b="0" dirty="0"/>
               <a:t>代码示例</a:t>
             </a:r>
-            <a:endParaRPr lang="zh-CN" altLang="en-US" b="0" dirty="0"/>
           </a:p>
         </p:txBody>
       </p:sp>
@@ -14525,20 +14424,12 @@
           <a:lstStyle/>
           <a:p>
             <a:r>
-              <a:rPr lang="en-US" altLang="zh-CN" dirty="0" smtClean="0">
-                <a:latin typeface="Calibri" panose="020F0502020204030204" pitchFamily="34" charset="0"/>
-                <a:ea typeface="微软雅黑" panose="020B0503020204020204" pitchFamily="34" charset="-122"/>
-                <a:cs typeface="Calibri" panose="020F0502020204030204" pitchFamily="34" charset="0"/>
-              </a:rPr>
-              <a:t>    &lt;</a:t>
-            </a:r>
-            <a:r>
               <a:rPr lang="en-US" altLang="zh-CN" dirty="0">
                 <a:latin typeface="Calibri" panose="020F0502020204030204" pitchFamily="34" charset="0"/>
                 <a:ea typeface="微软雅黑" panose="020B0503020204020204" pitchFamily="34" charset="-122"/>
                 <a:cs typeface="Calibri" panose="020F0502020204030204" pitchFamily="34" charset="0"/>
               </a:rPr>
-              <a:t>div class="</a:t>
+              <a:t>    &lt;div class="</a:t>
             </a:r>
             <a:r>
               <a:rPr lang="en-US" altLang="zh-CN" dirty="0" err="1">
@@ -14797,30 +14688,22 @@
               <a:t>hd</a:t>
             </a:r>
             <a:r>
-              <a:rPr lang="en-US" altLang="zh-CN" dirty="0" smtClean="0">
-                <a:latin typeface="Calibri" panose="020F0502020204030204" pitchFamily="34" charset="0"/>
-                <a:ea typeface="微软雅黑" panose="020B0503020204020204" pitchFamily="34" charset="-122"/>
-                <a:cs typeface="Calibri" panose="020F0502020204030204" pitchFamily="34" charset="0"/>
-              </a:rPr>
-              <a:t>"&gt;</a:t>
-            </a:r>
-          </a:p>
-          <a:p>
-            <a:r>
               <a:rPr lang="en-US" altLang="zh-CN" dirty="0">
                 <a:latin typeface="Calibri" panose="020F0502020204030204" pitchFamily="34" charset="0"/>
                 <a:ea typeface="微软雅黑" panose="020B0503020204020204" pitchFamily="34" charset="-122"/>
                 <a:cs typeface="Calibri" panose="020F0502020204030204" pitchFamily="34" charset="0"/>
               </a:rPr>
-              <a:t> </a:t>
-            </a:r>
-            <a:r>
-              <a:rPr lang="en-US" altLang="zh-CN" dirty="0" smtClean="0">
+              <a:t>"&gt;</a:t>
+            </a:r>
+          </a:p>
+          <a:p>
+            <a:r>
+              <a:rPr lang="en-US" altLang="zh-CN" dirty="0">
                 <a:latin typeface="Calibri" panose="020F0502020204030204" pitchFamily="34" charset="0"/>
                 <a:ea typeface="微软雅黑" panose="020B0503020204020204" pitchFamily="34" charset="-122"/>
                 <a:cs typeface="Calibri" panose="020F0502020204030204" pitchFamily="34" charset="0"/>
               </a:rPr>
-              <a:t>               &lt;</a:t>
+              <a:t>                &lt;</a:t>
             </a:r>
             <a:r>
               <a:rPr lang="en-US" altLang="zh-CN" dirty="0" err="1">
@@ -14884,33 +14767,33 @@
                 <a:ea typeface="微软雅黑" panose="020B0503020204020204" pitchFamily="34" charset="-122"/>
                 <a:cs typeface="Calibri" panose="020F0502020204030204" pitchFamily="34" charset="0"/>
               </a:rPr>
-              <a:t>="./images/panel.jpg" alt</a:t>
-            </a:r>
-            <a:r>
-              <a:rPr lang="en-US" altLang="zh-CN" dirty="0" smtClean="0">
-                <a:latin typeface="Calibri" panose="020F0502020204030204" pitchFamily="34" charset="0"/>
-                <a:ea typeface="微软雅黑" panose="020B0503020204020204" pitchFamily="34" charset="-122"/>
-                <a:cs typeface="Calibri" panose="020F0502020204030204" pitchFamily="34" charset="0"/>
-              </a:rPr>
-              <a:t>=""&gt;&lt;/</a:t>
-            </a:r>
+              <a:t>="./images/panel.jpg" alt=""&gt;&lt;/div&gt;</a:t>
+            </a:r>
+          </a:p>
+          <a:p>
             <a:r>
               <a:rPr lang="en-US" altLang="zh-CN" dirty="0">
                 <a:latin typeface="Calibri" panose="020F0502020204030204" pitchFamily="34" charset="0"/>
                 <a:ea typeface="微软雅黑" panose="020B0503020204020204" pitchFamily="34" charset="-122"/>
                 <a:cs typeface="Calibri" panose="020F0502020204030204" pitchFamily="34" charset="0"/>
               </a:rPr>
-              <a:t>div&gt;</a:t>
-            </a:r>
-          </a:p>
-          <a:p>
+              <a:t>            &lt;div class="</a:t>
+            </a:r>
+            <a:r>
+              <a:rPr lang="en-US" altLang="zh-CN" dirty="0" err="1">
+                <a:latin typeface="Calibri" panose="020F0502020204030204" pitchFamily="34" charset="0"/>
+                <a:ea typeface="微软雅黑" panose="020B0503020204020204" pitchFamily="34" charset="-122"/>
+                <a:cs typeface="Calibri" panose="020F0502020204030204" pitchFamily="34" charset="0"/>
+              </a:rPr>
+              <a:t>weui</a:t>
+            </a:r>
             <a:r>
               <a:rPr lang="en-US" altLang="zh-CN" dirty="0">
                 <a:latin typeface="Calibri" panose="020F0502020204030204" pitchFamily="34" charset="0"/>
                 <a:ea typeface="微软雅黑" panose="020B0503020204020204" pitchFamily="34" charset="-122"/>
                 <a:cs typeface="Calibri" panose="020F0502020204030204" pitchFamily="34" charset="0"/>
               </a:rPr>
-              <a:t>            &lt;div class="</a:t>
+              <a:t>-media-box__</a:t>
             </a:r>
             <a:r>
               <a:rPr lang="en-US" altLang="zh-CN" dirty="0" err="1">
@@ -14918,7 +14801,7 @@
                 <a:ea typeface="微软雅黑" panose="020B0503020204020204" pitchFamily="34" charset="-122"/>
                 <a:cs typeface="Calibri" panose="020F0502020204030204" pitchFamily="34" charset="0"/>
               </a:rPr>
-              <a:t>weui</a:t>
+              <a:t>bd</a:t>
             </a:r>
             <a:r>
               <a:rPr lang="en-US" altLang="zh-CN" dirty="0">
@@ -14926,7 +14809,17 @@
                 <a:ea typeface="微软雅黑" panose="020B0503020204020204" pitchFamily="34" charset="-122"/>
                 <a:cs typeface="Calibri" panose="020F0502020204030204" pitchFamily="34" charset="0"/>
               </a:rPr>
-              <a:t>-media-box__</a:t>
+              <a:t>"&gt;</a:t>
+            </a:r>
+          </a:p>
+          <a:p>
+            <a:r>
+              <a:rPr lang="en-US" altLang="zh-CN" dirty="0">
+                <a:latin typeface="Calibri" panose="020F0502020204030204" pitchFamily="34" charset="0"/>
+                <a:ea typeface="微软雅黑" panose="020B0503020204020204" pitchFamily="34" charset="-122"/>
+                <a:cs typeface="Calibri" panose="020F0502020204030204" pitchFamily="34" charset="0"/>
+              </a:rPr>
+              <a:t>              &lt;h4 class="</a:t>
             </a:r>
             <a:r>
               <a:rPr lang="en-US" altLang="zh-CN" dirty="0" err="1">
@@ -14934,7 +14827,7 @@
                 <a:ea typeface="微软雅黑" panose="020B0503020204020204" pitchFamily="34" charset="-122"/>
                 <a:cs typeface="Calibri" panose="020F0502020204030204" pitchFamily="34" charset="0"/>
               </a:rPr>
-              <a:t>bd</a:t>
+              <a:t>weui</a:t>
             </a:r>
             <a:r>
               <a:rPr lang="en-US" altLang="zh-CN" dirty="0">
@@ -14942,17 +14835,49 @@
                 <a:ea typeface="微软雅黑" panose="020B0503020204020204" pitchFamily="34" charset="-122"/>
                 <a:cs typeface="Calibri" panose="020F0502020204030204" pitchFamily="34" charset="0"/>
               </a:rPr>
-              <a:t>"&gt;</a:t>
-            </a:r>
-          </a:p>
-          <a:p>
+              <a:t>-media-</a:t>
+            </a:r>
+            <a:r>
+              <a:rPr lang="en-US" altLang="zh-CN" dirty="0" err="1">
+                <a:latin typeface="Calibri" panose="020F0502020204030204" pitchFamily="34" charset="0"/>
+                <a:ea typeface="微软雅黑" panose="020B0503020204020204" pitchFamily="34" charset="-122"/>
+                <a:cs typeface="Calibri" panose="020F0502020204030204" pitchFamily="34" charset="0"/>
+              </a:rPr>
+              <a:t>box__title</a:t>
+            </a:r>
             <a:r>
               <a:rPr lang="en-US" altLang="zh-CN" dirty="0">
                 <a:latin typeface="Calibri" panose="020F0502020204030204" pitchFamily="34" charset="0"/>
                 <a:ea typeface="微软雅黑" panose="020B0503020204020204" pitchFamily="34" charset="-122"/>
                 <a:cs typeface="Calibri" panose="020F0502020204030204" pitchFamily="34" charset="0"/>
               </a:rPr>
-              <a:t>              &lt;h4 class="</a:t>
+              <a:t>"&gt;</a:t>
+            </a:r>
+            <a:r>
+              <a:rPr lang="zh-CN" altLang="en-US" dirty="0">
+                <a:latin typeface="Calibri" panose="020F0502020204030204" pitchFamily="34" charset="0"/>
+                <a:ea typeface="微软雅黑" panose="020B0503020204020204" pitchFamily="34" charset="-122"/>
+                <a:cs typeface="Calibri" panose="020F0502020204030204" pitchFamily="34" charset="0"/>
+              </a:rPr>
+              <a:t>标题一</a:t>
+            </a:r>
+            <a:r>
+              <a:rPr lang="en-US" altLang="zh-CN" dirty="0">
+                <a:latin typeface="Calibri" panose="020F0502020204030204" pitchFamily="34" charset="0"/>
+                <a:ea typeface="微软雅黑" panose="020B0503020204020204" pitchFamily="34" charset="-122"/>
+                <a:cs typeface="Calibri" panose="020F0502020204030204" pitchFamily="34" charset="0"/>
+              </a:rPr>
+              <a:t>&lt;/h4&gt;</a:t>
+            </a:r>
+          </a:p>
+          <a:p>
+            <a:r>
+              <a:rPr lang="en-US" altLang="zh-CN" dirty="0">
+                <a:latin typeface="Calibri" panose="020F0502020204030204" pitchFamily="34" charset="0"/>
+                <a:ea typeface="微软雅黑" panose="020B0503020204020204" pitchFamily="34" charset="-122"/>
+                <a:cs typeface="Calibri" panose="020F0502020204030204" pitchFamily="34" charset="0"/>
+              </a:rPr>
+              <a:t>              &lt;p class="</a:t>
             </a:r>
             <a:r>
               <a:rPr lang="en-US" altLang="zh-CN" dirty="0" err="1">
@@ -14968,7 +14893,7 @@
                 <a:ea typeface="微软雅黑" panose="020B0503020204020204" pitchFamily="34" charset="-122"/>
                 <a:cs typeface="Calibri" panose="020F0502020204030204" pitchFamily="34" charset="0"/>
               </a:rPr>
-              <a:t>-media-</a:t>
+              <a:t>-media-box__</a:t>
             </a:r>
             <a:r>
               <a:rPr lang="en-US" altLang="zh-CN" dirty="0" err="1">
@@ -14976,7 +14901,7 @@
                 <a:ea typeface="微软雅黑" panose="020B0503020204020204" pitchFamily="34" charset="-122"/>
                 <a:cs typeface="Calibri" panose="020F0502020204030204" pitchFamily="34" charset="0"/>
               </a:rPr>
-              <a:t>box__title</a:t>
+              <a:t>desc</a:t>
             </a:r>
             <a:r>
               <a:rPr lang="en-US" altLang="zh-CN" dirty="0">
@@ -14986,13 +14911,23 @@
               </a:rPr>
               <a:t>"&gt;</a:t>
             </a:r>
+          </a:p>
+          <a:p>
+            <a:r>
+              <a:rPr lang="en-US" altLang="zh-CN" dirty="0">
+                <a:latin typeface="Calibri" panose="020F0502020204030204" pitchFamily="34" charset="0"/>
+                <a:ea typeface="微软雅黑" panose="020B0503020204020204" pitchFamily="34" charset="-122"/>
+                <a:cs typeface="Calibri" panose="020F0502020204030204" pitchFamily="34" charset="0"/>
+              </a:rPr>
+              <a:t>               </a:t>
+            </a:r>
             <a:r>
               <a:rPr lang="zh-CN" altLang="en-US" dirty="0">
                 <a:latin typeface="Calibri" panose="020F0502020204030204" pitchFamily="34" charset="0"/>
                 <a:ea typeface="微软雅黑" panose="020B0503020204020204" pitchFamily="34" charset="-122"/>
                 <a:cs typeface="Calibri" panose="020F0502020204030204" pitchFamily="34" charset="0"/>
               </a:rPr>
-              <a:t>标题一</a:t>
+              <a:t>由各种物质组成的巨型球状天体，叫做星球。星球有一定的形状，有自己的运行轨道。</a:t>
             </a:r>
             <a:r>
               <a:rPr lang="en-US" altLang="zh-CN" dirty="0">
@@ -15000,7 +14935,7 @@
                 <a:ea typeface="微软雅黑" panose="020B0503020204020204" pitchFamily="34" charset="-122"/>
                 <a:cs typeface="Calibri" panose="020F0502020204030204" pitchFamily="34" charset="0"/>
               </a:rPr>
-              <a:t>&lt;/h4&gt;</a:t>
+              <a:t>&lt;/p&gt;</a:t>
             </a:r>
           </a:p>
           <a:p>
@@ -15010,7 +14945,37 @@
                 <a:ea typeface="微软雅黑" panose="020B0503020204020204" pitchFamily="34" charset="-122"/>
                 <a:cs typeface="Calibri" panose="020F0502020204030204" pitchFamily="34" charset="0"/>
               </a:rPr>
-              <a:t>              &lt;p class="</a:t>
+              <a:t>            &lt;/div&gt;</a:t>
+            </a:r>
+          </a:p>
+          <a:p>
+            <a:r>
+              <a:rPr lang="en-US" altLang="zh-CN" dirty="0">
+                <a:latin typeface="Calibri" panose="020F0502020204030204" pitchFamily="34" charset="0"/>
+                <a:ea typeface="微软雅黑" panose="020B0503020204020204" pitchFamily="34" charset="-122"/>
+                <a:cs typeface="Calibri" panose="020F0502020204030204" pitchFamily="34" charset="0"/>
+              </a:rPr>
+              <a:t>          &lt;/a&gt;</a:t>
+            </a:r>
+          </a:p>
+          <a:p>
+            <a:r>
+              <a:rPr lang="en-US" altLang="zh-CN" dirty="0">
+                <a:latin typeface="Calibri" panose="020F0502020204030204" pitchFamily="34" charset="0"/>
+                <a:ea typeface="微软雅黑" panose="020B0503020204020204" pitchFamily="34" charset="-122"/>
+                <a:cs typeface="Calibri" panose="020F0502020204030204" pitchFamily="34" charset="0"/>
+              </a:rPr>
+              <a:t>        &lt;/div&gt;</a:t>
+            </a:r>
+          </a:p>
+          <a:p>
+            <a:r>
+              <a:rPr lang="en-US" altLang="zh-CN" dirty="0">
+                <a:latin typeface="Calibri" panose="020F0502020204030204" pitchFamily="34" charset="0"/>
+                <a:ea typeface="微软雅黑" panose="020B0503020204020204" pitchFamily="34" charset="-122"/>
+                <a:cs typeface="Calibri" panose="020F0502020204030204" pitchFamily="34" charset="0"/>
+              </a:rPr>
+              <a:t>        &lt;div class="</a:t>
             </a:r>
             <a:r>
               <a:rPr lang="en-US" altLang="zh-CN" dirty="0" err="1">
@@ -15026,7 +14991,7 @@
                 <a:ea typeface="微软雅黑" panose="020B0503020204020204" pitchFamily="34" charset="-122"/>
                 <a:cs typeface="Calibri" panose="020F0502020204030204" pitchFamily="34" charset="0"/>
               </a:rPr>
-              <a:t>-media-box__</a:t>
+              <a:t>-panel__</a:t>
             </a:r>
             <a:r>
               <a:rPr lang="en-US" altLang="zh-CN" dirty="0" err="1">
@@ -15034,41 +14999,147 @@
                 <a:ea typeface="微软雅黑" panose="020B0503020204020204" pitchFamily="34" charset="-122"/>
                 <a:cs typeface="Calibri" panose="020F0502020204030204" pitchFamily="34" charset="0"/>
               </a:rPr>
-              <a:t>desc</a:t>
-            </a:r>
-            <a:r>
-              <a:rPr lang="en-US" altLang="zh-CN" dirty="0" smtClean="0">
-                <a:latin typeface="Calibri" panose="020F0502020204030204" pitchFamily="34" charset="0"/>
-                <a:ea typeface="微软雅黑" panose="020B0503020204020204" pitchFamily="34" charset="-122"/>
-                <a:cs typeface="Calibri" panose="020F0502020204030204" pitchFamily="34" charset="0"/>
-              </a:rPr>
-              <a:t>"&gt;</a:t>
-            </a:r>
-          </a:p>
-          <a:p>
+              <a:t>ft</a:t>
+            </a:r>
             <a:r>
               <a:rPr lang="en-US" altLang="zh-CN" dirty="0">
                 <a:latin typeface="Calibri" panose="020F0502020204030204" pitchFamily="34" charset="0"/>
                 <a:ea typeface="微软雅黑" panose="020B0503020204020204" pitchFamily="34" charset="-122"/>
                 <a:cs typeface="Calibri" panose="020F0502020204030204" pitchFamily="34" charset="0"/>
               </a:rPr>
+              <a:t>"&gt;</a:t>
+            </a:r>
+          </a:p>
+          <a:p>
+            <a:r>
+              <a:rPr lang="en-US" altLang="zh-CN" dirty="0">
+                <a:latin typeface="Calibri" panose="020F0502020204030204" pitchFamily="34" charset="0"/>
+                <a:ea typeface="微软雅黑" panose="020B0503020204020204" pitchFamily="34" charset="-122"/>
+                <a:cs typeface="Calibri" panose="020F0502020204030204" pitchFamily="34" charset="0"/>
+              </a:rPr>
+              <a:t>          &lt;a </a:t>
+            </a:r>
+            <a:r>
+              <a:rPr lang="en-US" altLang="zh-CN" dirty="0" err="1">
+                <a:latin typeface="Calibri" panose="020F0502020204030204" pitchFamily="34" charset="0"/>
+                <a:ea typeface="微软雅黑" panose="020B0503020204020204" pitchFamily="34" charset="-122"/>
+                <a:cs typeface="Calibri" panose="020F0502020204030204" pitchFamily="34" charset="0"/>
+              </a:rPr>
+              <a:t>href</a:t>
+            </a:r>
+            <a:r>
+              <a:rPr lang="en-US" altLang="zh-CN" dirty="0">
+                <a:latin typeface="Calibri" panose="020F0502020204030204" pitchFamily="34" charset="0"/>
+                <a:ea typeface="微软雅黑" panose="020B0503020204020204" pitchFamily="34" charset="-122"/>
+                <a:cs typeface="Calibri" panose="020F0502020204030204" pitchFamily="34" charset="0"/>
+              </a:rPr>
+              <a:t>="</a:t>
+            </a:r>
+            <a:r>
+              <a:rPr lang="en-US" altLang="zh-CN" dirty="0" err="1">
+                <a:latin typeface="Calibri" panose="020F0502020204030204" pitchFamily="34" charset="0"/>
+                <a:ea typeface="微软雅黑" panose="020B0503020204020204" pitchFamily="34" charset="-122"/>
+                <a:cs typeface="Calibri" panose="020F0502020204030204" pitchFamily="34" charset="0"/>
+              </a:rPr>
+              <a:t>javascript:void</a:t>
+            </a:r>
+            <a:r>
+              <a:rPr lang="en-US" altLang="zh-CN" dirty="0">
+                <a:latin typeface="Calibri" panose="020F0502020204030204" pitchFamily="34" charset="0"/>
+                <a:ea typeface="微软雅黑" panose="020B0503020204020204" pitchFamily="34" charset="-122"/>
+                <a:cs typeface="Calibri" panose="020F0502020204030204" pitchFamily="34" charset="0"/>
+              </a:rPr>
+              <a:t>(0);" class="</a:t>
+            </a:r>
+            <a:r>
+              <a:rPr lang="en-US" altLang="zh-CN" dirty="0" err="1">
+                <a:latin typeface="Calibri" panose="020F0502020204030204" pitchFamily="34" charset="0"/>
+                <a:ea typeface="微软雅黑" panose="020B0503020204020204" pitchFamily="34" charset="-122"/>
+                <a:cs typeface="Calibri" panose="020F0502020204030204" pitchFamily="34" charset="0"/>
+              </a:rPr>
+              <a:t>weui</a:t>
+            </a:r>
+            <a:r>
+              <a:rPr lang="en-US" altLang="zh-CN" dirty="0">
+                <a:latin typeface="Calibri" panose="020F0502020204030204" pitchFamily="34" charset="0"/>
+                <a:ea typeface="微软雅黑" panose="020B0503020204020204" pitchFamily="34" charset="-122"/>
+                <a:cs typeface="Calibri" panose="020F0502020204030204" pitchFamily="34" charset="0"/>
+              </a:rPr>
+              <a:t>-cell </a:t>
+            </a:r>
+            <a:r>
+              <a:rPr lang="en-US" altLang="zh-CN" dirty="0" err="1">
+                <a:latin typeface="Calibri" panose="020F0502020204030204" pitchFamily="34" charset="0"/>
+                <a:ea typeface="微软雅黑" panose="020B0503020204020204" pitchFamily="34" charset="-122"/>
+                <a:cs typeface="Calibri" panose="020F0502020204030204" pitchFamily="34" charset="0"/>
+              </a:rPr>
+              <a:t>weui-cell_access</a:t>
+            </a:r>
+            <a:r>
+              <a:rPr lang="en-US" altLang="zh-CN" dirty="0">
+                <a:latin typeface="Calibri" panose="020F0502020204030204" pitchFamily="34" charset="0"/>
+                <a:ea typeface="微软雅黑" panose="020B0503020204020204" pitchFamily="34" charset="-122"/>
+                <a:cs typeface="Calibri" panose="020F0502020204030204" pitchFamily="34" charset="0"/>
+              </a:rPr>
               <a:t> </a:t>
             </a:r>
             <a:r>
-              <a:rPr lang="en-US" altLang="zh-CN" dirty="0" smtClean="0">
+              <a:rPr lang="en-US" altLang="zh-CN" dirty="0" err="1">
                 <a:latin typeface="Calibri" panose="020F0502020204030204" pitchFamily="34" charset="0"/>
                 <a:ea typeface="微软雅黑" panose="020B0503020204020204" pitchFamily="34" charset="-122"/>
                 <a:cs typeface="Calibri" panose="020F0502020204030204" pitchFamily="34" charset="0"/>
               </a:rPr>
-              <a:t>              </a:t>
-            </a:r>
-            <a:r>
-              <a:rPr lang="zh-CN" altLang="en-US" dirty="0" smtClean="0">
+              <a:t>weui-cell_link</a:t>
+            </a:r>
+            <a:r>
+              <a:rPr lang="en-US" altLang="zh-CN" dirty="0">
                 <a:latin typeface="Calibri" panose="020F0502020204030204" pitchFamily="34" charset="0"/>
                 <a:ea typeface="微软雅黑" panose="020B0503020204020204" pitchFamily="34" charset="-122"/>
                 <a:cs typeface="Calibri" panose="020F0502020204030204" pitchFamily="34" charset="0"/>
               </a:rPr>
-              <a:t>由</a:t>
+              <a:t>"&gt;</a:t>
+            </a:r>
+          </a:p>
+          <a:p>
+            <a:r>
+              <a:rPr lang="en-US" altLang="zh-CN" dirty="0">
+                <a:latin typeface="Calibri" panose="020F0502020204030204" pitchFamily="34" charset="0"/>
+                <a:ea typeface="微软雅黑" panose="020B0503020204020204" pitchFamily="34" charset="-122"/>
+                <a:cs typeface="Calibri" panose="020F0502020204030204" pitchFamily="34" charset="0"/>
+              </a:rPr>
+              <a:t>            &lt;div class="</a:t>
+            </a:r>
+            <a:r>
+              <a:rPr lang="en-US" altLang="zh-CN" dirty="0" err="1">
+                <a:latin typeface="Calibri" panose="020F0502020204030204" pitchFamily="34" charset="0"/>
+                <a:ea typeface="微软雅黑" panose="020B0503020204020204" pitchFamily="34" charset="-122"/>
+                <a:cs typeface="Calibri" panose="020F0502020204030204" pitchFamily="34" charset="0"/>
+              </a:rPr>
+              <a:t>weui</a:t>
+            </a:r>
+            <a:r>
+              <a:rPr lang="en-US" altLang="zh-CN" dirty="0">
+                <a:latin typeface="Calibri" panose="020F0502020204030204" pitchFamily="34" charset="0"/>
+                <a:ea typeface="微软雅黑" panose="020B0503020204020204" pitchFamily="34" charset="-122"/>
+                <a:cs typeface="Calibri" panose="020F0502020204030204" pitchFamily="34" charset="0"/>
+              </a:rPr>
+              <a:t>-cell__</a:t>
+            </a:r>
+            <a:r>
+              <a:rPr lang="en-US" altLang="zh-CN" dirty="0" err="1">
+                <a:latin typeface="Calibri" panose="020F0502020204030204" pitchFamily="34" charset="0"/>
+                <a:ea typeface="微软雅黑" panose="020B0503020204020204" pitchFamily="34" charset="-122"/>
+                <a:cs typeface="Calibri" panose="020F0502020204030204" pitchFamily="34" charset="0"/>
+              </a:rPr>
+              <a:t>bd</a:t>
+            </a:r>
+            <a:r>
+              <a:rPr lang="en-US" altLang="zh-CN" dirty="0">
+                <a:latin typeface="Calibri" panose="020F0502020204030204" pitchFamily="34" charset="0"/>
+                <a:ea typeface="微软雅黑" panose="020B0503020204020204" pitchFamily="34" charset="-122"/>
+                <a:cs typeface="Calibri" panose="020F0502020204030204" pitchFamily="34" charset="0"/>
+              </a:rPr>
+              <a:t>"&gt;</a:t>
             </a:r>
             <a:r>
               <a:rPr lang="zh-CN" altLang="en-US" dirty="0">
@@ -15076,7 +15147,7 @@
                 <a:ea typeface="微软雅黑" panose="020B0503020204020204" pitchFamily="34" charset="-122"/>
                 <a:cs typeface="Calibri" panose="020F0502020204030204" pitchFamily="34" charset="0"/>
               </a:rPr>
-              <a:t>各种物质组成的巨型球状天体，叫做星球。星球有一定的形状，有自己的运行轨道。</a:t>
+              <a:t>查看更多</a:t>
             </a:r>
             <a:r>
               <a:rPr lang="en-US" altLang="zh-CN" dirty="0">
@@ -15084,299 +15155,39 @@
                 <a:ea typeface="微软雅黑" panose="020B0503020204020204" pitchFamily="34" charset="-122"/>
                 <a:cs typeface="Calibri" panose="020F0502020204030204" pitchFamily="34" charset="0"/>
               </a:rPr>
-              <a:t>&lt;/p&gt;</a:t>
-            </a:r>
-          </a:p>
-          <a:p>
+              <a:t>&lt;/div&gt;&lt;span class="</a:t>
+            </a:r>
+            <a:r>
+              <a:rPr lang="en-US" altLang="zh-CN" dirty="0" err="1">
+                <a:latin typeface="Calibri" panose="020F0502020204030204" pitchFamily="34" charset="0"/>
+                <a:ea typeface="微软雅黑" panose="020B0503020204020204" pitchFamily="34" charset="-122"/>
+                <a:cs typeface="Calibri" panose="020F0502020204030204" pitchFamily="34" charset="0"/>
+              </a:rPr>
+              <a:t>weui</a:t>
+            </a:r>
             <a:r>
               <a:rPr lang="en-US" altLang="zh-CN" dirty="0">
                 <a:latin typeface="Calibri" panose="020F0502020204030204" pitchFamily="34" charset="0"/>
                 <a:ea typeface="微软雅黑" panose="020B0503020204020204" pitchFamily="34" charset="-122"/>
                 <a:cs typeface="Calibri" panose="020F0502020204030204" pitchFamily="34" charset="0"/>
               </a:rPr>
-              <a:t>            &lt;/div&gt;</a:t>
-            </a:r>
-          </a:p>
-          <a:p>
+              <a:t>-cell__</a:t>
+            </a:r>
+            <a:r>
+              <a:rPr lang="en-US" altLang="zh-CN" dirty="0" err="1">
+                <a:latin typeface="Calibri" panose="020F0502020204030204" pitchFamily="34" charset="0"/>
+                <a:ea typeface="微软雅黑" panose="020B0503020204020204" pitchFamily="34" charset="-122"/>
+                <a:cs typeface="Calibri" panose="020F0502020204030204" pitchFamily="34" charset="0"/>
+              </a:rPr>
+              <a:t>ft</a:t>
+            </a:r>
             <a:r>
               <a:rPr lang="en-US" altLang="zh-CN" dirty="0">
                 <a:latin typeface="Calibri" panose="020F0502020204030204" pitchFamily="34" charset="0"/>
                 <a:ea typeface="微软雅黑" panose="020B0503020204020204" pitchFamily="34" charset="-122"/>
                 <a:cs typeface="Calibri" panose="020F0502020204030204" pitchFamily="34" charset="0"/>
               </a:rPr>
-              <a:t>          &lt;/a&gt;</a:t>
-            </a:r>
-          </a:p>
-          <a:p>
-            <a:r>
-              <a:rPr lang="en-US" altLang="zh-CN" dirty="0" smtClean="0">
-                <a:latin typeface="Calibri" panose="020F0502020204030204" pitchFamily="34" charset="0"/>
-                <a:ea typeface="微软雅黑" panose="020B0503020204020204" pitchFamily="34" charset="-122"/>
-                <a:cs typeface="Calibri" panose="020F0502020204030204" pitchFamily="34" charset="0"/>
-              </a:rPr>
-              <a:t>        &lt;/</a:t>
-            </a:r>
-            <a:r>
-              <a:rPr lang="en-US" altLang="zh-CN" dirty="0">
-                <a:latin typeface="Calibri" panose="020F0502020204030204" pitchFamily="34" charset="0"/>
-                <a:ea typeface="微软雅黑" panose="020B0503020204020204" pitchFamily="34" charset="-122"/>
-                <a:cs typeface="Calibri" panose="020F0502020204030204" pitchFamily="34" charset="0"/>
-              </a:rPr>
-              <a:t>div&gt;</a:t>
-            </a:r>
-          </a:p>
-          <a:p>
-            <a:r>
-              <a:rPr lang="en-US" altLang="zh-CN" dirty="0">
-                <a:latin typeface="Calibri" panose="020F0502020204030204" pitchFamily="34" charset="0"/>
-                <a:ea typeface="微软雅黑" panose="020B0503020204020204" pitchFamily="34" charset="-122"/>
-                <a:cs typeface="Calibri" panose="020F0502020204030204" pitchFamily="34" charset="0"/>
-              </a:rPr>
-              <a:t>        &lt;div class="</a:t>
-            </a:r>
-            <a:r>
-              <a:rPr lang="en-US" altLang="zh-CN" dirty="0" err="1">
-                <a:latin typeface="Calibri" panose="020F0502020204030204" pitchFamily="34" charset="0"/>
-                <a:ea typeface="微软雅黑" panose="020B0503020204020204" pitchFamily="34" charset="-122"/>
-                <a:cs typeface="Calibri" panose="020F0502020204030204" pitchFamily="34" charset="0"/>
-              </a:rPr>
-              <a:t>weui</a:t>
-            </a:r>
-            <a:r>
-              <a:rPr lang="en-US" altLang="zh-CN" dirty="0">
-                <a:latin typeface="Calibri" panose="020F0502020204030204" pitchFamily="34" charset="0"/>
-                <a:ea typeface="微软雅黑" panose="020B0503020204020204" pitchFamily="34" charset="-122"/>
-                <a:cs typeface="Calibri" panose="020F0502020204030204" pitchFamily="34" charset="0"/>
-              </a:rPr>
-              <a:t>-panel__</a:t>
-            </a:r>
-            <a:r>
-              <a:rPr lang="en-US" altLang="zh-CN" dirty="0" err="1">
-                <a:latin typeface="Calibri" panose="020F0502020204030204" pitchFamily="34" charset="0"/>
-                <a:ea typeface="微软雅黑" panose="020B0503020204020204" pitchFamily="34" charset="-122"/>
-                <a:cs typeface="Calibri" panose="020F0502020204030204" pitchFamily="34" charset="0"/>
-              </a:rPr>
-              <a:t>ft</a:t>
-            </a:r>
-            <a:r>
-              <a:rPr lang="en-US" altLang="zh-CN" dirty="0">
-                <a:latin typeface="Calibri" panose="020F0502020204030204" pitchFamily="34" charset="0"/>
-                <a:ea typeface="微软雅黑" panose="020B0503020204020204" pitchFamily="34" charset="-122"/>
-                <a:cs typeface="Calibri" panose="020F0502020204030204" pitchFamily="34" charset="0"/>
-              </a:rPr>
-              <a:t>"&gt;</a:t>
-            </a:r>
-          </a:p>
-          <a:p>
-            <a:r>
-              <a:rPr lang="en-US" altLang="zh-CN" dirty="0">
-                <a:latin typeface="Calibri" panose="020F0502020204030204" pitchFamily="34" charset="0"/>
-                <a:ea typeface="微软雅黑" panose="020B0503020204020204" pitchFamily="34" charset="-122"/>
-                <a:cs typeface="Calibri" panose="020F0502020204030204" pitchFamily="34" charset="0"/>
-              </a:rPr>
-              <a:t>          &lt;a </a:t>
-            </a:r>
-            <a:r>
-              <a:rPr lang="en-US" altLang="zh-CN" dirty="0" err="1">
-                <a:latin typeface="Calibri" panose="020F0502020204030204" pitchFamily="34" charset="0"/>
-                <a:ea typeface="微软雅黑" panose="020B0503020204020204" pitchFamily="34" charset="-122"/>
-                <a:cs typeface="Calibri" panose="020F0502020204030204" pitchFamily="34" charset="0"/>
-              </a:rPr>
-              <a:t>href</a:t>
-            </a:r>
-            <a:r>
-              <a:rPr lang="en-US" altLang="zh-CN" dirty="0">
-                <a:latin typeface="Calibri" panose="020F0502020204030204" pitchFamily="34" charset="0"/>
-                <a:ea typeface="微软雅黑" panose="020B0503020204020204" pitchFamily="34" charset="-122"/>
-                <a:cs typeface="Calibri" panose="020F0502020204030204" pitchFamily="34" charset="0"/>
-              </a:rPr>
-              <a:t>="</a:t>
-            </a:r>
-            <a:r>
-              <a:rPr lang="en-US" altLang="zh-CN" dirty="0" err="1">
-                <a:latin typeface="Calibri" panose="020F0502020204030204" pitchFamily="34" charset="0"/>
-                <a:ea typeface="微软雅黑" panose="020B0503020204020204" pitchFamily="34" charset="-122"/>
-                <a:cs typeface="Calibri" panose="020F0502020204030204" pitchFamily="34" charset="0"/>
-              </a:rPr>
-              <a:t>javascript:void</a:t>
-            </a:r>
-            <a:r>
-              <a:rPr lang="en-US" altLang="zh-CN" dirty="0">
-                <a:latin typeface="Calibri" panose="020F0502020204030204" pitchFamily="34" charset="0"/>
-                <a:ea typeface="微软雅黑" panose="020B0503020204020204" pitchFamily="34" charset="-122"/>
-                <a:cs typeface="Calibri" panose="020F0502020204030204" pitchFamily="34" charset="0"/>
-              </a:rPr>
-              <a:t>(0);" class="</a:t>
-            </a:r>
-            <a:r>
-              <a:rPr lang="en-US" altLang="zh-CN" dirty="0" err="1">
-                <a:latin typeface="Calibri" panose="020F0502020204030204" pitchFamily="34" charset="0"/>
-                <a:ea typeface="微软雅黑" panose="020B0503020204020204" pitchFamily="34" charset="-122"/>
-                <a:cs typeface="Calibri" panose="020F0502020204030204" pitchFamily="34" charset="0"/>
-              </a:rPr>
-              <a:t>weui</a:t>
-            </a:r>
-            <a:r>
-              <a:rPr lang="en-US" altLang="zh-CN" dirty="0">
-                <a:latin typeface="Calibri" panose="020F0502020204030204" pitchFamily="34" charset="0"/>
-                <a:ea typeface="微软雅黑" panose="020B0503020204020204" pitchFamily="34" charset="-122"/>
-                <a:cs typeface="Calibri" panose="020F0502020204030204" pitchFamily="34" charset="0"/>
-              </a:rPr>
-              <a:t>-cell </a:t>
-            </a:r>
-            <a:r>
-              <a:rPr lang="en-US" altLang="zh-CN" dirty="0" err="1">
-                <a:latin typeface="Calibri" panose="020F0502020204030204" pitchFamily="34" charset="0"/>
-                <a:ea typeface="微软雅黑" panose="020B0503020204020204" pitchFamily="34" charset="-122"/>
-                <a:cs typeface="Calibri" panose="020F0502020204030204" pitchFamily="34" charset="0"/>
-              </a:rPr>
-              <a:t>weui-cell_access</a:t>
-            </a:r>
-            <a:r>
-              <a:rPr lang="en-US" altLang="zh-CN" dirty="0">
-                <a:latin typeface="Calibri" panose="020F0502020204030204" pitchFamily="34" charset="0"/>
-                <a:ea typeface="微软雅黑" panose="020B0503020204020204" pitchFamily="34" charset="-122"/>
-                <a:cs typeface="Calibri" panose="020F0502020204030204" pitchFamily="34" charset="0"/>
-              </a:rPr>
-              <a:t> </a:t>
-            </a:r>
-            <a:r>
-              <a:rPr lang="en-US" altLang="zh-CN" dirty="0" err="1">
-                <a:latin typeface="Calibri" panose="020F0502020204030204" pitchFamily="34" charset="0"/>
-                <a:ea typeface="微软雅黑" panose="020B0503020204020204" pitchFamily="34" charset="-122"/>
-                <a:cs typeface="Calibri" panose="020F0502020204030204" pitchFamily="34" charset="0"/>
-              </a:rPr>
-              <a:t>weui-cell_link</a:t>
-            </a:r>
-            <a:r>
-              <a:rPr lang="en-US" altLang="zh-CN" dirty="0">
-                <a:latin typeface="Calibri" panose="020F0502020204030204" pitchFamily="34" charset="0"/>
-                <a:ea typeface="微软雅黑" panose="020B0503020204020204" pitchFamily="34" charset="-122"/>
-                <a:cs typeface="Calibri" panose="020F0502020204030204" pitchFamily="34" charset="0"/>
-              </a:rPr>
-              <a:t>"&gt;</a:t>
-            </a:r>
-          </a:p>
-          <a:p>
-            <a:r>
-              <a:rPr lang="en-US" altLang="zh-CN" dirty="0">
-                <a:latin typeface="Calibri" panose="020F0502020204030204" pitchFamily="34" charset="0"/>
-                <a:ea typeface="微软雅黑" panose="020B0503020204020204" pitchFamily="34" charset="-122"/>
-                <a:cs typeface="Calibri" panose="020F0502020204030204" pitchFamily="34" charset="0"/>
-              </a:rPr>
-              <a:t>            &lt;div class="</a:t>
-            </a:r>
-            <a:r>
-              <a:rPr lang="en-US" altLang="zh-CN" dirty="0" err="1">
-                <a:latin typeface="Calibri" panose="020F0502020204030204" pitchFamily="34" charset="0"/>
-                <a:ea typeface="微软雅黑" panose="020B0503020204020204" pitchFamily="34" charset="-122"/>
-                <a:cs typeface="Calibri" panose="020F0502020204030204" pitchFamily="34" charset="0"/>
-              </a:rPr>
-              <a:t>weui</a:t>
-            </a:r>
-            <a:r>
-              <a:rPr lang="en-US" altLang="zh-CN" dirty="0">
-                <a:latin typeface="Calibri" panose="020F0502020204030204" pitchFamily="34" charset="0"/>
-                <a:ea typeface="微软雅黑" panose="020B0503020204020204" pitchFamily="34" charset="-122"/>
-                <a:cs typeface="Calibri" panose="020F0502020204030204" pitchFamily="34" charset="0"/>
-              </a:rPr>
-              <a:t>-cell__</a:t>
-            </a:r>
-            <a:r>
-              <a:rPr lang="en-US" altLang="zh-CN" dirty="0" err="1">
-                <a:latin typeface="Calibri" panose="020F0502020204030204" pitchFamily="34" charset="0"/>
-                <a:ea typeface="微软雅黑" panose="020B0503020204020204" pitchFamily="34" charset="-122"/>
-                <a:cs typeface="Calibri" panose="020F0502020204030204" pitchFamily="34" charset="0"/>
-              </a:rPr>
-              <a:t>bd</a:t>
-            </a:r>
-            <a:r>
-              <a:rPr lang="en-US" altLang="zh-CN" dirty="0">
-                <a:latin typeface="Calibri" panose="020F0502020204030204" pitchFamily="34" charset="0"/>
-                <a:ea typeface="微软雅黑" panose="020B0503020204020204" pitchFamily="34" charset="-122"/>
-                <a:cs typeface="Calibri" panose="020F0502020204030204" pitchFamily="34" charset="0"/>
-              </a:rPr>
-              <a:t>"&gt;</a:t>
-            </a:r>
-            <a:r>
-              <a:rPr lang="zh-CN" altLang="en-US" dirty="0">
-                <a:latin typeface="Calibri" panose="020F0502020204030204" pitchFamily="34" charset="0"/>
-                <a:ea typeface="微软雅黑" panose="020B0503020204020204" pitchFamily="34" charset="-122"/>
-                <a:cs typeface="Calibri" panose="020F0502020204030204" pitchFamily="34" charset="0"/>
-              </a:rPr>
-              <a:t>查看更多</a:t>
-            </a:r>
-            <a:r>
-              <a:rPr lang="en-US" altLang="zh-CN" dirty="0">
-                <a:latin typeface="Calibri" panose="020F0502020204030204" pitchFamily="34" charset="0"/>
-                <a:ea typeface="微软雅黑" panose="020B0503020204020204" pitchFamily="34" charset="-122"/>
-                <a:cs typeface="Calibri" panose="020F0502020204030204" pitchFamily="34" charset="0"/>
-              </a:rPr>
-              <a:t>&lt;/div</a:t>
-            </a:r>
-            <a:r>
-              <a:rPr lang="en-US" altLang="zh-CN" dirty="0" smtClean="0">
-                <a:latin typeface="Calibri" panose="020F0502020204030204" pitchFamily="34" charset="0"/>
-                <a:ea typeface="微软雅黑" panose="020B0503020204020204" pitchFamily="34" charset="-122"/>
-                <a:cs typeface="Calibri" panose="020F0502020204030204" pitchFamily="34" charset="0"/>
-              </a:rPr>
-              <a:t>&gt;&lt;</a:t>
-            </a:r>
-            <a:r>
-              <a:rPr lang="en-US" altLang="zh-CN" dirty="0">
-                <a:latin typeface="Calibri" panose="020F0502020204030204" pitchFamily="34" charset="0"/>
-                <a:ea typeface="微软雅黑" panose="020B0503020204020204" pitchFamily="34" charset="-122"/>
-                <a:cs typeface="Calibri" panose="020F0502020204030204" pitchFamily="34" charset="0"/>
-              </a:rPr>
-              <a:t>span class="</a:t>
-            </a:r>
-            <a:r>
-              <a:rPr lang="en-US" altLang="zh-CN" dirty="0" err="1">
-                <a:latin typeface="Calibri" panose="020F0502020204030204" pitchFamily="34" charset="0"/>
-                <a:ea typeface="微软雅黑" panose="020B0503020204020204" pitchFamily="34" charset="-122"/>
-                <a:cs typeface="Calibri" panose="020F0502020204030204" pitchFamily="34" charset="0"/>
-              </a:rPr>
-              <a:t>weui</a:t>
-            </a:r>
-            <a:r>
-              <a:rPr lang="en-US" altLang="zh-CN" dirty="0">
-                <a:latin typeface="Calibri" panose="020F0502020204030204" pitchFamily="34" charset="0"/>
-                <a:ea typeface="微软雅黑" panose="020B0503020204020204" pitchFamily="34" charset="-122"/>
-                <a:cs typeface="Calibri" panose="020F0502020204030204" pitchFamily="34" charset="0"/>
-              </a:rPr>
-              <a:t>-cell__</a:t>
-            </a:r>
-            <a:r>
-              <a:rPr lang="en-US" altLang="zh-CN" dirty="0" err="1">
-                <a:latin typeface="Calibri" panose="020F0502020204030204" pitchFamily="34" charset="0"/>
-                <a:ea typeface="微软雅黑" panose="020B0503020204020204" pitchFamily="34" charset="-122"/>
-                <a:cs typeface="Calibri" panose="020F0502020204030204" pitchFamily="34" charset="0"/>
-              </a:rPr>
-              <a:t>ft</a:t>
-            </a:r>
-            <a:r>
-              <a:rPr lang="en-US" altLang="zh-CN" dirty="0">
-                <a:latin typeface="Calibri" panose="020F0502020204030204" pitchFamily="34" charset="0"/>
-                <a:ea typeface="微软雅黑" panose="020B0503020204020204" pitchFamily="34" charset="-122"/>
-                <a:cs typeface="Calibri" panose="020F0502020204030204" pitchFamily="34" charset="0"/>
-              </a:rPr>
-              <a:t>"&gt;&lt;/span</a:t>
-            </a:r>
-            <a:r>
-              <a:rPr lang="en-US" altLang="zh-CN" dirty="0" smtClean="0">
-                <a:latin typeface="Calibri" panose="020F0502020204030204" pitchFamily="34" charset="0"/>
-                <a:ea typeface="微软雅黑" panose="020B0503020204020204" pitchFamily="34" charset="-122"/>
-                <a:cs typeface="Calibri" panose="020F0502020204030204" pitchFamily="34" charset="0"/>
-              </a:rPr>
-              <a:t>&gt;&lt;/</a:t>
-            </a:r>
-            <a:r>
-              <a:rPr lang="en-US" altLang="zh-CN" dirty="0">
-                <a:latin typeface="Calibri" panose="020F0502020204030204" pitchFamily="34" charset="0"/>
-                <a:ea typeface="微软雅黑" panose="020B0503020204020204" pitchFamily="34" charset="-122"/>
-                <a:cs typeface="Calibri" panose="020F0502020204030204" pitchFamily="34" charset="0"/>
-              </a:rPr>
-              <a:t>a&gt;    </a:t>
+              <a:t>"&gt;&lt;/span&gt;&lt;/a&gt;    </a:t>
             </a:r>
           </a:p>
           <a:p>
@@ -15457,10 +15268,9 @@
           <a:lstStyle/>
           <a:p>
             <a:r>
-              <a:rPr lang="zh-CN" altLang="en-US" dirty="0" smtClean="0"/>
+              <a:rPr lang="zh-CN" altLang="en-US" dirty="0"/>
               <a:t>第三讲</a:t>
             </a:r>
-            <a:endParaRPr lang="zh-CN" altLang="en-US" dirty="0"/>
           </a:p>
         </p:txBody>
       </p:sp>
@@ -15494,7 +15304,7 @@
               <a:buAutoNum type="ea1JpnChsDbPeriod"/>
             </a:pPr>
             <a:r>
-              <a:rPr lang="en-US" altLang="zh-CN" sz="2000" dirty="0" err="1" smtClean="0">
+              <a:rPr lang="en-US" altLang="zh-CN" sz="2000" dirty="0" err="1">
                 <a:solidFill>
                   <a:schemeClr val="tx1">
                     <a:lumMod val="65000"/>
@@ -15507,7 +15317,7 @@
               <a:t>WeUI</a:t>
             </a:r>
             <a:r>
-              <a:rPr lang="zh-CN" altLang="en-US" sz="2000" dirty="0" smtClean="0">
+              <a:rPr lang="zh-CN" altLang="en-US" sz="2000" dirty="0">
                 <a:solidFill>
                   <a:schemeClr val="tx1">
                     <a:lumMod val="65000"/>
@@ -15539,7 +15349,7 @@
               <a:buAutoNum type="ea1JpnChsDbPeriod"/>
             </a:pPr>
             <a:r>
-              <a:rPr lang="en-US" altLang="zh-CN" sz="2000" dirty="0" err="1" smtClean="0">
+              <a:rPr lang="en-US" altLang="zh-CN" sz="2000" dirty="0" err="1">
                 <a:solidFill>
                   <a:schemeClr val="tx1">
                     <a:lumMod val="65000"/>
@@ -15552,7 +15362,7 @@
               <a:t>WeUI</a:t>
             </a:r>
             <a:r>
-              <a:rPr lang="zh-CN" altLang="en-US" sz="2000" dirty="0" smtClean="0">
+              <a:rPr lang="zh-CN" altLang="en-US" sz="2000" dirty="0">
                 <a:solidFill>
                   <a:schemeClr val="tx1">
                     <a:lumMod val="65000"/>
@@ -15658,14 +15468,13 @@
           <a:lstStyle/>
           <a:p>
             <a:r>
-              <a:rPr lang="en-US" altLang="zh-CN" b="0" dirty="0" smtClean="0"/>
+              <a:rPr lang="en-US" altLang="zh-CN" b="0" dirty="0"/>
               <a:t>Input</a:t>
             </a:r>
             <a:r>
-              <a:rPr lang="zh-CN" altLang="en-US" b="0" dirty="0" smtClean="0"/>
+              <a:rPr lang="zh-CN" altLang="en-US" b="0" dirty="0"/>
               <a:t>表单</a:t>
             </a:r>
-            <a:endParaRPr lang="zh-CN" altLang="en-US" b="0" dirty="0"/>
           </a:p>
         </p:txBody>
       </p:sp>
@@ -15783,13 +15592,6 @@
   <p:clrMapOvr>
     <a:masterClrMapping/>
   </p:clrMapOvr>
-  <p:timing>
-    <p:tnLst>
-      <p:par>
-        <p:cTn id="1" dur="indefinite" restart="never" nodeType="tmRoot"/>
-      </p:par>
-    </p:tnLst>
-  </p:timing>
 </p:sld>
 </file>
 
@@ -15827,13 +15629,8 @@
           <a:p>
             <a:r>
               <a:rPr lang="zh-CN" altLang="en-US" b="0" dirty="0"/>
-              <a:t>完整</a:t>
-            </a:r>
-            <a:r>
-              <a:rPr lang="zh-CN" altLang="en-US" b="0" dirty="0" smtClean="0"/>
-              <a:t>的表单页面</a:t>
-            </a:r>
-            <a:endParaRPr lang="zh-CN" altLang="en-US" b="0" dirty="0"/>
+              <a:t>完整的表单页面</a:t>
+            </a:r>
           </a:p>
         </p:txBody>
       </p:sp>
@@ -15864,19 +15661,15 @@
               <a:buChar char="•"/>
             </a:pPr>
             <a:r>
-              <a:rPr lang="zh-CN" altLang="en-US" dirty="0" smtClean="0"/>
+              <a:rPr lang="zh-CN" altLang="en-US" dirty="0"/>
               <a:t>部分代码示例：</a:t>
             </a:r>
-            <a:endParaRPr lang="en-US" altLang="zh-CN" dirty="0" smtClean="0"/>
-          </a:p>
-          <a:p>
-            <a:r>
-              <a:rPr lang="en-US" altLang="zh-CN" dirty="0" smtClean="0"/>
-              <a:t>    &lt;</a:t>
-            </a:r>
+            <a:endParaRPr lang="en-US" altLang="zh-CN" dirty="0"/>
+          </a:p>
+          <a:p>
             <a:r>
               <a:rPr lang="en-US" altLang="zh-CN" dirty="0"/>
-              <a:t>div class="</a:t>
+              <a:t>    &lt;div class="</a:t>
             </a:r>
             <a:r>
               <a:rPr lang="en-US" altLang="zh-CN" dirty="0" err="1"/>
@@ -15919,22 +15712,14 @@
               <a:t>hd</a:t>
             </a:r>
             <a:r>
-              <a:rPr lang="en-US" altLang="zh-CN" dirty="0" smtClean="0"/>
+              <a:rPr lang="en-US" altLang="zh-CN" dirty="0"/>
               <a:t>"&gt;</a:t>
             </a:r>
           </a:p>
           <a:p>
             <a:r>
               <a:rPr lang="en-US" altLang="zh-CN" dirty="0"/>
-              <a:t> </a:t>
-            </a:r>
-            <a:r>
-              <a:rPr lang="en-US" altLang="zh-CN" dirty="0" smtClean="0"/>
-              <a:t>             &lt;</a:t>
-            </a:r>
-            <a:r>
-              <a:rPr lang="en-US" altLang="zh-CN" dirty="0"/>
-              <a:t>label class="</a:t>
+              <a:t>              &lt;label class="</a:t>
             </a:r>
             <a:r>
               <a:rPr lang="en-US" altLang="zh-CN" dirty="0" err="1"/>
@@ -15950,25 +15735,13 @@
             </a:r>
             <a:r>
               <a:rPr lang="en-US" altLang="zh-CN" dirty="0"/>
-              <a:t>&lt;/label</a:t>
-            </a:r>
-            <a:r>
-              <a:rPr lang="en-US" altLang="zh-CN" dirty="0" smtClean="0"/>
-              <a:t>&gt;</a:t>
+              <a:t>&lt;/label&gt;</a:t>
             </a:r>
           </a:p>
           <a:p>
             <a:r>
               <a:rPr lang="en-US" altLang="zh-CN" dirty="0"/>
-              <a:t> </a:t>
-            </a:r>
-            <a:r>
-              <a:rPr lang="en-US" altLang="zh-CN" dirty="0" smtClean="0"/>
-              <a:t>         &lt;/</a:t>
-            </a:r>
-            <a:r>
-              <a:rPr lang="en-US" altLang="zh-CN" dirty="0"/>
-              <a:t>div&gt;</a:t>
+              <a:t>          &lt;/div&gt;</a:t>
             </a:r>
           </a:p>
           <a:p>
@@ -16010,28 +15783,24 @@
           <a:p>
             <a:r>
               <a:rPr lang="en-US" altLang="zh-CN" dirty="0"/>
-              <a:t>          &lt;/div</a:t>
-            </a:r>
-            <a:r>
-              <a:rPr lang="en-US" altLang="zh-CN" dirty="0" smtClean="0"/>
-              <a:t>&gt;</a:t>
-            </a:r>
-          </a:p>
-          <a:p>
-            <a:r>
-              <a:rPr lang="en-US" altLang="zh-CN" dirty="0" smtClean="0"/>
+              <a:t>          &lt;/div&gt;</a:t>
+            </a:r>
+          </a:p>
+          <a:p>
+            <a:r>
+              <a:rPr lang="en-US" altLang="zh-CN" dirty="0"/>
               <a:t>           </a:t>
             </a:r>
             <a:r>
-              <a:rPr lang="en-US" altLang="zh-CN" sz="1600" i="1" dirty="0" smtClean="0"/>
+              <a:rPr lang="en-US" altLang="zh-CN" sz="1600" i="1" dirty="0"/>
               <a:t>&lt;!--·····</a:t>
             </a:r>
             <a:r>
-              <a:rPr lang="zh-CN" altLang="en-US" sz="1600" i="1" dirty="0" smtClean="0"/>
+              <a:rPr lang="zh-CN" altLang="en-US" sz="1600" i="1" dirty="0"/>
               <a:t>省略其他表单</a:t>
             </a:r>
             <a:r>
-              <a:rPr lang="en-US" altLang="zh-CN" sz="1600" i="1" dirty="0" smtClean="0"/>
+              <a:rPr lang="en-US" altLang="zh-CN" sz="1600" i="1" dirty="0"/>
               <a:t>····--&gt;</a:t>
             </a:r>
           </a:p>
@@ -16041,19 +15810,7 @@
           <a:p>
             <a:r>
               <a:rPr lang="en-US" altLang="zh-CN" dirty="0"/>
-              <a:t>      </a:t>
-            </a:r>
-            <a:r>
-              <a:rPr lang="en-US" altLang="zh-CN" dirty="0" smtClean="0"/>
-              <a:t>&lt;/</a:t>
-            </a:r>
-            <a:r>
-              <a:rPr lang="en-US" altLang="zh-CN" dirty="0"/>
-              <a:t>div</a:t>
-            </a:r>
-            <a:r>
-              <a:rPr lang="en-US" altLang="zh-CN" dirty="0" smtClean="0"/>
-              <a:t>&gt;</a:t>
+              <a:t>      &lt;/div&gt;</a:t>
             </a:r>
           </a:p>
         </p:txBody>
@@ -16068,13 +15825,6 @@
   <p:clrMapOvr>
     <a:masterClrMapping/>
   </p:clrMapOvr>
-  <p:timing>
-    <p:tnLst>
-      <p:par>
-        <p:cTn id="1" dur="indefinite" restart="never" nodeType="tmRoot"/>
-      </p:par>
-    </p:tnLst>
-  </p:timing>
 </p:sld>
 </file>
 
@@ -16116,14 +15866,13 @@
           <a:lstStyle/>
           <a:p>
             <a:r>
-              <a:rPr lang="en-US" altLang="zh-CN" b="0" dirty="0" smtClean="0"/>
+              <a:rPr lang="en-US" altLang="zh-CN" b="0" dirty="0"/>
               <a:t>JS</a:t>
             </a:r>
             <a:r>
-              <a:rPr lang="zh-CN" altLang="en-US" b="0" dirty="0" smtClean="0"/>
+              <a:rPr lang="zh-CN" altLang="en-US" b="0" dirty="0"/>
               <a:t>获取表单信息</a:t>
             </a:r>
-            <a:endParaRPr lang="zh-CN" altLang="en-US" b="0" dirty="0"/>
           </a:p>
         </p:txBody>
       </p:sp>
@@ -16157,27 +15906,27 @@
               <a:buChar char="•"/>
             </a:pPr>
             <a:r>
-              <a:rPr lang="zh-CN" altLang="en-US" sz="2000" dirty="0" smtClean="0">
+              <a:rPr lang="zh-CN" altLang="en-US" sz="2000" dirty="0">
                 <a:latin typeface="微软雅黑" panose="020B0503020204020204" pitchFamily="34" charset="-122"/>
                 <a:ea typeface="微软雅黑" panose="020B0503020204020204" pitchFamily="34" charset="-122"/>
               </a:rPr>
               <a:t>完成表单页面以后，点击提交按钮使用</a:t>
             </a:r>
             <a:r>
-              <a:rPr lang="en-US" altLang="zh-CN" sz="2000" dirty="0" smtClean="0">
+              <a:rPr lang="en-US" altLang="zh-CN" sz="2000" dirty="0">
                 <a:latin typeface="微软雅黑" panose="020B0503020204020204" pitchFamily="34" charset="-122"/>
                 <a:ea typeface="微软雅黑" panose="020B0503020204020204" pitchFamily="34" charset="-122"/>
               </a:rPr>
               <a:t>JS</a:t>
             </a:r>
             <a:r>
-              <a:rPr lang="zh-CN" altLang="en-US" sz="2000" dirty="0" smtClean="0">
+              <a:rPr lang="zh-CN" altLang="en-US" sz="2000" dirty="0">
                 <a:latin typeface="微软雅黑" panose="020B0503020204020204" pitchFamily="34" charset="-122"/>
                 <a:ea typeface="微软雅黑" panose="020B0503020204020204" pitchFamily="34" charset="-122"/>
               </a:rPr>
               <a:t>获取输入的表单信息并显示。</a:t>
             </a:r>
-            <a:endParaRPr lang="en-US" altLang="zh-CN" sz="2000" dirty="0" smtClean="0">
+            <a:endParaRPr lang="en-US" altLang="zh-CN" sz="2000" dirty="0">
               <a:latin typeface="微软雅黑" panose="020B0503020204020204" pitchFamily="34" charset="-122"/>
               <a:ea typeface="微软雅黑" panose="020B0503020204020204" pitchFamily="34" charset="-122"/>
             </a:endParaRPr>
@@ -16191,44 +15940,40 @@
               <a:buChar char="•"/>
             </a:pPr>
             <a:r>
-              <a:rPr lang="zh-CN" altLang="en-US" sz="2000" dirty="0" smtClean="0">
+              <a:rPr lang="zh-CN" altLang="en-US" sz="2000" dirty="0">
                 <a:latin typeface="微软雅黑" panose="020B0503020204020204" pitchFamily="34" charset="-122"/>
                 <a:ea typeface="微软雅黑" panose="020B0503020204020204" pitchFamily="34" charset="-122"/>
               </a:rPr>
               <a:t>使用</a:t>
             </a:r>
             <a:r>
-              <a:rPr lang="en-US" altLang="zh-CN" sz="2000" dirty="0" err="1" smtClean="0">
+              <a:rPr lang="en-US" altLang="zh-CN" sz="2000" dirty="0" err="1">
                 <a:latin typeface="微软雅黑" panose="020B0503020204020204" pitchFamily="34" charset="-122"/>
                 <a:ea typeface="微软雅黑" panose="020B0503020204020204" pitchFamily="34" charset="-122"/>
               </a:rPr>
               <a:t>WeUI</a:t>
             </a:r>
             <a:r>
-              <a:rPr lang="zh-CN" altLang="en-US" sz="2000" dirty="0" smtClean="0">
+              <a:rPr lang="zh-CN" altLang="en-US" sz="2000" dirty="0">
                 <a:latin typeface="微软雅黑" panose="020B0503020204020204" pitchFamily="34" charset="-122"/>
                 <a:ea typeface="微软雅黑" panose="020B0503020204020204" pitchFamily="34" charset="-122"/>
               </a:rPr>
               <a:t>内置的</a:t>
             </a:r>
             <a:r>
-              <a:rPr lang="en-US" altLang="zh-CN" sz="2000" dirty="0" smtClean="0">
+              <a:rPr lang="en-US" altLang="zh-CN" sz="2000" dirty="0">
                 <a:latin typeface="微软雅黑" panose="020B0503020204020204" pitchFamily="34" charset="-122"/>
                 <a:ea typeface="微软雅黑" panose="020B0503020204020204" pitchFamily="34" charset="-122"/>
               </a:rPr>
               <a:t>alert</a:t>
             </a:r>
             <a:r>
-              <a:rPr lang="zh-CN" altLang="en-US" sz="2000" dirty="0" smtClean="0">
+              <a:rPr lang="zh-CN" altLang="en-US" sz="2000" dirty="0">
                 <a:latin typeface="微软雅黑" panose="020B0503020204020204" pitchFamily="34" charset="-122"/>
                 <a:ea typeface="微软雅黑" panose="020B0503020204020204" pitchFamily="34" charset="-122"/>
               </a:rPr>
               <a:t>功能类显示表单信息。</a:t>
             </a:r>
-            <a:endParaRPr lang="zh-CN" altLang="en-US" sz="2000" dirty="0">
-              <a:latin typeface="微软雅黑" panose="020B0503020204020204" pitchFamily="34" charset="-122"/>
-              <a:ea typeface="微软雅黑" panose="020B0503020204020204" pitchFamily="34" charset="-122"/>
-            </a:endParaRPr>
           </a:p>
         </p:txBody>
       </p:sp>
@@ -16308,10 +16053,9 @@
           <a:lstStyle/>
           <a:p>
             <a:r>
-              <a:rPr lang="zh-CN" altLang="en-US" b="0" dirty="0" smtClean="0"/>
+              <a:rPr lang="zh-CN" altLang="en-US" b="0" dirty="0"/>
               <a:t>本次课程目录</a:t>
             </a:r>
-            <a:endParaRPr lang="zh-CN" altLang="en-US" b="0" dirty="0"/>
           </a:p>
         </p:txBody>
       </p:sp>
@@ -16345,7 +16089,7 @@
               <a:buAutoNum type="ea1JpnChsDbPeriod"/>
             </a:pPr>
             <a:r>
-              <a:rPr lang="en-US" altLang="zh-CN" sz="2400" dirty="0" err="1" smtClean="0">
+              <a:rPr lang="en-US" altLang="zh-CN" sz="2400" dirty="0" err="1">
                 <a:solidFill>
                   <a:schemeClr val="tx1">
                     <a:lumMod val="65000"/>
@@ -16358,7 +16102,7 @@
               <a:t>WeUI</a:t>
             </a:r>
             <a:r>
-              <a:rPr lang="zh-CN" altLang="en-US" sz="2400" dirty="0" smtClean="0">
+              <a:rPr lang="zh-CN" altLang="en-US" sz="2400" dirty="0">
                 <a:solidFill>
                   <a:schemeClr val="tx1">
                     <a:lumMod val="65000"/>
@@ -16390,7 +16134,7 @@
               <a:buAutoNum type="ea1JpnChsDbPeriod"/>
             </a:pPr>
             <a:r>
-              <a:rPr lang="en-US" altLang="zh-CN" sz="2400" dirty="0" err="1" smtClean="0">
+              <a:rPr lang="en-US" altLang="zh-CN" sz="2400" dirty="0" err="1">
                 <a:solidFill>
                   <a:schemeClr val="tx1">
                     <a:lumMod val="65000"/>
@@ -16403,7 +16147,7 @@
               <a:t>WeUI</a:t>
             </a:r>
             <a:r>
-              <a:rPr lang="zh-CN" altLang="en-US" sz="2400" dirty="0" smtClean="0">
+              <a:rPr lang="zh-CN" altLang="en-US" sz="2400" dirty="0">
                 <a:solidFill>
                   <a:schemeClr val="tx1">
                     <a:lumMod val="65000"/>
@@ -16435,7 +16179,7 @@
               <a:buAutoNum type="ea1JpnChsDbPeriod"/>
             </a:pPr>
             <a:r>
-              <a:rPr lang="zh-CN" altLang="en-US" sz="2400" dirty="0" smtClean="0">
+              <a:rPr lang="zh-CN" altLang="en-US" sz="2400" dirty="0">
                 <a:solidFill>
                   <a:schemeClr val="tx1">
                     <a:lumMod val="65000"/>
@@ -16470,13 +16214,6 @@
   <p:clrMapOvr>
     <a:masterClrMapping/>
   </p:clrMapOvr>
-  <p:timing>
-    <p:tnLst>
-      <p:par>
-        <p:cTn id="1" dur="indefinite" restart="never" nodeType="tmRoot"/>
-      </p:par>
-    </p:tnLst>
-  </p:timing>
 </p:sld>
 </file>
 
@@ -17178,18 +16915,11 @@
   <p:clrMapOvr>
     <a:masterClrMapping/>
   </p:clrMapOvr>
-  <p:timing>
-    <p:tnLst>
-      <p:par>
-        <p:cTn id="1" dur="indefinite" restart="never" nodeType="tmRoot"/>
-      </p:par>
-    </p:tnLst>
-  </p:timing>
 </p:sld>
 </file>
 
 <file path=ppt/slides/slide3.xml><?xml version="1.0" encoding="utf-8"?>
-<p:sld xmlns:a="http://schemas.openxmlformats.org/drawingml/2006/main" xmlns:r="http://schemas.openxmlformats.org/officeDocument/2006/relationships" xmlns:p="http://schemas.openxmlformats.org/presentationml/2006/main" show="0">
+<p:sld xmlns:a="http://schemas.openxmlformats.org/drawingml/2006/main" xmlns:r="http://schemas.openxmlformats.org/officeDocument/2006/relationships" xmlns:p="http://schemas.openxmlformats.org/presentationml/2006/main">
   <p:cSld>
     <p:spTree>
       <p:nvGrpSpPr>
@@ -17221,10 +16951,81 @@
           <a:lstStyle/>
           <a:p>
             <a:r>
-              <a:rPr lang="zh-CN" altLang="en-US" b="0" dirty="0" smtClean="0"/>
+              <a:rPr lang="zh-CN" altLang="en-US" b="0" dirty="0"/>
               <a:t>课程概要</a:t>
             </a:r>
-            <a:endParaRPr lang="zh-CN" altLang="en-US" b="0" dirty="0"/>
+          </a:p>
+        </p:txBody>
+      </p:sp>
+      <p:sp>
+        <p:nvSpPr>
+          <p:cNvPr id="3" name="文本框 2">
+            <a:extLst>
+              <a:ext uri="{FF2B5EF4-FFF2-40B4-BE49-F238E27FC236}">
+                <a16:creationId xmlns:a16="http://schemas.microsoft.com/office/drawing/2014/main" id="{C9E3A738-8590-497A-91A7-6B2B8C49E148}"/>
+              </a:ext>
+            </a:extLst>
+          </p:cNvPr>
+          <p:cNvSpPr txBox="1"/>
+          <p:nvPr/>
+        </p:nvSpPr>
+        <p:spPr>
+          <a:xfrm>
+            <a:off x="1504335" y="1759974"/>
+            <a:ext cx="6233652" cy="875881"/>
+          </a:xfrm>
+          <a:prstGeom prst="rect">
+            <a:avLst/>
+          </a:prstGeom>
+          <a:noFill/>
+        </p:spPr>
+        <p:txBody>
+          <a:bodyPr wrap="square" rtlCol="0">
+            <a:spAutoFit/>
+          </a:bodyPr>
+          <a:lstStyle/>
+          <a:p>
+            <a:pPr marL="285750" indent="-285750">
+              <a:lnSpc>
+                <a:spcPct val="150000"/>
+              </a:lnSpc>
+              <a:buFont typeface="Arial" panose="020B0604020202020204" pitchFamily="34" charset="0"/>
+              <a:buChar char="•"/>
+            </a:pPr>
+            <a:r>
+              <a:rPr lang="en-US" altLang="zh-CN" dirty="0" err="1">
+                <a:latin typeface="微软雅黑" panose="020B0503020204020204" pitchFamily="34" charset="-122"/>
+                <a:ea typeface="微软雅黑" panose="020B0503020204020204" pitchFamily="34" charset="-122"/>
+              </a:rPr>
+              <a:t>WeUI</a:t>
+            </a:r>
+            <a:r>
+              <a:rPr lang="zh-CN" altLang="en-US" dirty="0">
+                <a:latin typeface="微软雅黑" panose="020B0503020204020204" pitchFamily="34" charset="-122"/>
+                <a:ea typeface="微软雅黑" panose="020B0503020204020204" pitchFamily="34" charset="-122"/>
+              </a:rPr>
+              <a:t>的基本使用</a:t>
+            </a:r>
+            <a:endParaRPr lang="en-US" altLang="zh-CN" dirty="0">
+              <a:latin typeface="微软雅黑" panose="020B0503020204020204" pitchFamily="34" charset="-122"/>
+              <a:ea typeface="微软雅黑" panose="020B0503020204020204" pitchFamily="34" charset="-122"/>
+            </a:endParaRPr>
+          </a:p>
+          <a:p>
+            <a:pPr marL="285750" indent="-285750">
+              <a:lnSpc>
+                <a:spcPct val="150000"/>
+              </a:lnSpc>
+              <a:buFont typeface="Arial" panose="020B0604020202020204" pitchFamily="34" charset="0"/>
+              <a:buChar char="•"/>
+            </a:pPr>
+            <a:r>
+              <a:rPr lang="zh-CN" altLang="en-US" dirty="0">
+                <a:latin typeface="微软雅黑" panose="020B0503020204020204" pitchFamily="34" charset="-122"/>
+                <a:ea typeface="微软雅黑" panose="020B0503020204020204" pitchFamily="34" charset="-122"/>
+              </a:rPr>
+              <a:t>实现一个表单页面</a:t>
+            </a:r>
           </a:p>
         </p:txBody>
       </p:sp>
@@ -17238,14 +17039,6 @@
   <p:clrMapOvr>
     <a:masterClrMapping/>
   </p:clrMapOvr>
-  <mc:AlternateContent xmlns:mc="http://schemas.openxmlformats.org/markup-compatibility/2006">
-    <mc:Choice xmlns:p14="http://schemas.microsoft.com/office/powerpoint/2010/main" Requires="p14">
-      <p:transition spd="slow" p14:dur="2000"/>
-    </mc:Choice>
-    <mc:Fallback>
-      <p:transition spd="slow"/>
-    </mc:Fallback>
-  </mc:AlternateContent>
 </p:sld>
 </file>
 
@@ -17287,10 +17080,9 @@
           <a:lstStyle/>
           <a:p>
             <a:r>
-              <a:rPr lang="zh-CN" altLang="en-US" b="0" dirty="0" smtClean="0"/>
+              <a:rPr lang="zh-CN" altLang="en-US" b="0" dirty="0"/>
               <a:t>第一节</a:t>
             </a:r>
-            <a:endParaRPr lang="zh-CN" altLang="en-US" b="0" dirty="0"/>
           </a:p>
         </p:txBody>
       </p:sp>
@@ -17324,7 +17116,7 @@
               <a:buAutoNum type="ea1JpnChsDbPeriod"/>
             </a:pPr>
             <a:r>
-              <a:rPr lang="en-US" altLang="zh-CN" sz="2400" dirty="0" err="1" smtClean="0">
+              <a:rPr lang="en-US" altLang="zh-CN" sz="2400" dirty="0" err="1">
                 <a:solidFill>
                   <a:schemeClr val="accent6">
                     <a:lumMod val="75000"/>
@@ -17336,7 +17128,7 @@
               <a:t>WeUI</a:t>
             </a:r>
             <a:r>
-              <a:rPr lang="zh-CN" altLang="en-US" sz="2400" dirty="0" smtClean="0">
+              <a:rPr lang="zh-CN" altLang="en-US" sz="2400" dirty="0">
                 <a:solidFill>
                   <a:schemeClr val="accent6">
                     <a:lumMod val="75000"/>
@@ -17366,7 +17158,7 @@
               <a:buAutoNum type="ea1JpnChsDbPeriod"/>
             </a:pPr>
             <a:r>
-              <a:rPr lang="en-US" altLang="zh-CN" sz="2000" dirty="0" err="1" smtClean="0">
+              <a:rPr lang="en-US" altLang="zh-CN" sz="2000" dirty="0" err="1">
                 <a:solidFill>
                   <a:schemeClr val="tx1">
                     <a:lumMod val="65000"/>
@@ -17379,7 +17171,7 @@
               <a:t>WeUI</a:t>
             </a:r>
             <a:r>
-              <a:rPr lang="zh-CN" altLang="en-US" sz="2000" dirty="0" smtClean="0">
+              <a:rPr lang="zh-CN" altLang="en-US" sz="2000" dirty="0">
                 <a:solidFill>
                   <a:schemeClr val="tx1">
                     <a:lumMod val="65000"/>
@@ -17411,7 +17203,7 @@
               <a:buAutoNum type="ea1JpnChsDbPeriod"/>
             </a:pPr>
             <a:r>
-              <a:rPr lang="zh-CN" altLang="en-US" sz="2000" dirty="0" smtClean="0">
+              <a:rPr lang="zh-CN" altLang="en-US" sz="2000" dirty="0">
                 <a:solidFill>
                   <a:schemeClr val="tx1">
                     <a:lumMod val="65000"/>
@@ -17482,14 +17274,13 @@
           <a:lstStyle/>
           <a:p>
             <a:r>
-              <a:rPr lang="en-US" altLang="zh-CN" b="0" dirty="0" err="1" smtClean="0"/>
+              <a:rPr lang="en-US" altLang="zh-CN" b="0" dirty="0" err="1"/>
               <a:t>WeUI</a:t>
             </a:r>
             <a:r>
-              <a:rPr lang="zh-CN" altLang="en-US" b="0" dirty="0" smtClean="0"/>
+              <a:rPr lang="zh-CN" altLang="en-US" b="0" dirty="0"/>
               <a:t>介绍</a:t>
             </a:r>
-            <a:endParaRPr lang="zh-CN" altLang="en-US" b="0" dirty="0"/>
           </a:p>
         </p:txBody>
       </p:sp>
@@ -17521,14 +17312,14 @@
               </a:lnSpc>
             </a:pPr>
             <a:r>
-              <a:rPr lang="en-US" altLang="zh-CN" sz="2000" dirty="0" err="1" smtClean="0">
+              <a:rPr lang="en-US" altLang="zh-CN" sz="2000" dirty="0" err="1">
                 <a:latin typeface="微软雅黑" panose="020B0503020204020204" pitchFamily="34" charset="-122"/>
                 <a:ea typeface="微软雅黑" panose="020B0503020204020204" pitchFamily="34" charset="-122"/>
               </a:rPr>
               <a:t>WeUI</a:t>
             </a:r>
             <a:r>
-              <a:rPr lang="en-US" altLang="zh-CN" sz="2000" dirty="0" smtClean="0">
+              <a:rPr lang="en-US" altLang="zh-CN" sz="2000" dirty="0">
                 <a:latin typeface="微软雅黑" panose="020B0503020204020204" pitchFamily="34" charset="-122"/>
                 <a:ea typeface="微软雅黑" panose="020B0503020204020204" pitchFamily="34" charset="-122"/>
               </a:rPr>
@@ -17660,50 +17451,21 @@
                 <a:latin typeface="微软雅黑" panose="020B0503020204020204" pitchFamily="34" charset="-122"/>
                 <a:ea typeface="微软雅黑" panose="020B0503020204020204" pitchFamily="34" charset="-122"/>
               </a:rPr>
-              <a:t>该样式库目前包含表单、基础组件、操作反馈、导航相关、搜索相关、层级规范等内容，已经</a:t>
-            </a:r>
-            <a:r>
-              <a:rPr lang="zh-CN" altLang="en-US" sz="2000" dirty="0" smtClean="0">
+              <a:t>该样式库目前包含表单、基础组件、操作反馈、导航相关、搜索相关、层级规范等内容，已经在</a:t>
+            </a:r>
+            <a:r>
+              <a:rPr lang="en-US" altLang="zh-CN" sz="2000" dirty="0">
                 <a:latin typeface="微软雅黑" panose="020B0503020204020204" pitchFamily="34" charset="-122"/>
                 <a:ea typeface="微软雅黑" panose="020B0503020204020204" pitchFamily="34" charset="-122"/>
               </a:rPr>
-              <a:t>在</a:t>
-            </a:r>
-            <a:r>
-              <a:rPr lang="en-US" altLang="zh-CN" sz="2000" dirty="0" smtClean="0">
-                <a:latin typeface="微软雅黑" panose="020B0503020204020204" pitchFamily="34" charset="-122"/>
-                <a:ea typeface="微软雅黑" panose="020B0503020204020204" pitchFamily="34" charset="-122"/>
-              </a:rPr>
               <a:t>GitHub</a:t>
-            </a:r>
-            <a:r>
-              <a:rPr lang="zh-CN" altLang="en-US" sz="2000" dirty="0" smtClean="0">
-                <a:latin typeface="微软雅黑" panose="020B0503020204020204" pitchFamily="34" charset="-122"/>
-                <a:ea typeface="微软雅黑" panose="020B0503020204020204" pitchFamily="34" charset="-122"/>
-              </a:rPr>
-              <a:t>上</a:t>
             </a:r>
             <a:r>
               <a:rPr lang="zh-CN" altLang="en-US" sz="2000" dirty="0">
                 <a:latin typeface="微软雅黑" panose="020B0503020204020204" pitchFamily="34" charset="-122"/>
                 <a:ea typeface="微软雅黑" panose="020B0503020204020204" pitchFamily="34" charset="-122"/>
               </a:rPr>
-              <a:t>开源。</a:t>
-            </a:r>
-            <a:r>
-              <a:rPr lang="zh-CN" altLang="en-US" sz="2000" dirty="0" smtClean="0">
-                <a:latin typeface="微软雅黑" panose="020B0503020204020204" pitchFamily="34" charset="-122"/>
-                <a:ea typeface="微软雅黑" panose="020B0503020204020204" pitchFamily="34" charset="-122"/>
-              </a:rPr>
-              <a:t>访问</a:t>
-            </a:r>
-            <a:r>
-              <a:rPr lang="en-US" altLang="zh-CN" sz="2000" dirty="0" smtClean="0">
-                <a:latin typeface="微软雅黑" panose="020B0503020204020204" pitchFamily="34" charset="-122"/>
-                <a:ea typeface="微软雅黑" panose="020B0503020204020204" pitchFamily="34" charset="-122"/>
-                <a:hlinkClick r:id="rId2"/>
-              </a:rPr>
-              <a:t>http</a:t>
+              <a:t>上开源。访问</a:t>
             </a:r>
             <a:r>
               <a:rPr lang="en-US" altLang="zh-CN" sz="2000" dirty="0">
@@ -17711,34 +17473,15 @@
                 <a:ea typeface="微软雅黑" panose="020B0503020204020204" pitchFamily="34" charset="-122"/>
                 <a:hlinkClick r:id="rId2"/>
               </a:rPr>
-              <a:t>://</a:t>
-            </a:r>
-            <a:r>
-              <a:rPr lang="en-US" altLang="zh-CN" sz="2000" dirty="0" smtClean="0">
-                <a:latin typeface="微软雅黑" panose="020B0503020204020204" pitchFamily="34" charset="-122"/>
-                <a:ea typeface="微软雅黑" panose="020B0503020204020204" pitchFamily="34" charset="-122"/>
-                <a:hlinkClick r:id="rId2"/>
-              </a:rPr>
-              <a:t>weui.io</a:t>
+              <a:t>http://weui.io</a:t>
             </a:r>
             <a:r>
               <a:rPr lang="zh-CN" altLang="en-US" sz="2000" dirty="0">
                 <a:latin typeface="微软雅黑" panose="020B0503020204020204" pitchFamily="34" charset="-122"/>
                 <a:ea typeface="微软雅黑" panose="020B0503020204020204" pitchFamily="34" charset="-122"/>
               </a:rPr>
-              <a:t>查看 </a:t>
-            </a:r>
-            <a:r>
-              <a:rPr lang="zh-CN" altLang="en-US" sz="2000" dirty="0" smtClean="0">
-                <a:latin typeface="微软雅黑" panose="020B0503020204020204" pitchFamily="34" charset="-122"/>
-                <a:ea typeface="微软雅黑" panose="020B0503020204020204" pitchFamily="34" charset="-122"/>
-              </a:rPr>
-              <a:t>。</a:t>
-            </a:r>
-            <a:endParaRPr lang="zh-CN" altLang="en-US" sz="2000" dirty="0">
-              <a:latin typeface="微软雅黑" panose="020B0503020204020204" pitchFamily="34" charset="-122"/>
-              <a:ea typeface="微软雅黑" panose="020B0503020204020204" pitchFamily="34" charset="-122"/>
-            </a:endParaRPr>
+              <a:t>查看 。</a:t>
+            </a:r>
           </a:p>
         </p:txBody>
       </p:sp>
@@ -17793,14 +17536,13 @@
           <a:lstStyle/>
           <a:p>
             <a:r>
-              <a:rPr lang="en-US" altLang="zh-CN" b="0" dirty="0" err="1" smtClean="0"/>
+              <a:rPr lang="en-US" altLang="zh-CN" b="0" dirty="0" err="1"/>
               <a:t>WeUI</a:t>
             </a:r>
             <a:r>
-              <a:rPr lang="zh-CN" altLang="en-US" b="0" dirty="0" smtClean="0"/>
+              <a:rPr lang="zh-CN" altLang="en-US" b="0" dirty="0"/>
               <a:t>示例页面</a:t>
             </a:r>
-            <a:endParaRPr lang="zh-CN" altLang="en-US" b="0" dirty="0"/>
           </a:p>
         </p:txBody>
       </p:sp>
@@ -17862,27 +17604,27 @@
               </a:lnSpc>
             </a:pPr>
             <a:r>
-              <a:rPr lang="zh-CN" altLang="en-US" sz="2400" dirty="0" smtClean="0">
+              <a:rPr lang="zh-CN" altLang="en-US" sz="2400" dirty="0">
                 <a:latin typeface="微软雅黑" panose="020B0503020204020204" pitchFamily="34" charset="-122"/>
                 <a:ea typeface="微软雅黑" panose="020B0503020204020204" pitchFamily="34" charset="-122"/>
               </a:rPr>
               <a:t>使用</a:t>
             </a:r>
             <a:r>
-              <a:rPr lang="en-US" altLang="zh-CN" sz="2400" dirty="0" err="1" smtClean="0">
+              <a:rPr lang="en-US" altLang="zh-CN" sz="2400" dirty="0" err="1">
                 <a:latin typeface="微软雅黑" panose="020B0503020204020204" pitchFamily="34" charset="-122"/>
                 <a:ea typeface="微软雅黑" panose="020B0503020204020204" pitchFamily="34" charset="-122"/>
               </a:rPr>
               <a:t>WeUI</a:t>
             </a:r>
             <a:r>
-              <a:rPr lang="zh-CN" altLang="en-US" sz="2400" dirty="0" smtClean="0">
+              <a:rPr lang="zh-CN" altLang="en-US" sz="2400" dirty="0">
                 <a:latin typeface="微软雅黑" panose="020B0503020204020204" pitchFamily="34" charset="-122"/>
                 <a:ea typeface="微软雅黑" panose="020B0503020204020204" pitchFamily="34" charset="-122"/>
               </a:rPr>
               <a:t>组件实现的表单页面。样式和微信所使用的相同，可以很好的融入微信平台。</a:t>
             </a:r>
-            <a:endParaRPr lang="en-US" altLang="zh-CN" sz="2400" dirty="0" smtClean="0">
+            <a:endParaRPr lang="en-US" altLang="zh-CN" sz="2400" dirty="0">
               <a:latin typeface="微软雅黑" panose="020B0503020204020204" pitchFamily="34" charset="-122"/>
               <a:ea typeface="微软雅黑" panose="020B0503020204020204" pitchFamily="34" charset="-122"/>
             </a:endParaRPr>
@@ -17935,14 +17677,13 @@
           <a:lstStyle/>
           <a:p>
             <a:r>
-              <a:rPr lang="en-US" altLang="zh-CN" b="0" dirty="0" err="1" smtClean="0"/>
+              <a:rPr lang="en-US" altLang="zh-CN" b="0" dirty="0" err="1"/>
               <a:t>WeUI</a:t>
             </a:r>
             <a:r>
-              <a:rPr lang="zh-CN" altLang="en-US" b="0" dirty="0" smtClean="0"/>
+              <a:rPr lang="zh-CN" altLang="en-US" b="0" dirty="0"/>
               <a:t>说明</a:t>
             </a:r>
-            <a:endParaRPr lang="zh-CN" altLang="en-US" b="0" dirty="0"/>
           </a:p>
         </p:txBody>
       </p:sp>
@@ -17976,19 +17717,11 @@
               <a:buChar char="•"/>
             </a:pPr>
             <a:r>
-              <a:rPr lang="zh-CN" altLang="en-US" sz="2000" dirty="0" smtClean="0">
+              <a:rPr lang="zh-CN" altLang="en-US" sz="2000" dirty="0">
                 <a:latin typeface="微软雅黑" panose="020B0503020204020204" pitchFamily="34" charset="-122"/>
                 <a:ea typeface="微软雅黑" panose="020B0503020204020204" pitchFamily="34" charset="-122"/>
               </a:rPr>
               <a:t>查看完整的帮助文档：</a:t>
-            </a:r>
-            <a:r>
-              <a:rPr lang="en-US" altLang="zh-CN" sz="2000" dirty="0" smtClean="0">
-                <a:latin typeface="微软雅黑" panose="020B0503020204020204" pitchFamily="34" charset="-122"/>
-                <a:ea typeface="微软雅黑" panose="020B0503020204020204" pitchFamily="34" charset="-122"/>
-                <a:hlinkClick r:id="rId2"/>
-              </a:rPr>
-              <a:t>https</a:t>
             </a:r>
             <a:r>
               <a:rPr lang="en-US" altLang="zh-CN" sz="2000" dirty="0">
@@ -17996,17 +17729,9 @@
                 <a:ea typeface="微软雅黑" panose="020B0503020204020204" pitchFamily="34" charset="-122"/>
                 <a:hlinkClick r:id="rId2"/>
               </a:rPr>
-              <a:t>://</a:t>
-            </a:r>
-            <a:r>
-              <a:rPr lang="en-US" altLang="zh-CN" sz="2000" dirty="0" smtClean="0">
-                <a:latin typeface="微软雅黑" panose="020B0503020204020204" pitchFamily="34" charset="-122"/>
-                <a:ea typeface="微软雅黑" panose="020B0503020204020204" pitchFamily="34" charset="-122"/>
-                <a:hlinkClick r:id="rId2"/>
-              </a:rPr>
-              <a:t>github.com/Tencent/weui/wiki</a:t>
-            </a:r>
-            <a:endParaRPr lang="en-US" altLang="zh-CN" sz="2000" dirty="0" smtClean="0">
+              <a:t>https://github.com/Tencent/weui/wiki</a:t>
+            </a:r>
+            <a:endParaRPr lang="en-US" altLang="zh-CN" sz="2000" dirty="0">
               <a:latin typeface="微软雅黑" panose="020B0503020204020204" pitchFamily="34" charset="-122"/>
               <a:ea typeface="微软雅黑" panose="020B0503020204020204" pitchFamily="34" charset="-122"/>
             </a:endParaRPr>
@@ -18020,41 +17745,41 @@
               <a:buChar char="•"/>
             </a:pPr>
             <a:r>
-              <a:rPr lang="zh-CN" altLang="en-US" sz="2000" dirty="0" smtClean="0">
+              <a:rPr lang="zh-CN" altLang="en-US" sz="2000" dirty="0">
                 <a:latin typeface="微软雅黑" panose="020B0503020204020204" pitchFamily="34" charset="-122"/>
                 <a:ea typeface="微软雅黑" panose="020B0503020204020204" pitchFamily="34" charset="-122"/>
               </a:rPr>
               <a:t>注意版本变化导致的问题，最新发布的</a:t>
             </a:r>
             <a:r>
-              <a:rPr lang="en-US" altLang="zh-CN" sz="2000" dirty="0" smtClean="0">
+              <a:rPr lang="en-US" altLang="zh-CN" sz="2000" dirty="0">
                 <a:latin typeface="微软雅黑" panose="020B0503020204020204" pitchFamily="34" charset="-122"/>
                 <a:ea typeface="微软雅黑" panose="020B0503020204020204" pitchFamily="34" charset="-122"/>
               </a:rPr>
               <a:t>1.0</a:t>
             </a:r>
             <a:r>
-              <a:rPr lang="zh-CN" altLang="en-US" sz="2000" dirty="0" smtClean="0">
+              <a:rPr lang="zh-CN" altLang="en-US" sz="2000" dirty="0">
                 <a:latin typeface="微软雅黑" panose="020B0503020204020204" pitchFamily="34" charset="-122"/>
                 <a:ea typeface="微软雅黑" panose="020B0503020204020204" pitchFamily="34" charset="-122"/>
               </a:rPr>
               <a:t>版本与之前的</a:t>
             </a:r>
             <a:r>
-              <a:rPr lang="en-US" altLang="zh-CN" sz="2000" dirty="0" smtClean="0">
+              <a:rPr lang="en-US" altLang="zh-CN" sz="2000" dirty="0">
                 <a:latin typeface="微软雅黑" panose="020B0503020204020204" pitchFamily="34" charset="-122"/>
                 <a:ea typeface="微软雅黑" panose="020B0503020204020204" pitchFamily="34" charset="-122"/>
               </a:rPr>
               <a:t>0.4</a:t>
             </a:r>
             <a:r>
-              <a:rPr lang="zh-CN" altLang="en-US" sz="2000" dirty="0" smtClean="0">
+              <a:rPr lang="zh-CN" altLang="en-US" sz="2000" dirty="0">
                 <a:latin typeface="微软雅黑" panose="020B0503020204020204" pitchFamily="34" charset="-122"/>
                 <a:ea typeface="微软雅黑" panose="020B0503020204020204" pitchFamily="34" charset="-122"/>
               </a:rPr>
               <a:t>版本类命名上存在很多区别</a:t>
             </a:r>
-            <a:endParaRPr lang="en-US" altLang="zh-CN" sz="2000" dirty="0" smtClean="0">
+            <a:endParaRPr lang="en-US" altLang="zh-CN" sz="2000" dirty="0">
               <a:latin typeface="微软雅黑" panose="020B0503020204020204" pitchFamily="34" charset="-122"/>
               <a:ea typeface="微软雅黑" panose="020B0503020204020204" pitchFamily="34" charset="-122"/>
             </a:endParaRPr>
@@ -18068,14 +17793,14 @@
               <a:buChar char="•"/>
             </a:pPr>
             <a:r>
-              <a:rPr lang="en-US" altLang="zh-CN" sz="2000" dirty="0" smtClean="0">
+              <a:rPr lang="en-US" altLang="zh-CN" sz="2000" dirty="0">
                 <a:latin typeface="微软雅黑" panose="020B0503020204020204" pitchFamily="34" charset="-122"/>
                 <a:ea typeface="微软雅黑" panose="020B0503020204020204" pitchFamily="34" charset="-122"/>
               </a:rPr>
               <a:t>CDN</a:t>
             </a:r>
             <a:r>
-              <a:rPr lang="zh-CN" altLang="en-US" sz="2000" dirty="0" smtClean="0">
+              <a:rPr lang="zh-CN" altLang="en-US" sz="2000" dirty="0">
                 <a:latin typeface="微软雅黑" panose="020B0503020204020204" pitchFamily="34" charset="-122"/>
                 <a:ea typeface="微软雅黑" panose="020B0503020204020204" pitchFamily="34" charset="-122"/>
               </a:rPr>
@@ -18107,15 +17832,9 @@
               <a:rPr lang="en-US" altLang="zh-CN" sz="2000" dirty="0">
                 <a:hlinkClick r:id="rId4"/>
               </a:rPr>
-              <a:t>https://</a:t>
-            </a:r>
-            <a:r>
-              <a:rPr lang="en-US" altLang="zh-CN" sz="2000" dirty="0" smtClean="0">
-                <a:hlinkClick r:id="rId4"/>
-              </a:rPr>
-              <a:t>res.wx.qq.com/open/libs/weui/1.1.2/weui.min.css</a:t>
-            </a:r>
-            <a:endParaRPr lang="en-US" altLang="zh-CN" sz="2000" dirty="0" smtClean="0"/>
+              <a:t>https://res.wx.qq.com/open/libs/weui/1.1.2/weui.min.css</a:t>
+            </a:r>
+            <a:endParaRPr lang="en-US" altLang="zh-CN" sz="2000" dirty="0"/>
           </a:p>
           <a:p>
             <a:pPr marL="342900" indent="-342900">
@@ -18130,16 +17849,9 @@
                 <a:latin typeface="微软雅黑" panose="020B0503020204020204" pitchFamily="34" charset="-122"/>
                 <a:ea typeface="微软雅黑" panose="020B0503020204020204" pitchFamily="34" charset="-122"/>
               </a:rPr>
-              <a:t>在</a:t>
-            </a:r>
-            <a:r>
-              <a:rPr lang="zh-CN" altLang="en-US" sz="2000" dirty="0" smtClean="0">
-                <a:latin typeface="微软雅黑" panose="020B0503020204020204" pitchFamily="34" charset="-122"/>
-                <a:ea typeface="微软雅黑" panose="020B0503020204020204" pitchFamily="34" charset="-122"/>
-              </a:rPr>
-              <a:t>页面文件中：</a:t>
-            </a:r>
-            <a:endParaRPr lang="en-US" altLang="zh-CN" sz="2000" dirty="0" smtClean="0">
+              <a:t>在页面文件中：</a:t>
+            </a:r>
+            <a:endParaRPr lang="en-US" altLang="zh-CN" sz="2000" dirty="0">
               <a:latin typeface="微软雅黑" panose="020B0503020204020204" pitchFamily="34" charset="-122"/>
               <a:ea typeface="微软雅黑" panose="020B0503020204020204" pitchFamily="34" charset="-122"/>
             </a:endParaRPr>
@@ -18151,7 +17863,7 @@
               </a:lnSpc>
             </a:pPr>
             <a:r>
-              <a:rPr lang="en-US" altLang="zh-CN" dirty="0" smtClean="0">
+              <a:rPr lang="en-US" altLang="zh-CN" dirty="0">
                 <a:latin typeface="Calibri" panose="020F0502020204030204" pitchFamily="34" charset="0"/>
                 <a:ea typeface="微软雅黑" panose="020B0503020204020204" pitchFamily="34" charset="-122"/>
                 <a:cs typeface="Calibri" panose="020F0502020204030204" pitchFamily="34" charset="0"/>
@@ -18159,7 +17871,7 @@
               <a:t>&lt;link </a:t>
             </a:r>
             <a:r>
-              <a:rPr lang="en-US" altLang="zh-CN" dirty="0" err="1" smtClean="0">
+              <a:rPr lang="en-US" altLang="zh-CN" dirty="0" err="1">
                 <a:latin typeface="Calibri" panose="020F0502020204030204" pitchFamily="34" charset="0"/>
                 <a:ea typeface="微软雅黑" panose="020B0503020204020204" pitchFamily="34" charset="-122"/>
                 <a:cs typeface="Calibri" panose="020F0502020204030204" pitchFamily="34" charset="0"/>
@@ -18167,7 +17879,7 @@
               <a:t>rel</a:t>
             </a:r>
             <a:r>
-              <a:rPr lang="en-US" altLang="zh-CN" dirty="0" smtClean="0">
+              <a:rPr lang="en-US" altLang="zh-CN" dirty="0">
                 <a:latin typeface="Calibri" panose="020F0502020204030204" pitchFamily="34" charset="0"/>
                 <a:ea typeface="微软雅黑" panose="020B0503020204020204" pitchFamily="34" charset="-122"/>
                 <a:cs typeface="Calibri" panose="020F0502020204030204" pitchFamily="34" charset="0"/>
@@ -18175,7 +17887,7 @@
               <a:t>=“stylesheet” type=“text/</a:t>
             </a:r>
             <a:r>
-              <a:rPr lang="en-US" altLang="zh-CN" dirty="0" err="1" smtClean="0">
+              <a:rPr lang="en-US" altLang="zh-CN" dirty="0" err="1">
                 <a:latin typeface="Calibri" panose="020F0502020204030204" pitchFamily="34" charset="0"/>
                 <a:ea typeface="微软雅黑" panose="020B0503020204020204" pitchFamily="34" charset="-122"/>
                 <a:cs typeface="Calibri" panose="020F0502020204030204" pitchFamily="34" charset="0"/>
@@ -18183,7 +17895,7 @@
               <a:t>css</a:t>
             </a:r>
             <a:r>
-              <a:rPr lang="en-US" altLang="zh-CN" dirty="0" smtClean="0">
+              <a:rPr lang="en-US" altLang="zh-CN" dirty="0">
                 <a:latin typeface="Calibri" panose="020F0502020204030204" pitchFamily="34" charset="0"/>
                 <a:ea typeface="微软雅黑" panose="020B0503020204020204" pitchFamily="34" charset="-122"/>
                 <a:cs typeface="Calibri" panose="020F0502020204030204" pitchFamily="34" charset="0"/>
@@ -18191,7 +17903,7 @@
               <a:t>” </a:t>
             </a:r>
             <a:r>
-              <a:rPr lang="en-US" altLang="zh-CN" dirty="0" err="1" smtClean="0">
+              <a:rPr lang="en-US" altLang="zh-CN" dirty="0" err="1">
                 <a:latin typeface="Calibri" panose="020F0502020204030204" pitchFamily="34" charset="0"/>
                 <a:ea typeface="微软雅黑" panose="020B0503020204020204" pitchFamily="34" charset="-122"/>
                 <a:cs typeface="Calibri" panose="020F0502020204030204" pitchFamily="34" charset="0"/>
@@ -18199,7 +17911,7 @@
               <a:t>href</a:t>
             </a:r>
             <a:r>
-              <a:rPr lang="en-US" altLang="zh-CN" dirty="0" smtClean="0">
+              <a:rPr lang="en-US" altLang="zh-CN" dirty="0">
                 <a:latin typeface="Calibri" panose="020F0502020204030204" pitchFamily="34" charset="0"/>
                 <a:ea typeface="微软雅黑" panose="020B0503020204020204" pitchFamily="34" charset="-122"/>
                 <a:cs typeface="Calibri" panose="020F0502020204030204" pitchFamily="34" charset="0"/>
@@ -18210,39 +17922,28 @@
               <a:rPr lang="en-US" altLang="zh-CN" dirty="0">
                 <a:hlinkClick r:id="rId4"/>
               </a:rPr>
-              <a:t>https://</a:t>
-            </a:r>
-            <a:r>
-              <a:rPr lang="en-US" altLang="zh-CN" dirty="0" smtClean="0">
+              <a:t>https://res.wx.qq.com/open/libs/</a:t>
+            </a:r>
+            <a:r>
+              <a:rPr lang="en-US" altLang="zh-CN" dirty="0" err="1">
                 <a:hlinkClick r:id="rId4"/>
               </a:rPr>
-              <a:t>res.wx.qq.com/open/libs/</a:t>
-            </a:r>
-            <a:r>
-              <a:rPr lang="en-US" altLang="zh-CN" dirty="0" err="1" smtClean="0">
+              <a:t>weui</a:t>
+            </a:r>
+            <a:r>
+              <a:rPr lang="en-US" altLang="zh-CN" dirty="0">
                 <a:hlinkClick r:id="rId4"/>
               </a:rPr>
-              <a:t>weui</a:t>
-            </a:r>
-            <a:r>
-              <a:rPr lang="en-US" altLang="zh-CN" dirty="0" smtClean="0">
-                <a:hlinkClick r:id="rId4"/>
-              </a:rPr>
               <a:t>/1.1.2/weui.min.css</a:t>
             </a:r>
             <a:r>
-              <a:rPr lang="en-US" altLang="zh-CN" dirty="0" smtClean="0">
+              <a:rPr lang="en-US" altLang="zh-CN" dirty="0">
                 <a:latin typeface="Calibri" panose="020F0502020204030204" pitchFamily="34" charset="0"/>
                 <a:ea typeface="微软雅黑" panose="020B0503020204020204" pitchFamily="34" charset="-122"/>
                 <a:cs typeface="Calibri" panose="020F0502020204030204" pitchFamily="34" charset="0"/>
               </a:rPr>
               <a:t>”&gt;</a:t>
             </a:r>
-            <a:endParaRPr lang="en-US" altLang="zh-CN" dirty="0">
-              <a:latin typeface="Calibri" panose="020F0502020204030204" pitchFamily="34" charset="0"/>
-              <a:ea typeface="微软雅黑" panose="020B0503020204020204" pitchFamily="34" charset="-122"/>
-              <a:cs typeface="Calibri" panose="020F0502020204030204" pitchFamily="34" charset="0"/>
-            </a:endParaRPr>
           </a:p>
         </p:txBody>
       </p:sp>
@@ -18297,7 +17998,7 @@
           <a:lstStyle/>
           <a:p>
             <a:r>
-              <a:rPr lang="en-US" altLang="zh-CN" b="0" dirty="0" smtClean="0"/>
+              <a:rPr lang="en-US" altLang="zh-CN" b="0" dirty="0"/>
               <a:t>Button</a:t>
             </a:r>
             <a:endParaRPr lang="zh-CN" altLang="en-US" b="0" dirty="0"/>
@@ -18474,23 +18175,19 @@
               <a:t>，小型按钮宽度自适应，两边边框与文本间距</a:t>
             </a:r>
             <a:r>
-              <a:rPr lang="en-US" altLang="zh-CN" dirty="0" smtClean="0">
+              <a:rPr lang="en-US" altLang="zh-CN" dirty="0">
                 <a:latin typeface="微软雅黑" panose="020B0503020204020204" pitchFamily="34" charset="-122"/>
                 <a:ea typeface="微软雅黑" panose="020B0503020204020204" pitchFamily="34" charset="-122"/>
               </a:rPr>
               <a:t>0.75em</a:t>
             </a:r>
             <a:r>
-              <a:rPr lang="zh-CN" altLang="en-US" dirty="0" smtClean="0">
+              <a:rPr lang="zh-CN" altLang="en-US" dirty="0">
                 <a:latin typeface="微软雅黑" panose="020B0503020204020204" pitchFamily="34" charset="-122"/>
                 <a:ea typeface="微软雅黑" panose="020B0503020204020204" pitchFamily="34" charset="-122"/>
               </a:rPr>
               <a:t>。</a:t>
             </a:r>
-            <a:endParaRPr lang="zh-CN" altLang="en-US" dirty="0">
-              <a:latin typeface="微软雅黑" panose="020B0503020204020204" pitchFamily="34" charset="-122"/>
-              <a:ea typeface="微软雅黑" panose="020B0503020204020204" pitchFamily="34" charset="-122"/>
-            </a:endParaRPr>
           </a:p>
         </p:txBody>
       </p:sp>
@@ -18521,20 +18218,16 @@
               <a:buChar char="•"/>
             </a:pPr>
             <a:r>
-              <a:rPr lang="zh-CN" altLang="en-US" dirty="0" smtClean="0"/>
+              <a:rPr lang="zh-CN" altLang="en-US" dirty="0"/>
               <a:t>代码示例：</a:t>
             </a:r>
-            <a:endParaRPr lang="en-US" altLang="zh-CN" dirty="0" smtClean="0"/>
+            <a:endParaRPr lang="en-US" altLang="zh-CN" dirty="0"/>
           </a:p>
           <a:p>
             <a:pPr lvl="1"/>
             <a:r>
-              <a:rPr lang="en-US" altLang="zh-CN" dirty="0" smtClean="0"/>
-              <a:t>&lt;</a:t>
-            </a:r>
-            <a:r>
               <a:rPr lang="en-US" altLang="zh-CN" dirty="0"/>
-              <a:t>a </a:t>
+              <a:t>&lt;a </a:t>
             </a:r>
             <a:r>
               <a:rPr lang="en-US" altLang="zh-CN" dirty="0" err="1"/>
@@ -18565,27 +18258,15 @@
               <a:t>weui-btn_primary</a:t>
             </a:r>
             <a:r>
-              <a:rPr lang="en-US" altLang="zh-CN" dirty="0" smtClean="0"/>
-              <a:t>"&gt;Normal&lt;/</a:t>
-            </a:r>
-            <a:r>
               <a:rPr lang="en-US" altLang="zh-CN" dirty="0"/>
-              <a:t>a</a:t>
-            </a:r>
-            <a:r>
-              <a:rPr lang="en-US" altLang="zh-CN" dirty="0" smtClean="0"/>
-              <a:t>&gt;</a:t>
+              <a:t>"&gt;Normal&lt;/a&gt;</a:t>
             </a:r>
           </a:p>
           <a:p>
             <a:pPr lvl="1"/>
             <a:r>
-              <a:rPr lang="en-US" altLang="zh-CN" dirty="0" smtClean="0"/>
-              <a:t>&lt;</a:t>
-            </a:r>
-            <a:r>
               <a:rPr lang="en-US" altLang="zh-CN" dirty="0"/>
-              <a:t>a </a:t>
+              <a:t>&lt;a </a:t>
             </a:r>
             <a:r>
               <a:rPr lang="en-US" altLang="zh-CN" dirty="0" err="1"/>
@@ -18620,31 +18301,19 @@
               <a:t> </a:t>
             </a:r>
             <a:r>
-              <a:rPr lang="en-US" altLang="zh-CN" dirty="0" err="1" smtClean="0"/>
+              <a:rPr lang="en-US" altLang="zh-CN" dirty="0" err="1"/>
               <a:t>weui-btn_primary</a:t>
             </a:r>
             <a:r>
-              <a:rPr lang="en-US" altLang="zh-CN" dirty="0" smtClean="0"/>
-              <a:t>"&gt;Disabled&lt;/</a:t>
-            </a:r>
-            <a:r>
               <a:rPr lang="en-US" altLang="zh-CN" dirty="0"/>
-              <a:t>a</a:t>
-            </a:r>
-            <a:r>
-              <a:rPr lang="en-US" altLang="zh-CN" dirty="0" smtClean="0"/>
-              <a:t>&gt;</a:t>
+              <a:t>"&gt;Disabled&lt;/a&gt;</a:t>
             </a:r>
           </a:p>
           <a:p>
             <a:pPr lvl="1"/>
             <a:r>
-              <a:rPr lang="en-US" altLang="zh-CN" dirty="0" smtClean="0"/>
-              <a:t>&lt;</a:t>
-            </a:r>
-            <a:r>
               <a:rPr lang="en-US" altLang="zh-CN" dirty="0"/>
-              <a:t>a </a:t>
+              <a:t>&lt;a </a:t>
             </a:r>
             <a:r>
               <a:rPr lang="en-US" altLang="zh-CN" dirty="0" err="1"/>
@@ -18675,24 +18344,8 @@
               <a:t>weui-btn_default</a:t>
             </a:r>
             <a:r>
-              <a:rPr lang="en-US" altLang="zh-CN" dirty="0" smtClean="0"/>
-              <a:t>"&gt;</a:t>
-            </a:r>
-            <a:r>
               <a:rPr lang="en-US" altLang="zh-CN" dirty="0"/>
-              <a:t>Second</a:t>
-            </a:r>
-            <a:r>
-              <a:rPr lang="en-US" altLang="zh-CN" dirty="0" smtClean="0"/>
-              <a:t>&lt;/</a:t>
-            </a:r>
-            <a:r>
-              <a:rPr lang="en-US" altLang="zh-CN" dirty="0"/>
-              <a:t>a</a:t>
-            </a:r>
-            <a:r>
-              <a:rPr lang="en-US" altLang="zh-CN" dirty="0" smtClean="0"/>
-              <a:t>&gt;</a:t>
+              <a:t>"&gt;Second&lt;/a&gt;</a:t>
             </a:r>
           </a:p>
           <a:p>
@@ -18793,13 +18446,6 @@
   <p:clrMapOvr>
     <a:masterClrMapping/>
   </p:clrMapOvr>
-  <p:timing>
-    <p:tnLst>
-      <p:par>
-        <p:cTn id="1" dur="indefinite" restart="never" nodeType="tmRoot"/>
-      </p:par>
-    </p:tnLst>
-  </p:timing>
 </p:sld>
 </file>
 
@@ -18841,7 +18487,7 @@
           <a:lstStyle/>
           <a:p>
             <a:r>
-              <a:rPr lang="en-US" altLang="zh-CN" b="0" dirty="0" smtClean="0"/>
+              <a:rPr lang="en-US" altLang="zh-CN" b="0" dirty="0"/>
               <a:t>Cell</a:t>
             </a:r>
             <a:endParaRPr lang="zh-CN" altLang="en-US" b="0" dirty="0"/>
@@ -18990,13 +18636,13 @@
               <a:t>-cells</a:t>
             </a:r>
             <a:r>
-              <a:rPr lang="zh-CN" altLang="en-US" dirty="0" smtClean="0">
+              <a:rPr lang="zh-CN" altLang="en-US" dirty="0">
                 <a:latin typeface="微软雅黑" panose="020B0503020204020204" pitchFamily="34" charset="-122"/>
                 <a:ea typeface="微软雅黑" panose="020B0503020204020204" pitchFamily="34" charset="-122"/>
               </a:rPr>
               <a:t>。</a:t>
             </a:r>
-            <a:endParaRPr lang="en-US" altLang="zh-CN" dirty="0" smtClean="0">
+            <a:endParaRPr lang="en-US" altLang="zh-CN" dirty="0">
               <a:latin typeface="微软雅黑" panose="020B0503020204020204" pitchFamily="34" charset="-122"/>
               <a:ea typeface="微软雅黑" panose="020B0503020204020204" pitchFamily="34" charset="-122"/>
             </a:endParaRPr>
@@ -19010,123 +18656,74 @@
               <a:buChar char="•"/>
             </a:pPr>
             <a:r>
-              <a:rPr lang="en-US" altLang="zh-CN" dirty="0" smtClean="0">
-                <a:latin typeface="微软雅黑" panose="020B0503020204020204" pitchFamily="34" charset="-122"/>
-                <a:ea typeface="微软雅黑" panose="020B0503020204020204" pitchFamily="34" charset="-122"/>
-              </a:rPr>
-              <a:t>cell</a:t>
-            </a:r>
-            <a:r>
-              <a:rPr lang="zh-CN" altLang="en-US" dirty="0" smtClean="0">
-                <a:latin typeface="微软雅黑" panose="020B0503020204020204" pitchFamily="34" charset="-122"/>
-                <a:ea typeface="微软雅黑" panose="020B0503020204020204" pitchFamily="34" charset="-122"/>
-              </a:rPr>
-              <a:t>由</a:t>
-            </a:r>
-            <a:r>
-              <a:rPr lang="en-US" altLang="zh-CN" dirty="0" err="1" smtClean="0">
-                <a:latin typeface="微软雅黑" panose="020B0503020204020204" pitchFamily="34" charset="-122"/>
-                <a:ea typeface="微软雅黑" panose="020B0503020204020204" pitchFamily="34" charset="-122"/>
-              </a:rPr>
-              <a:t>weui</a:t>
-            </a:r>
-            <a:r>
-              <a:rPr lang="en-US" altLang="zh-CN" dirty="0" smtClean="0">
-                <a:latin typeface="微软雅黑" panose="020B0503020204020204" pitchFamily="34" charset="-122"/>
-                <a:ea typeface="微软雅黑" panose="020B0503020204020204" pitchFamily="34" charset="-122"/>
-              </a:rPr>
-              <a:t>-cell</a:t>
-            </a:r>
-            <a:r>
               <a:rPr lang="en-US" altLang="zh-CN" dirty="0">
                 <a:latin typeface="微软雅黑" panose="020B0503020204020204" pitchFamily="34" charset="-122"/>
                 <a:ea typeface="微软雅黑" panose="020B0503020204020204" pitchFamily="34" charset="-122"/>
               </a:rPr>
-              <a:t>__</a:t>
+              <a:t>cell</a:t>
+            </a:r>
+            <a:r>
+              <a:rPr lang="zh-CN" altLang="en-US" dirty="0">
+                <a:latin typeface="微软雅黑" panose="020B0503020204020204" pitchFamily="34" charset="-122"/>
+                <a:ea typeface="微软雅黑" panose="020B0503020204020204" pitchFamily="34" charset="-122"/>
+              </a:rPr>
+              <a:t>由</a:t>
             </a:r>
             <a:r>
               <a:rPr lang="en-US" altLang="zh-CN" dirty="0" err="1">
                 <a:latin typeface="微软雅黑" panose="020B0503020204020204" pitchFamily="34" charset="-122"/>
                 <a:ea typeface="微软雅黑" panose="020B0503020204020204" pitchFamily="34" charset="-122"/>
               </a:rPr>
-              <a:t>hd</a:t>
-            </a:r>
-            <a:r>
-              <a:rPr lang="zh-CN" altLang="en-US" dirty="0" smtClean="0">
-                <a:latin typeface="微软雅黑" panose="020B0503020204020204" pitchFamily="34" charset="-122"/>
-                <a:ea typeface="微软雅黑" panose="020B0503020204020204" pitchFamily="34" charset="-122"/>
-              </a:rPr>
-              <a:t>、</a:t>
-            </a:r>
-            <a:r>
-              <a:rPr lang="en-US" altLang="zh-CN" dirty="0" err="1" smtClean="0">
-                <a:latin typeface="微软雅黑" panose="020B0503020204020204" pitchFamily="34" charset="-122"/>
-                <a:ea typeface="微软雅黑" panose="020B0503020204020204" pitchFamily="34" charset="-122"/>
-              </a:rPr>
               <a:t>weui</a:t>
-            </a:r>
-            <a:r>
-              <a:rPr lang="en-US" altLang="zh-CN" dirty="0" smtClean="0">
-                <a:latin typeface="微软雅黑" panose="020B0503020204020204" pitchFamily="34" charset="-122"/>
-                <a:ea typeface="微软雅黑" panose="020B0503020204020204" pitchFamily="34" charset="-122"/>
-              </a:rPr>
-              <a:t>-cell</a:t>
             </a:r>
             <a:r>
               <a:rPr lang="en-US" altLang="zh-CN" dirty="0">
                 <a:latin typeface="微软雅黑" panose="020B0503020204020204" pitchFamily="34" charset="-122"/>
                 <a:ea typeface="微软雅黑" panose="020B0503020204020204" pitchFamily="34" charset="-122"/>
               </a:rPr>
-              <a:t>__</a:t>
+              <a:t>-cell__</a:t>
             </a:r>
             <a:r>
               <a:rPr lang="en-US" altLang="zh-CN" dirty="0" err="1">
                 <a:latin typeface="微软雅黑" panose="020B0503020204020204" pitchFamily="34" charset="-122"/>
                 <a:ea typeface="微软雅黑" panose="020B0503020204020204" pitchFamily="34" charset="-122"/>
               </a:rPr>
-              <a:t>bd</a:t>
-            </a:r>
-            <a:r>
-              <a:rPr lang="zh-CN" altLang="en-US" dirty="0" smtClean="0">
+              <a:t>hd</a:t>
+            </a:r>
+            <a:r>
+              <a:rPr lang="zh-CN" altLang="en-US" dirty="0">
                 <a:latin typeface="微软雅黑" panose="020B0503020204020204" pitchFamily="34" charset="-122"/>
                 <a:ea typeface="微软雅黑" panose="020B0503020204020204" pitchFamily="34" charset="-122"/>
               </a:rPr>
               <a:t>、</a:t>
             </a:r>
             <a:r>
-              <a:rPr lang="en-US" altLang="zh-CN" dirty="0" err="1" smtClean="0">
+              <a:rPr lang="en-US" altLang="zh-CN" dirty="0" err="1">
                 <a:latin typeface="微软雅黑" panose="020B0503020204020204" pitchFamily="34" charset="-122"/>
                 <a:ea typeface="微软雅黑" panose="020B0503020204020204" pitchFamily="34" charset="-122"/>
               </a:rPr>
               <a:t>weui</a:t>
-            </a:r>
-            <a:r>
-              <a:rPr lang="en-US" altLang="zh-CN" dirty="0" smtClean="0">
-                <a:latin typeface="微软雅黑" panose="020B0503020204020204" pitchFamily="34" charset="-122"/>
-                <a:ea typeface="微软雅黑" panose="020B0503020204020204" pitchFamily="34" charset="-122"/>
-              </a:rPr>
-              <a:t>-cell</a:t>
             </a:r>
             <a:r>
               <a:rPr lang="en-US" altLang="zh-CN" dirty="0">
                 <a:latin typeface="微软雅黑" panose="020B0503020204020204" pitchFamily="34" charset="-122"/>
                 <a:ea typeface="微软雅黑" panose="020B0503020204020204" pitchFamily="34" charset="-122"/>
               </a:rPr>
-              <a:t>__</a:t>
+              <a:t>-cell__</a:t>
             </a:r>
             <a:r>
               <a:rPr lang="en-US" altLang="zh-CN" dirty="0" err="1">
                 <a:latin typeface="微软雅黑" panose="020B0503020204020204" pitchFamily="34" charset="-122"/>
                 <a:ea typeface="微软雅黑" panose="020B0503020204020204" pitchFamily="34" charset="-122"/>
               </a:rPr>
-              <a:t>ft</a:t>
+              <a:t>bd</a:t>
             </a:r>
             <a:r>
               <a:rPr lang="zh-CN" altLang="en-US" dirty="0">
                 <a:latin typeface="微软雅黑" panose="020B0503020204020204" pitchFamily="34" charset="-122"/>
                 <a:ea typeface="微软雅黑" panose="020B0503020204020204" pitchFamily="34" charset="-122"/>
               </a:rPr>
-              <a:t>三部分组成，其中</a:t>
+              <a:t>、</a:t>
             </a:r>
             <a:r>
               <a:rPr lang="en-US" altLang="zh-CN" dirty="0" err="1">
@@ -19147,26 +18744,43 @@
                 <a:latin typeface="微软雅黑" panose="020B0503020204020204" pitchFamily="34" charset="-122"/>
                 <a:ea typeface="微软雅黑" panose="020B0503020204020204" pitchFamily="34" charset="-122"/>
               </a:rPr>
-              <a:t>bd</a:t>
+              <a:t>ft</a:t>
             </a:r>
             <a:r>
               <a:rPr lang="zh-CN" altLang="en-US" dirty="0">
                 <a:latin typeface="微软雅黑" panose="020B0503020204020204" pitchFamily="34" charset="-122"/>
                 <a:ea typeface="微软雅黑" panose="020B0503020204020204" pitchFamily="34" charset="-122"/>
               </a:rPr>
-              <a:t>采用自适应</a:t>
-            </a:r>
-            <a:r>
-              <a:rPr lang="zh-CN" altLang="en-US" dirty="0" smtClean="0">
+              <a:t>三部分组成，其中</a:t>
+            </a:r>
+            <a:r>
+              <a:rPr lang="en-US" altLang="zh-CN" dirty="0" err="1">
                 <a:latin typeface="微软雅黑" panose="020B0503020204020204" pitchFamily="34" charset="-122"/>
                 <a:ea typeface="微软雅黑" panose="020B0503020204020204" pitchFamily="34" charset="-122"/>
               </a:rPr>
-              <a:t>布局。</a:t>
-            </a:r>
-            <a:endParaRPr lang="zh-CN" altLang="en-US" dirty="0">
-              <a:latin typeface="微软雅黑" panose="020B0503020204020204" pitchFamily="34" charset="-122"/>
-              <a:ea typeface="微软雅黑" panose="020B0503020204020204" pitchFamily="34" charset="-122"/>
-            </a:endParaRPr>
+              <a:t>weui</a:t>
+            </a:r>
+            <a:r>
+              <a:rPr lang="en-US" altLang="zh-CN" dirty="0">
+                <a:latin typeface="微软雅黑" panose="020B0503020204020204" pitchFamily="34" charset="-122"/>
+                <a:ea typeface="微软雅黑" panose="020B0503020204020204" pitchFamily="34" charset="-122"/>
+              </a:rPr>
+              <a:t>-cell__</a:t>
+            </a:r>
+            <a:r>
+              <a:rPr lang="en-US" altLang="zh-CN" dirty="0" err="1">
+                <a:latin typeface="微软雅黑" panose="020B0503020204020204" pitchFamily="34" charset="-122"/>
+                <a:ea typeface="微软雅黑" panose="020B0503020204020204" pitchFamily="34" charset="-122"/>
+              </a:rPr>
+              <a:t>bd</a:t>
+            </a:r>
+            <a:r>
+              <a:rPr lang="zh-CN" altLang="en-US" dirty="0">
+                <a:latin typeface="微软雅黑" panose="020B0503020204020204" pitchFamily="34" charset="-122"/>
+                <a:ea typeface="微软雅黑" panose="020B0503020204020204" pitchFamily="34" charset="-122"/>
+              </a:rPr>
+              <a:t>采用自适应布局。</a:t>
+            </a:r>
           </a:p>
         </p:txBody>
       </p:sp>
@@ -19197,10 +18811,10 @@
               <a:buChar char="•"/>
             </a:pPr>
             <a:r>
-              <a:rPr lang="zh-CN" altLang="en-US" dirty="0" smtClean="0"/>
+              <a:rPr lang="zh-CN" altLang="en-US" dirty="0"/>
               <a:t>示例代码：</a:t>
             </a:r>
-            <a:endParaRPr lang="en-US" altLang="zh-CN" dirty="0" smtClean="0"/>
+            <a:endParaRPr lang="en-US" altLang="zh-CN" dirty="0"/>
           </a:p>
           <a:p>
             <a:pPr lvl="1"/>
@@ -19229,15 +18843,7 @@
             <a:pPr lvl="1"/>
             <a:r>
               <a:rPr lang="en-US" altLang="zh-CN" dirty="0"/>
-              <a:t>     </a:t>
-            </a:r>
-            <a:r>
-              <a:rPr lang="en-US" altLang="zh-CN" dirty="0" smtClean="0"/>
-              <a:t>&lt;</a:t>
-            </a:r>
-            <a:r>
-              <a:rPr lang="en-US" altLang="zh-CN" dirty="0"/>
-              <a:t>div class="</a:t>
+              <a:t>     &lt;div class="</a:t>
             </a:r>
             <a:r>
               <a:rPr lang="en-US" altLang="zh-CN" dirty="0" err="1"/>
@@ -19252,15 +18858,7 @@
             <a:pPr lvl="1"/>
             <a:r>
               <a:rPr lang="en-US" altLang="zh-CN" dirty="0"/>
-              <a:t>        </a:t>
-            </a:r>
-            <a:r>
-              <a:rPr lang="en-US" altLang="zh-CN" dirty="0" smtClean="0"/>
-              <a:t> &lt;</a:t>
-            </a:r>
-            <a:r>
-              <a:rPr lang="en-US" altLang="zh-CN" dirty="0"/>
-              <a:t>div class="</a:t>
+              <a:t>         &lt;div class="</a:t>
             </a:r>
             <a:r>
               <a:rPr lang="en-US" altLang="zh-CN" dirty="0" err="1"/>
@@ -19275,15 +18873,7 @@
             <a:pPr lvl="1"/>
             <a:r>
               <a:rPr lang="en-US" altLang="zh-CN" dirty="0"/>
-              <a:t>         </a:t>
-            </a:r>
-            <a:r>
-              <a:rPr lang="en-US" altLang="zh-CN" dirty="0" smtClean="0"/>
-              <a:t>&lt;</a:t>
-            </a:r>
-            <a:r>
-              <a:rPr lang="en-US" altLang="zh-CN" dirty="0"/>
-              <a:t>div class="</a:t>
+              <a:t>         &lt;div class="</a:t>
             </a:r>
             <a:r>
               <a:rPr lang="en-US" altLang="zh-CN" dirty="0" err="1"/>
@@ -19298,35 +18888,15 @@
               <a:t>bd</a:t>
             </a:r>
             <a:r>
-              <a:rPr lang="en-US" altLang="zh-CN" dirty="0" smtClean="0"/>
-              <a:t>"&gt;&lt;</a:t>
-            </a:r>
-            <a:r>
               <a:rPr lang="en-US" altLang="zh-CN" dirty="0"/>
-              <a:t>p&gt;PHP best&lt;/</a:t>
-            </a:r>
-            <a:r>
-              <a:rPr lang="en-US" altLang="zh-CN" dirty="0" smtClean="0"/>
-              <a:t>p&gt;&lt;/</a:t>
-            </a:r>
+              <a:t>"&gt;&lt;p&gt;PHP best&lt;/p&gt;&lt;/div&gt;</a:t>
+            </a:r>
+          </a:p>
+          <a:p>
+            <a:pPr lvl="1"/>
             <a:r>
               <a:rPr lang="en-US" altLang="zh-CN" dirty="0"/>
-              <a:t>div&gt;</a:t>
-            </a:r>
-          </a:p>
-          <a:p>
-            <a:pPr lvl="1"/>
-            <a:r>
-              <a:rPr lang="en-US" altLang="zh-CN" dirty="0"/>
-              <a:t>         </a:t>
-            </a:r>
-            <a:r>
-              <a:rPr lang="en-US" altLang="zh-CN" dirty="0" smtClean="0"/>
-              <a:t>&lt;</a:t>
-            </a:r>
-            <a:r>
-              <a:rPr lang="en-US" altLang="zh-CN" dirty="0"/>
-              <a:t>div class="</a:t>
+              <a:t>         &lt;div class="</a:t>
             </a:r>
             <a:r>
               <a:rPr lang="en-US" altLang="zh-CN" dirty="0" err="1"/>
@@ -19349,30 +18919,14 @@
             <a:pPr lvl="1"/>
             <a:r>
               <a:rPr lang="en-US" altLang="zh-CN" dirty="0"/>
-              <a:t>      </a:t>
-            </a:r>
-            <a:r>
-              <a:rPr lang="en-US" altLang="zh-CN" dirty="0" smtClean="0"/>
-              <a:t>&lt;/</a:t>
-            </a:r>
+              <a:t>      &lt;/div&gt;</a:t>
+            </a:r>
+          </a:p>
+          <a:p>
+            <a:pPr lvl="1"/>
             <a:r>
               <a:rPr lang="en-US" altLang="zh-CN" dirty="0"/>
-              <a:t>div&gt;</a:t>
-            </a:r>
-          </a:p>
-          <a:p>
-            <a:pPr lvl="1"/>
-            <a:r>
-              <a:rPr lang="en-US" altLang="zh-CN" dirty="0"/>
-              <a:t> </a:t>
-            </a:r>
-            <a:r>
-              <a:rPr lang="en-US" altLang="zh-CN" dirty="0" smtClean="0"/>
-              <a:t>&lt;/</a:t>
-            </a:r>
-            <a:r>
-              <a:rPr lang="en-US" altLang="zh-CN" dirty="0"/>
-              <a:t>div&gt;</a:t>
+              <a:t> &lt;/div&gt;</a:t>
             </a:r>
             <a:endParaRPr lang="zh-CN" altLang="en-US" dirty="0"/>
           </a:p>

--- a/meterials/slides/ch09-weui.pptx
+++ b/meterials/slides/ch09-weui.pptx
@@ -9,10 +9,10 @@
     <p:sldMasterId id="2147483691" r:id="rId5"/>
   </p:sldMasterIdLst>
   <p:notesMasterIdLst>
-    <p:notesMasterId r:id="rId26"/>
+    <p:notesMasterId r:id="rId25"/>
   </p:notesMasterIdLst>
   <p:handoutMasterIdLst>
-    <p:handoutMasterId r:id="rId27"/>
+    <p:handoutMasterId r:id="rId26"/>
   </p:handoutMasterIdLst>
   <p:sldIdLst>
     <p:sldId id="257" r:id="rId6"/>
@@ -22,24 +22,23 @@
     <p:sldId id="481" r:id="rId10"/>
     <p:sldId id="482" r:id="rId11"/>
     <p:sldId id="466" r:id="rId12"/>
-    <p:sldId id="439" r:id="rId13"/>
-    <p:sldId id="456" r:id="rId14"/>
-    <p:sldId id="460" r:id="rId15"/>
+    <p:sldId id="460" r:id="rId13"/>
+    <p:sldId id="439" r:id="rId14"/>
+    <p:sldId id="456" r:id="rId15"/>
     <p:sldId id="440" r:id="rId16"/>
     <p:sldId id="467" r:id="rId17"/>
-    <p:sldId id="480" r:id="rId18"/>
-    <p:sldId id="474" r:id="rId19"/>
-    <p:sldId id="483" r:id="rId20"/>
-    <p:sldId id="452" r:id="rId21"/>
-    <p:sldId id="471" r:id="rId22"/>
-    <p:sldId id="470" r:id="rId23"/>
-    <p:sldId id="475" r:id="rId24"/>
-    <p:sldId id="311" r:id="rId25"/>
+    <p:sldId id="474" r:id="rId18"/>
+    <p:sldId id="483" r:id="rId19"/>
+    <p:sldId id="452" r:id="rId20"/>
+    <p:sldId id="471" r:id="rId21"/>
+    <p:sldId id="470" r:id="rId22"/>
+    <p:sldId id="475" r:id="rId23"/>
+    <p:sldId id="311" r:id="rId24"/>
   </p:sldIdLst>
   <p:sldSz cx="12192000" cy="6858000"/>
   <p:notesSz cx="6858000" cy="9144000"/>
   <p:custDataLst>
-    <p:tags r:id="rId28"/>
+    <p:tags r:id="rId27"/>
   </p:custDataLst>
   <p:defaultTextStyle>
     <a:defPPr>
@@ -270,7 +269,7 @@
           <a:p>
             <a:fld id="{2B71C804-97F5-4B36-A7AC-EEEC7F44F6C2}" type="datetimeFigureOut">
               <a:rPr lang="zh-CN" altLang="en-US" smtClean="0"/>
-              <a:t>2017/9/7</a:t>
+              <a:t>2017/10/31</a:t>
             </a:fld>
             <a:endParaRPr lang="zh-CN" altLang="en-US"/>
           </a:p>
@@ -436,7 +435,7 @@
           <a:p>
             <a:fld id="{0568D9C6-D8DC-4CC3-8480-E0C4DBA1CC07}" type="datetimeFigureOut">
               <a:rPr lang="zh-CN" altLang="en-US" smtClean="0"/>
-              <a:t>2017/9/7</a:t>
+              <a:t>2017/10/31</a:t>
             </a:fld>
             <a:endParaRPr lang="zh-CN" altLang="en-US"/>
           </a:p>
@@ -1031,7 +1030,7 @@
                 <a:ea typeface="宋体" charset="-122"/>
               </a:rPr>
               <a:pPr algn="r" eaLnBrk="1" hangingPunct="1"/>
-              <a:t>20</a:t>
+              <a:t>19</a:t>
             </a:fld>
             <a:endParaRPr lang="zh-CN" altLang="en-US" sz="1200">
               <a:latin typeface="Calibri" pitchFamily="34" charset="0"/>
@@ -1133,7 +1132,7 @@
           <a:p>
             <a:fld id="{DB9D664F-4C68-42D2-B189-678958EFAFDA}" type="datetime1">
               <a:rPr lang="zh-CN" altLang="en-US" smtClean="0"/>
-              <a:t>2017/9/7</a:t>
+              <a:t>2017/10/31</a:t>
             </a:fld>
             <a:endParaRPr lang="zh-CN" altLang="en-US"/>
           </a:p>
@@ -2115,7 +2114,7 @@
           <a:p>
             <a:fld id="{ED5513C8-E3A4-4D78-B249-887659A958FF}" type="datetime1">
               <a:rPr lang="en-US" altLang="zh-CN" smtClean="0"/>
-              <a:t>9/7/2017</a:t>
+              <a:t>10/31/2017</a:t>
             </a:fld>
             <a:endParaRPr lang="en-US"/>
           </a:p>
@@ -2293,7 +2292,7 @@
           <a:p>
             <a:fld id="{EBEDA52C-3EEE-4289-818C-901C0A7814FE}" type="datetime1">
               <a:rPr lang="en-US" altLang="zh-CN" smtClean="0"/>
-              <a:t>9/7/2017</a:t>
+              <a:t>10/31/2017</a:t>
             </a:fld>
             <a:endParaRPr lang="en-US"/>
           </a:p>
@@ -2547,7 +2546,7 @@
           <a:p>
             <a:fld id="{09EF5D7F-EA15-485C-85DD-8FDC010A62D4}" type="datetime1">
               <a:rPr lang="en-US" altLang="zh-CN" smtClean="0"/>
-              <a:t>9/7/2017</a:t>
+              <a:t>10/31/2017</a:t>
             </a:fld>
             <a:endParaRPr lang="en-US"/>
           </a:p>
@@ -2787,7 +2786,7 @@
           <a:p>
             <a:fld id="{9541C2B2-0BAB-4CD4-83EE-25F1A7138896}" type="datetime1">
               <a:rPr lang="en-US" altLang="zh-CN" smtClean="0"/>
-              <a:t>9/7/2017</a:t>
+              <a:t>10/31/2017</a:t>
             </a:fld>
             <a:endParaRPr lang="en-US"/>
           </a:p>
@@ -3162,7 +3161,7 @@
           <a:p>
             <a:fld id="{7DEA23E7-D0FC-41DC-8745-BE6FC447B182}" type="datetime1">
               <a:rPr lang="en-US" altLang="zh-CN" smtClean="0"/>
-              <a:t>9/7/2017</a:t>
+              <a:t>10/31/2017</a:t>
             </a:fld>
             <a:endParaRPr lang="en-US"/>
           </a:p>
@@ -3947,7 +3946,7 @@
           <a:p>
             <a:fld id="{5DEA8378-5F33-490B-8120-8DE6B7EE2781}" type="datetime1">
               <a:rPr lang="en-US" altLang="zh-CN" smtClean="0"/>
-              <a:t>9/7/2017</a:t>
+              <a:t>10/31/2017</a:t>
             </a:fld>
             <a:endParaRPr lang="en-US"/>
           </a:p>
@@ -4201,7 +4200,7 @@
           <a:p>
             <a:fld id="{38DD30CF-78A7-4C73-91B4-38D3E3317745}" type="datetime1">
               <a:rPr lang="en-US" altLang="zh-CN" smtClean="0"/>
-              <a:t>9/7/2017</a:t>
+              <a:t>10/31/2017</a:t>
             </a:fld>
             <a:endParaRPr lang="en-US"/>
           </a:p>
@@ -4304,7 +4303,7 @@
           <a:p>
             <a:fld id="{A1BE0A72-8501-4974-A7B7-5BD248ABBAFC}" type="datetime1">
               <a:rPr lang="zh-CN" altLang="en-US" smtClean="0"/>
-              <a:t>2017/9/7</a:t>
+              <a:t>2017/10/31</a:t>
             </a:fld>
             <a:endParaRPr lang="zh-CN" altLang="en-US"/>
           </a:p>
@@ -4565,7 +4564,7 @@
           <a:p>
             <a:fld id="{0B7E01DD-16D0-4DBA-9C1A-51468BA0B73A}" type="datetime1">
               <a:rPr lang="en-US" altLang="zh-CN" smtClean="0"/>
-              <a:t>9/7/2017</a:t>
+              <a:t>10/31/2017</a:t>
             </a:fld>
             <a:endParaRPr lang="en-US"/>
           </a:p>
@@ -4743,7 +4742,7 @@
           <a:p>
             <a:fld id="{B587E63F-0E62-4A50-901F-E071D77F7634}" type="datetime1">
               <a:rPr lang="en-US" altLang="zh-CN" smtClean="0"/>
-              <a:t>9/7/2017</a:t>
+              <a:t>10/31/2017</a:t>
             </a:fld>
             <a:endParaRPr lang="en-US"/>
           </a:p>
@@ -4931,7 +4930,7 @@
           <a:p>
             <a:fld id="{BD8521E8-9297-400B-AD8C-0A4D05699D33}" type="datetime1">
               <a:rPr lang="en-US" altLang="zh-CN" smtClean="0"/>
-              <a:t>9/7/2017</a:t>
+              <a:t>10/31/2017</a:t>
             </a:fld>
             <a:endParaRPr lang="en-US"/>
           </a:p>
@@ -5162,7 +5161,7 @@
           <a:p>
             <a:fld id="{ED5513C8-E3A4-4D78-B249-887659A958FF}" type="datetime1">
               <a:rPr lang="en-US" altLang="zh-CN" smtClean="0"/>
-              <a:t>9/7/2017</a:t>
+              <a:t>10/31/2017</a:t>
             </a:fld>
             <a:endParaRPr lang="en-US"/>
           </a:p>
@@ -5340,7 +5339,7 @@
           <a:p>
             <a:fld id="{EBEDA52C-3EEE-4289-818C-901C0A7814FE}" type="datetime1">
               <a:rPr lang="en-US" altLang="zh-CN" smtClean="0"/>
-              <a:t>9/7/2017</a:t>
+              <a:t>10/31/2017</a:t>
             </a:fld>
             <a:endParaRPr lang="en-US"/>
           </a:p>
@@ -5594,7 +5593,7 @@
           <a:p>
             <a:fld id="{09EF5D7F-EA15-485C-85DD-8FDC010A62D4}" type="datetime1">
               <a:rPr lang="en-US" altLang="zh-CN" smtClean="0"/>
-              <a:t>9/7/2017</a:t>
+              <a:t>10/31/2017</a:t>
             </a:fld>
             <a:endParaRPr lang="en-US"/>
           </a:p>
@@ -5834,7 +5833,7 @@
           <a:p>
             <a:fld id="{9541C2B2-0BAB-4CD4-83EE-25F1A7138896}" type="datetime1">
               <a:rPr lang="en-US" altLang="zh-CN" smtClean="0"/>
-              <a:t>9/7/2017</a:t>
+              <a:t>10/31/2017</a:t>
             </a:fld>
             <a:endParaRPr lang="en-US"/>
           </a:p>
@@ -6209,7 +6208,7 @@
           <a:p>
             <a:fld id="{7DEA23E7-D0FC-41DC-8745-BE6FC447B182}" type="datetime1">
               <a:rPr lang="en-US" altLang="zh-CN" smtClean="0"/>
-              <a:t>9/7/2017</a:t>
+              <a:t>10/31/2017</a:t>
             </a:fld>
             <a:endParaRPr lang="en-US"/>
           </a:p>
@@ -6994,7 +6993,7 @@
           <a:p>
             <a:fld id="{A1BE0A72-8501-4974-A7B7-5BD248ABBAFC}" type="datetime1">
               <a:rPr lang="zh-CN" altLang="en-US" smtClean="0"/>
-              <a:t>2017/9/7</a:t>
+              <a:t>2017/10/31</a:t>
             </a:fld>
             <a:endParaRPr lang="zh-CN" altLang="en-US"/>
           </a:p>
@@ -7047,7 +7046,7 @@
           <a:p>
             <a:fld id="{5DEA8378-5F33-490B-8120-8DE6B7EE2781}" type="datetime1">
               <a:rPr lang="en-US" altLang="zh-CN" smtClean="0"/>
-              <a:t>9/7/2017</a:t>
+              <a:t>10/31/2017</a:t>
             </a:fld>
             <a:endParaRPr lang="en-US"/>
           </a:p>
@@ -7301,7 +7300,7 @@
           <a:p>
             <a:fld id="{38DD30CF-78A7-4C73-91B4-38D3E3317745}" type="datetime1">
               <a:rPr lang="en-US" altLang="zh-CN" smtClean="0"/>
-              <a:t>9/7/2017</a:t>
+              <a:t>10/31/2017</a:t>
             </a:fld>
             <a:endParaRPr lang="en-US"/>
           </a:p>
@@ -7566,7 +7565,7 @@
           <a:p>
             <a:fld id="{0B7E01DD-16D0-4DBA-9C1A-51468BA0B73A}" type="datetime1">
               <a:rPr lang="en-US" altLang="zh-CN" smtClean="0"/>
-              <a:t>9/7/2017</a:t>
+              <a:t>10/31/2017</a:t>
             </a:fld>
             <a:endParaRPr lang="en-US"/>
           </a:p>
@@ -7744,7 +7743,7 @@
           <a:p>
             <a:fld id="{B587E63F-0E62-4A50-901F-E071D77F7634}" type="datetime1">
               <a:rPr lang="en-US" altLang="zh-CN" smtClean="0"/>
-              <a:t>9/7/2017</a:t>
+              <a:t>10/31/2017</a:t>
             </a:fld>
             <a:endParaRPr lang="en-US"/>
           </a:p>
@@ -7932,7 +7931,7 @@
           <a:p>
             <a:fld id="{BD8521E8-9297-400B-AD8C-0A4D05699D33}" type="datetime1">
               <a:rPr lang="en-US" altLang="zh-CN" smtClean="0"/>
-              <a:t>9/7/2017</a:t>
+              <a:t>10/31/2017</a:t>
             </a:fld>
             <a:endParaRPr lang="en-US"/>
           </a:p>
@@ -8035,7 +8034,7 @@
           <a:p>
             <a:fld id="{EF452D9C-F9EB-4417-9C3A-C876C2AF9415}" type="datetime1">
               <a:rPr lang="zh-CN" altLang="en-US" smtClean="0"/>
-              <a:t>2017/9/7</a:t>
+              <a:t>2017/10/31</a:t>
             </a:fld>
             <a:endParaRPr lang="zh-CN" altLang="en-US"/>
           </a:p>
@@ -8221,7 +8220,7 @@
           <a:p>
             <a:fld id="{2F2E9289-9B4C-49AE-BDDA-70D6EDC89D17}" type="datetime1">
               <a:rPr lang="zh-CN" altLang="en-US" smtClean="0"/>
-              <a:t>2017/9/7</a:t>
+              <a:t>2017/10/31</a:t>
             </a:fld>
             <a:endParaRPr lang="zh-CN" altLang="en-US"/>
           </a:p>
@@ -8391,7 +8390,7 @@
           <a:p>
             <a:fld id="{2F2E9289-9B4C-49AE-BDDA-70D6EDC89D17}" type="datetime1">
               <a:rPr lang="zh-CN" altLang="en-US" smtClean="0"/>
-              <a:t>2017/9/7</a:t>
+              <a:t>2017/10/31</a:t>
             </a:fld>
             <a:endParaRPr lang="zh-CN" altLang="en-US"/>
           </a:p>
@@ -8627,7 +8626,7 @@
           <a:p>
             <a:fld id="{8C5BA751-A251-47D6-8494-C134D9EBED5F}" type="datetime1">
               <a:rPr lang="zh-CN" altLang="en-US" smtClean="0"/>
-              <a:t>2017/9/7</a:t>
+              <a:t>2017/10/31</a:t>
             </a:fld>
             <a:endParaRPr lang="zh-CN" altLang="en-US"/>
           </a:p>
@@ -8983,7 +8982,7 @@
           <a:p>
             <a:fld id="{C46E2078-F302-4651-A2A2-2FC6C4E1A3F1}" type="datetime1">
               <a:rPr lang="zh-CN" altLang="en-US" smtClean="0"/>
-              <a:t>2017/9/7</a:t>
+              <a:t>2017/10/31</a:t>
             </a:fld>
             <a:endParaRPr lang="zh-CN" altLang="en-US"/>
           </a:p>
@@ -9105,7 +9104,7 @@
               <a:pPr>
                 <a:defRPr/>
               </a:pPr>
-              <a:t>2017/9/7</a:t>
+              <a:t>2017/10/31</a:t>
             </a:fld>
             <a:endParaRPr lang="zh-CN" altLang="en-US"/>
           </a:p>
@@ -9253,7 +9252,7 @@
           <a:p>
             <a:fld id="{A1BE0A72-8501-4974-A7B7-5BD248ABBAFC}" type="datetime1">
               <a:rPr lang="zh-CN" altLang="en-US" smtClean="0"/>
-              <a:t>2017/9/7</a:t>
+              <a:t>2017/10/31</a:t>
             </a:fld>
             <a:endParaRPr lang="zh-CN" altLang="en-US"/>
           </a:p>
@@ -9767,7 +9766,7 @@
           <a:p>
             <a:fld id="{A1BE0A72-8501-4974-A7B7-5BD248ABBAFC}" type="datetime1">
               <a:rPr lang="zh-CN" altLang="en-US" smtClean="0"/>
-              <a:t>2017/9/7</a:t>
+              <a:t>2017/10/31</a:t>
             </a:fld>
             <a:endParaRPr lang="zh-CN" altLang="en-US"/>
           </a:p>
@@ -10373,7 +10372,7 @@
           <a:p>
             <a:fld id="{7A78726F-0AD2-4A20-BC72-263D2D3F3A2F}" type="datetime1">
               <a:rPr lang="en-US" altLang="zh-CN" smtClean="0"/>
-              <a:t>9/7/2017</a:t>
+              <a:t>10/31/2017</a:t>
             </a:fld>
             <a:endParaRPr lang="en-US"/>
           </a:p>
@@ -11354,7 +11353,7 @@
           <a:p>
             <a:fld id="{A1BE0A72-8501-4974-A7B7-5BD248ABBAFC}" type="datetime1">
               <a:rPr lang="zh-CN" altLang="en-US" smtClean="0"/>
-              <a:t>2017/9/7</a:t>
+              <a:t>2017/10/31</a:t>
             </a:fld>
             <a:endParaRPr lang="zh-CN" altLang="en-US"/>
           </a:p>
@@ -11960,7 +11959,7 @@
           <a:p>
             <a:fld id="{7A78726F-0AD2-4A20-BC72-263D2D3F3A2F}" type="datetime1">
               <a:rPr lang="en-US" altLang="zh-CN" smtClean="0"/>
-              <a:t>9/7/2017</a:t>
+              <a:t>10/31/2017</a:t>
             </a:fld>
             <a:endParaRPr lang="en-US"/>
           </a:p>
@@ -12929,28 +12928,34 @@
             <p:ph sz="quarter" idx="13"/>
           </p:nvPr>
         </p:nvSpPr>
-        <p:spPr/>
+        <p:spPr>
+          <a:xfrm>
+            <a:off x="1054100" y="543636"/>
+            <a:ext cx="5818188" cy="685800"/>
+          </a:xfrm>
+        </p:spPr>
         <p:txBody>
           <a:bodyPr/>
           <a:lstStyle/>
           <a:p>
             <a:r>
-              <a:rPr lang="zh-CN" altLang="en-US" dirty="0"/>
-              <a:t>第二讲</a:t>
-            </a:r>
-          </a:p>
-        </p:txBody>
-      </p:sp>
-      <p:sp>
-        <p:nvSpPr>
-          <p:cNvPr id="4" name="文本框 3"/>
+              <a:rPr lang="en-US" altLang="zh-CN" b="0" dirty="0"/>
+              <a:t>Cell</a:t>
+            </a:r>
+            <a:endParaRPr lang="zh-CN" altLang="en-US" b="0" dirty="0"/>
+          </a:p>
+        </p:txBody>
+      </p:sp>
+      <p:sp>
+        <p:nvSpPr>
+          <p:cNvPr id="3" name="文本框 2"/>
           <p:cNvSpPr txBox="1"/>
           <p:nvPr/>
         </p:nvSpPr>
         <p:spPr>
           <a:xfrm>
-            <a:off x="4058444" y="2343152"/>
-            <a:ext cx="5385594" cy="2062103"/>
+            <a:off x="954087" y="1600200"/>
+            <a:ext cx="6527799" cy="2585323"/>
           </a:xfrm>
           <a:prstGeom prst="rect">
             <a:avLst/>
@@ -12963,130 +12968,456 @@
           </a:bodyPr>
           <a:lstStyle/>
           <a:p>
-            <a:pPr marL="514350" indent="-514350">
+            <a:pPr marL="285750" indent="-285750">
               <a:lnSpc>
-                <a:spcPct val="200000"/>
+                <a:spcPct val="150000"/>
               </a:lnSpc>
-              <a:buFont typeface="+mj-ea"/>
-              <a:buAutoNum type="ea1JpnChsDbPeriod"/>
+              <a:buFont typeface="Arial" panose="020B0604020202020204" pitchFamily="34" charset="0"/>
+              <a:buChar char="•"/>
             </a:pPr>
             <a:r>
-              <a:rPr lang="en-US" altLang="zh-CN" sz="2000" dirty="0" err="1">
-                <a:solidFill>
-                  <a:schemeClr val="tx1">
-                    <a:lumMod val="65000"/>
-                    <a:lumOff val="35000"/>
-                  </a:schemeClr>
-                </a:solidFill>
+              <a:rPr lang="zh-CN" altLang="en-US" dirty="0">
                 <a:latin typeface="微软雅黑" panose="020B0503020204020204" pitchFamily="34" charset="-122"/>
                 <a:ea typeface="微软雅黑" panose="020B0503020204020204" pitchFamily="34" charset="-122"/>
               </a:rPr>
-              <a:t>WeUI</a:t>
-            </a:r>
-            <a:r>
-              <a:rPr lang="zh-CN" altLang="en-US" sz="2000" dirty="0">
-                <a:solidFill>
-                  <a:schemeClr val="tx1">
-                    <a:lumMod val="65000"/>
-                    <a:lumOff val="35000"/>
-                  </a:schemeClr>
-                </a:solidFill>
+              <a:t>列表视图，用于将信息以列表的结构显示在页面上，是</a:t>
+            </a:r>
+            <a:r>
+              <a:rPr lang="en-US" altLang="zh-CN" dirty="0" err="1">
                 <a:latin typeface="微软雅黑" panose="020B0503020204020204" pitchFamily="34" charset="-122"/>
                 <a:ea typeface="微软雅黑" panose="020B0503020204020204" pitchFamily="34" charset="-122"/>
               </a:rPr>
-              <a:t>介绍与基础</a:t>
-            </a:r>
-            <a:endParaRPr lang="en-US" altLang="zh-CN" sz="2000" dirty="0">
-              <a:solidFill>
-                <a:schemeClr val="tx1">
-                  <a:lumMod val="65000"/>
-                  <a:lumOff val="35000"/>
-                </a:schemeClr>
-              </a:solidFill>
+              <a:t>wap</a:t>
+            </a:r>
+            <a:r>
+              <a:rPr lang="zh-CN" altLang="en-US" dirty="0">
+                <a:latin typeface="微软雅黑" panose="020B0503020204020204" pitchFamily="34" charset="-122"/>
+                <a:ea typeface="微软雅黑" panose="020B0503020204020204" pitchFamily="34" charset="-122"/>
+              </a:rPr>
+              <a:t>上最常用的内容结构。</a:t>
+            </a:r>
+            <a:r>
+              <a:rPr lang="en-US" altLang="zh-CN" dirty="0">
+                <a:latin typeface="微软雅黑" panose="020B0503020204020204" pitchFamily="34" charset="-122"/>
+                <a:ea typeface="微软雅黑" panose="020B0503020204020204" pitchFamily="34" charset="-122"/>
+              </a:rPr>
+              <a:t>Cell</a:t>
+            </a:r>
+            <a:r>
+              <a:rPr lang="zh-CN" altLang="en-US" dirty="0">
+                <a:latin typeface="微软雅黑" panose="020B0503020204020204" pitchFamily="34" charset="-122"/>
+                <a:ea typeface="微软雅黑" panose="020B0503020204020204" pitchFamily="34" charset="-122"/>
+              </a:rPr>
+              <a:t>由多个</a:t>
+            </a:r>
+            <a:r>
+              <a:rPr lang="en-US" altLang="zh-CN" dirty="0">
+                <a:latin typeface="微软雅黑" panose="020B0503020204020204" pitchFamily="34" charset="-122"/>
+                <a:ea typeface="微软雅黑" panose="020B0503020204020204" pitchFamily="34" charset="-122"/>
+              </a:rPr>
+              <a:t>section</a:t>
+            </a:r>
+            <a:r>
+              <a:rPr lang="zh-CN" altLang="en-US" dirty="0">
+                <a:latin typeface="微软雅黑" panose="020B0503020204020204" pitchFamily="34" charset="-122"/>
+                <a:ea typeface="微软雅黑" panose="020B0503020204020204" pitchFamily="34" charset="-122"/>
+              </a:rPr>
+              <a:t>组成，每个</a:t>
+            </a:r>
+            <a:r>
+              <a:rPr lang="en-US" altLang="zh-CN" dirty="0">
+                <a:latin typeface="微软雅黑" panose="020B0503020204020204" pitchFamily="34" charset="-122"/>
+                <a:ea typeface="微软雅黑" panose="020B0503020204020204" pitchFamily="34" charset="-122"/>
+              </a:rPr>
+              <a:t>section</a:t>
+            </a:r>
+            <a:r>
+              <a:rPr lang="zh-CN" altLang="en-US" dirty="0">
+                <a:latin typeface="微软雅黑" panose="020B0503020204020204" pitchFamily="34" charset="-122"/>
+                <a:ea typeface="微软雅黑" panose="020B0503020204020204" pitchFamily="34" charset="-122"/>
+              </a:rPr>
+              <a:t>包括</a:t>
+            </a:r>
+            <a:r>
+              <a:rPr lang="en-US" altLang="zh-CN" dirty="0">
+                <a:latin typeface="微软雅黑" panose="020B0503020204020204" pitchFamily="34" charset="-122"/>
+                <a:ea typeface="微软雅黑" panose="020B0503020204020204" pitchFamily="34" charset="-122"/>
+              </a:rPr>
+              <a:t>section </a:t>
+            </a:r>
+            <a:r>
+              <a:rPr lang="en-US" altLang="zh-CN" dirty="0" err="1">
+                <a:latin typeface="微软雅黑" panose="020B0503020204020204" pitchFamily="34" charset="-122"/>
+                <a:ea typeface="微软雅黑" panose="020B0503020204020204" pitchFamily="34" charset="-122"/>
+              </a:rPr>
+              <a:t>headerweui</a:t>
+            </a:r>
+            <a:r>
+              <a:rPr lang="en-US" altLang="zh-CN" dirty="0">
+                <a:latin typeface="微软雅黑" panose="020B0503020204020204" pitchFamily="34" charset="-122"/>
+                <a:ea typeface="微软雅黑" panose="020B0503020204020204" pitchFamily="34" charset="-122"/>
+              </a:rPr>
+              <a:t>-</a:t>
+            </a:r>
+            <a:r>
+              <a:rPr lang="en-US" altLang="zh-CN" dirty="0" err="1">
+                <a:latin typeface="微软雅黑" panose="020B0503020204020204" pitchFamily="34" charset="-122"/>
+                <a:ea typeface="微软雅黑" panose="020B0503020204020204" pitchFamily="34" charset="-122"/>
+              </a:rPr>
+              <a:t>cells__title</a:t>
+            </a:r>
+            <a:r>
+              <a:rPr lang="zh-CN" altLang="en-US" dirty="0">
+                <a:latin typeface="微软雅黑" panose="020B0503020204020204" pitchFamily="34" charset="-122"/>
+                <a:ea typeface="微软雅黑" panose="020B0503020204020204" pitchFamily="34" charset="-122"/>
+              </a:rPr>
+              <a:t>以及</a:t>
+            </a:r>
+            <a:r>
+              <a:rPr lang="en-US" altLang="zh-CN" dirty="0" err="1">
+                <a:latin typeface="微软雅黑" panose="020B0503020204020204" pitchFamily="34" charset="-122"/>
+                <a:ea typeface="微软雅黑" panose="020B0503020204020204" pitchFamily="34" charset="-122"/>
+              </a:rPr>
+              <a:t>cellsweui</a:t>
+            </a:r>
+            <a:r>
+              <a:rPr lang="en-US" altLang="zh-CN" dirty="0">
+                <a:latin typeface="微软雅黑" panose="020B0503020204020204" pitchFamily="34" charset="-122"/>
+                <a:ea typeface="微软雅黑" panose="020B0503020204020204" pitchFamily="34" charset="-122"/>
+              </a:rPr>
+              <a:t>-cells</a:t>
+            </a:r>
+            <a:r>
+              <a:rPr lang="zh-CN" altLang="en-US" dirty="0">
+                <a:latin typeface="微软雅黑" panose="020B0503020204020204" pitchFamily="34" charset="-122"/>
+                <a:ea typeface="微软雅黑" panose="020B0503020204020204" pitchFamily="34" charset="-122"/>
+              </a:rPr>
+              <a:t>。</a:t>
+            </a:r>
+            <a:endParaRPr lang="en-US" altLang="zh-CN" dirty="0">
               <a:latin typeface="微软雅黑" panose="020B0503020204020204" pitchFamily="34" charset="-122"/>
               <a:ea typeface="微软雅黑" panose="020B0503020204020204" pitchFamily="34" charset="-122"/>
             </a:endParaRPr>
           </a:p>
           <a:p>
-            <a:pPr marL="514350" indent="-514350">
+            <a:pPr marL="285750" indent="-285750">
               <a:lnSpc>
-                <a:spcPct val="200000"/>
+                <a:spcPct val="150000"/>
               </a:lnSpc>
-              <a:buFont typeface="+mj-ea"/>
-              <a:buAutoNum type="ea1JpnChsDbPeriod"/>
+              <a:buFont typeface="Arial" panose="020B0604020202020204" pitchFamily="34" charset="0"/>
+              <a:buChar char="•"/>
             </a:pPr>
             <a:r>
-              <a:rPr lang="en-US" altLang="zh-CN" sz="2400" dirty="0" err="1">
-                <a:solidFill>
-                  <a:schemeClr val="accent6">
-                    <a:lumMod val="75000"/>
-                  </a:schemeClr>
-                </a:solidFill>
+              <a:rPr lang="en-US" altLang="zh-CN" dirty="0">
                 <a:latin typeface="微软雅黑" panose="020B0503020204020204" pitchFamily="34" charset="-122"/>
                 <a:ea typeface="微软雅黑" panose="020B0503020204020204" pitchFamily="34" charset="-122"/>
               </a:rPr>
-              <a:t>WeUI</a:t>
-            </a:r>
-            <a:r>
-              <a:rPr lang="zh-CN" altLang="en-US" sz="2400" dirty="0">
-                <a:solidFill>
-                  <a:schemeClr val="accent6">
-                    <a:lumMod val="75000"/>
-                  </a:schemeClr>
-                </a:solidFill>
+              <a:t>cell</a:t>
+            </a:r>
+            <a:r>
+              <a:rPr lang="zh-CN" altLang="en-US" dirty="0">
                 <a:latin typeface="微软雅黑" panose="020B0503020204020204" pitchFamily="34" charset="-122"/>
                 <a:ea typeface="微软雅黑" panose="020B0503020204020204" pitchFamily="34" charset="-122"/>
               </a:rPr>
-              <a:t>基本使用</a:t>
-            </a:r>
-            <a:endParaRPr lang="en-US" altLang="zh-CN" sz="2400" dirty="0">
-              <a:solidFill>
-                <a:schemeClr val="accent6">
-                  <a:lumMod val="75000"/>
-                </a:schemeClr>
-              </a:solidFill>
-              <a:latin typeface="微软雅黑" panose="020B0503020204020204" pitchFamily="34" charset="-122"/>
-              <a:ea typeface="微软雅黑" panose="020B0503020204020204" pitchFamily="34" charset="-122"/>
-            </a:endParaRPr>
-          </a:p>
-          <a:p>
-            <a:pPr marL="514350" indent="-514350">
-              <a:lnSpc>
-                <a:spcPct val="200000"/>
-              </a:lnSpc>
-              <a:buFont typeface="+mj-ea"/>
-              <a:buAutoNum type="ea1JpnChsDbPeriod"/>
+              <a:t>由</a:t>
+            </a:r>
+            <a:r>
+              <a:rPr lang="en-US" altLang="zh-CN" dirty="0" err="1">
+                <a:latin typeface="微软雅黑" panose="020B0503020204020204" pitchFamily="34" charset="-122"/>
+                <a:ea typeface="微软雅黑" panose="020B0503020204020204" pitchFamily="34" charset="-122"/>
+              </a:rPr>
+              <a:t>weui</a:t>
+            </a:r>
+            <a:r>
+              <a:rPr lang="en-US" altLang="zh-CN" dirty="0">
+                <a:latin typeface="微软雅黑" panose="020B0503020204020204" pitchFamily="34" charset="-122"/>
+                <a:ea typeface="微软雅黑" panose="020B0503020204020204" pitchFamily="34" charset="-122"/>
+              </a:rPr>
+              <a:t>-cell__</a:t>
+            </a:r>
+            <a:r>
+              <a:rPr lang="en-US" altLang="zh-CN" dirty="0" err="1">
+                <a:latin typeface="微软雅黑" panose="020B0503020204020204" pitchFamily="34" charset="-122"/>
+                <a:ea typeface="微软雅黑" panose="020B0503020204020204" pitchFamily="34" charset="-122"/>
+              </a:rPr>
+              <a:t>hd</a:t>
+            </a:r>
+            <a:r>
+              <a:rPr lang="zh-CN" altLang="en-US" dirty="0">
+                <a:latin typeface="微软雅黑" panose="020B0503020204020204" pitchFamily="34" charset="-122"/>
+                <a:ea typeface="微软雅黑" panose="020B0503020204020204" pitchFamily="34" charset="-122"/>
+              </a:rPr>
+              <a:t>、</a:t>
+            </a:r>
+            <a:r>
+              <a:rPr lang="en-US" altLang="zh-CN" dirty="0" err="1">
+                <a:latin typeface="微软雅黑" panose="020B0503020204020204" pitchFamily="34" charset="-122"/>
+                <a:ea typeface="微软雅黑" panose="020B0503020204020204" pitchFamily="34" charset="-122"/>
+              </a:rPr>
+              <a:t>weui</a:t>
+            </a:r>
+            <a:r>
+              <a:rPr lang="en-US" altLang="zh-CN" dirty="0">
+                <a:latin typeface="微软雅黑" panose="020B0503020204020204" pitchFamily="34" charset="-122"/>
+                <a:ea typeface="微软雅黑" panose="020B0503020204020204" pitchFamily="34" charset="-122"/>
+              </a:rPr>
+              <a:t>-cell__</a:t>
+            </a:r>
+            <a:r>
+              <a:rPr lang="en-US" altLang="zh-CN" dirty="0" err="1">
+                <a:latin typeface="微软雅黑" panose="020B0503020204020204" pitchFamily="34" charset="-122"/>
+                <a:ea typeface="微软雅黑" panose="020B0503020204020204" pitchFamily="34" charset="-122"/>
+              </a:rPr>
+              <a:t>bd</a:t>
+            </a:r>
+            <a:r>
+              <a:rPr lang="zh-CN" altLang="en-US" dirty="0">
+                <a:latin typeface="微软雅黑" panose="020B0503020204020204" pitchFamily="34" charset="-122"/>
+                <a:ea typeface="微软雅黑" panose="020B0503020204020204" pitchFamily="34" charset="-122"/>
+              </a:rPr>
+              <a:t>、</a:t>
+            </a:r>
+            <a:r>
+              <a:rPr lang="en-US" altLang="zh-CN" dirty="0" err="1">
+                <a:latin typeface="微软雅黑" panose="020B0503020204020204" pitchFamily="34" charset="-122"/>
+                <a:ea typeface="微软雅黑" panose="020B0503020204020204" pitchFamily="34" charset="-122"/>
+              </a:rPr>
+              <a:t>weui</a:t>
+            </a:r>
+            <a:r>
+              <a:rPr lang="en-US" altLang="zh-CN" dirty="0">
+                <a:latin typeface="微软雅黑" panose="020B0503020204020204" pitchFamily="34" charset="-122"/>
+                <a:ea typeface="微软雅黑" panose="020B0503020204020204" pitchFamily="34" charset="-122"/>
+              </a:rPr>
+              <a:t>-cell__</a:t>
+            </a:r>
+            <a:r>
+              <a:rPr lang="en-US" altLang="zh-CN" dirty="0" err="1">
+                <a:latin typeface="微软雅黑" panose="020B0503020204020204" pitchFamily="34" charset="-122"/>
+                <a:ea typeface="微软雅黑" panose="020B0503020204020204" pitchFamily="34" charset="-122"/>
+              </a:rPr>
+              <a:t>ft</a:t>
+            </a:r>
+            <a:r>
+              <a:rPr lang="zh-CN" altLang="en-US" dirty="0">
+                <a:latin typeface="微软雅黑" panose="020B0503020204020204" pitchFamily="34" charset="-122"/>
+                <a:ea typeface="微软雅黑" panose="020B0503020204020204" pitchFamily="34" charset="-122"/>
+              </a:rPr>
+              <a:t>三部分组成，其中</a:t>
+            </a:r>
+            <a:r>
+              <a:rPr lang="en-US" altLang="zh-CN" dirty="0" err="1">
+                <a:latin typeface="微软雅黑" panose="020B0503020204020204" pitchFamily="34" charset="-122"/>
+                <a:ea typeface="微软雅黑" panose="020B0503020204020204" pitchFamily="34" charset="-122"/>
+              </a:rPr>
+              <a:t>weui</a:t>
+            </a:r>
+            <a:r>
+              <a:rPr lang="en-US" altLang="zh-CN" dirty="0">
+                <a:latin typeface="微软雅黑" panose="020B0503020204020204" pitchFamily="34" charset="-122"/>
+                <a:ea typeface="微软雅黑" panose="020B0503020204020204" pitchFamily="34" charset="-122"/>
+              </a:rPr>
+              <a:t>-cell__</a:t>
+            </a:r>
+            <a:r>
+              <a:rPr lang="en-US" altLang="zh-CN" dirty="0" err="1">
+                <a:latin typeface="微软雅黑" panose="020B0503020204020204" pitchFamily="34" charset="-122"/>
+                <a:ea typeface="微软雅黑" panose="020B0503020204020204" pitchFamily="34" charset="-122"/>
+              </a:rPr>
+              <a:t>bd</a:t>
+            </a:r>
+            <a:r>
+              <a:rPr lang="zh-CN" altLang="en-US" dirty="0">
+                <a:latin typeface="微软雅黑" panose="020B0503020204020204" pitchFamily="34" charset="-122"/>
+                <a:ea typeface="微软雅黑" panose="020B0503020204020204" pitchFamily="34" charset="-122"/>
+              </a:rPr>
+              <a:t>采用自适应布局。</a:t>
+            </a:r>
+          </a:p>
+        </p:txBody>
+      </p:sp>
+      <p:sp>
+        <p:nvSpPr>
+          <p:cNvPr id="4" name="文本框 3"/>
+          <p:cNvSpPr txBox="1"/>
+          <p:nvPr/>
+        </p:nvSpPr>
+        <p:spPr>
+          <a:xfrm>
+            <a:off x="1054100" y="4233121"/>
+            <a:ext cx="10347325" cy="2308324"/>
+          </a:xfrm>
+          <a:prstGeom prst="rect">
+            <a:avLst/>
+          </a:prstGeom>
+          <a:noFill/>
+        </p:spPr>
+        <p:txBody>
+          <a:bodyPr wrap="square" rtlCol="0">
+            <a:spAutoFit/>
+          </a:bodyPr>
+          <a:lstStyle/>
+          <a:p>
+            <a:pPr marL="285750" indent="-285750">
+              <a:buFont typeface="Arial" panose="020B0604020202020204" pitchFamily="34" charset="0"/>
+              <a:buChar char="•"/>
             </a:pPr>
             <a:r>
-              <a:rPr lang="zh-CN" altLang="en-US" sz="2000" dirty="0">
-                <a:solidFill>
-                  <a:schemeClr val="tx1">
-                    <a:lumMod val="65000"/>
-                    <a:lumOff val="35000"/>
-                  </a:schemeClr>
-                </a:solidFill>
-                <a:latin typeface="微软雅黑" panose="020B0503020204020204" pitchFamily="34" charset="-122"/>
-                <a:ea typeface="微软雅黑" panose="020B0503020204020204" pitchFamily="34" charset="-122"/>
-              </a:rPr>
-              <a:t>实现表单功能</a:t>
-            </a:r>
-            <a:endParaRPr lang="en-US" altLang="zh-CN" sz="2000" dirty="0">
-              <a:solidFill>
-                <a:schemeClr val="tx1">
-                  <a:lumMod val="65000"/>
-                  <a:lumOff val="35000"/>
-                </a:schemeClr>
-              </a:solidFill>
-              <a:latin typeface="微软雅黑" panose="020B0503020204020204" pitchFamily="34" charset="-122"/>
-              <a:ea typeface="微软雅黑" panose="020B0503020204020204" pitchFamily="34" charset="-122"/>
-            </a:endParaRPr>
-          </a:p>
-        </p:txBody>
-      </p:sp>
+              <a:rPr lang="zh-CN" altLang="en-US" dirty="0"/>
+              <a:t>示例代码：</a:t>
+            </a:r>
+            <a:endParaRPr lang="en-US" altLang="zh-CN" dirty="0"/>
+          </a:p>
+          <a:p>
+            <a:pPr lvl="1"/>
+            <a:r>
+              <a:rPr lang="en-US" altLang="zh-CN" dirty="0"/>
+              <a:t>&lt;div class="</a:t>
+            </a:r>
+            <a:r>
+              <a:rPr lang="en-US" altLang="zh-CN" dirty="0" err="1"/>
+              <a:t>weui</a:t>
+            </a:r>
+            <a:r>
+              <a:rPr lang="en-US" altLang="zh-CN" dirty="0"/>
+              <a:t>-</a:t>
+            </a:r>
+            <a:r>
+              <a:rPr lang="en-US" altLang="zh-CN" dirty="0" err="1"/>
+              <a:t>cells__title</a:t>
+            </a:r>
+            <a:r>
+              <a:rPr lang="en-US" altLang="zh-CN" dirty="0"/>
+              <a:t>"&gt;Programming language&lt;/div&gt;</a:t>
+            </a:r>
+          </a:p>
+          <a:p>
+            <a:pPr lvl="1"/>
+            <a:r>
+              <a:rPr lang="en-US" altLang="zh-CN" dirty="0"/>
+              <a:t>     &lt;div class="</a:t>
+            </a:r>
+            <a:r>
+              <a:rPr lang="en-US" altLang="zh-CN" dirty="0" err="1"/>
+              <a:t>weui</a:t>
+            </a:r>
+            <a:r>
+              <a:rPr lang="en-US" altLang="zh-CN" dirty="0"/>
+              <a:t>-cells"&gt;</a:t>
+            </a:r>
+          </a:p>
+          <a:p>
+            <a:pPr lvl="1"/>
+            <a:r>
+              <a:rPr lang="en-US" altLang="zh-CN" dirty="0"/>
+              <a:t>         &lt;div class="</a:t>
+            </a:r>
+            <a:r>
+              <a:rPr lang="en-US" altLang="zh-CN" dirty="0" err="1"/>
+              <a:t>weui</a:t>
+            </a:r>
+            <a:r>
+              <a:rPr lang="en-US" altLang="zh-CN" dirty="0"/>
+              <a:t>-cell"&gt;</a:t>
+            </a:r>
+          </a:p>
+          <a:p>
+            <a:pPr lvl="1"/>
+            <a:r>
+              <a:rPr lang="en-US" altLang="zh-CN" dirty="0"/>
+              <a:t>         &lt;div class="</a:t>
+            </a:r>
+            <a:r>
+              <a:rPr lang="en-US" altLang="zh-CN" dirty="0" err="1"/>
+              <a:t>weui</a:t>
+            </a:r>
+            <a:r>
+              <a:rPr lang="en-US" altLang="zh-CN" dirty="0"/>
+              <a:t>-cell__</a:t>
+            </a:r>
+            <a:r>
+              <a:rPr lang="en-US" altLang="zh-CN" dirty="0" err="1"/>
+              <a:t>bd</a:t>
+            </a:r>
+            <a:r>
+              <a:rPr lang="en-US" altLang="zh-CN" dirty="0"/>
+              <a:t>"&gt;&lt;p&gt;PHP best&lt;/p&gt;&lt;/div&gt;</a:t>
+            </a:r>
+          </a:p>
+          <a:p>
+            <a:pPr lvl="1"/>
+            <a:r>
+              <a:rPr lang="en-US" altLang="zh-CN" dirty="0"/>
+              <a:t>         &lt;div class="</a:t>
+            </a:r>
+            <a:r>
+              <a:rPr lang="en-US" altLang="zh-CN" dirty="0" err="1"/>
+              <a:t>weui</a:t>
+            </a:r>
+            <a:r>
+              <a:rPr lang="en-US" altLang="zh-CN" dirty="0"/>
+              <a:t>-cell__</a:t>
+            </a:r>
+            <a:r>
+              <a:rPr lang="en-US" altLang="zh-CN" dirty="0" err="1"/>
+              <a:t>ft</a:t>
+            </a:r>
+            <a:r>
+              <a:rPr lang="en-US" altLang="zh-CN" dirty="0"/>
+              <a:t>"&gt;PHP is the best programming language in the world.&lt;/div&gt;</a:t>
+            </a:r>
+          </a:p>
+          <a:p>
+            <a:pPr lvl="1"/>
+            <a:r>
+              <a:rPr lang="en-US" altLang="zh-CN" dirty="0"/>
+              <a:t>      &lt;/div&gt;</a:t>
+            </a:r>
+          </a:p>
+          <a:p>
+            <a:pPr lvl="1"/>
+            <a:r>
+              <a:rPr lang="en-US" altLang="zh-CN" dirty="0"/>
+              <a:t> &lt;/div&gt;</a:t>
+            </a:r>
+            <a:endParaRPr lang="zh-CN" altLang="en-US" dirty="0"/>
+          </a:p>
+        </p:txBody>
+      </p:sp>
+      <p:pic>
+        <p:nvPicPr>
+          <p:cNvPr id="5" name="图片 4"/>
+          <p:cNvPicPr>
+            <a:picLocks noChangeAspect="1"/>
+          </p:cNvPicPr>
+          <p:nvPr/>
+        </p:nvPicPr>
+        <p:blipFill>
+          <a:blip r:embed="rId2">
+            <a:extLst>
+              <a:ext uri="{28A0092B-C50C-407E-A947-70E740481C1C}">
+                <a14:useLocalDpi xmlns:a14="http://schemas.microsoft.com/office/drawing/2010/main" val="0"/>
+              </a:ext>
+            </a:extLst>
+          </a:blip>
+          <a:stretch>
+            <a:fillRect/>
+          </a:stretch>
+        </p:blipFill>
+        <p:spPr>
+          <a:xfrm>
+            <a:off x="7481886" y="1600200"/>
+            <a:ext cx="4517853" cy="1614488"/>
+          </a:xfrm>
+          <a:prstGeom prst="rect">
+            <a:avLst/>
+          </a:prstGeom>
+        </p:spPr>
+      </p:pic>
     </p:spTree>
     <p:extLst>
       <p:ext uri="{BB962C8B-B14F-4D97-AF65-F5344CB8AC3E}">
-        <p14:creationId xmlns:p14="http://schemas.microsoft.com/office/powerpoint/2010/main" val="2999457395"/>
+        <p14:creationId xmlns:p14="http://schemas.microsoft.com/office/powerpoint/2010/main" val="2902273865"/>
       </p:ext>
     </p:extLst>
   </p:cSld>
@@ -13893,110 +14224,6 @@
 </file>
 
 <file path=ppt/slides/slide13.xml><?xml version="1.0" encoding="utf-8"?>
-<p:sld xmlns:a="http://schemas.openxmlformats.org/drawingml/2006/main" xmlns:r="http://schemas.openxmlformats.org/officeDocument/2006/relationships" xmlns:p="http://schemas.openxmlformats.org/presentationml/2006/main" show="0">
-  <p:cSld>
-    <p:spTree>
-      <p:nvGrpSpPr>
-        <p:cNvPr id="1" name=""/>
-        <p:cNvGrpSpPr/>
-        <p:nvPr/>
-      </p:nvGrpSpPr>
-      <p:grpSpPr>
-        <a:xfrm>
-          <a:off x="0" y="0"/>
-          <a:ext cx="0" cy="0"/>
-          <a:chOff x="0" y="0"/>
-          <a:chExt cx="0" cy="0"/>
-        </a:xfrm>
-      </p:grpSpPr>
-      <p:sp>
-        <p:nvSpPr>
-          <p:cNvPr id="2" name="内容占位符 1"/>
-          <p:cNvSpPr>
-            <a:spLocks noGrp="1"/>
-          </p:cNvSpPr>
-          <p:nvPr>
-            <p:ph sz="quarter" idx="13"/>
-          </p:nvPr>
-        </p:nvSpPr>
-        <p:spPr>
-          <a:xfrm>
-            <a:off x="1054099" y="543636"/>
-            <a:ext cx="6289675" cy="685800"/>
-          </a:xfrm>
-        </p:spPr>
-        <p:txBody>
-          <a:bodyPr/>
-          <a:lstStyle/>
-          <a:p>
-            <a:r>
-              <a:rPr lang="en-US" altLang="zh-CN" dirty="0" err="1"/>
-              <a:t>ActionSheet</a:t>
-            </a:r>
-            <a:endParaRPr lang="en-US" altLang="zh-CN" dirty="0"/>
-          </a:p>
-        </p:txBody>
-      </p:sp>
-      <p:sp>
-        <p:nvSpPr>
-          <p:cNvPr id="3" name="文本框 2"/>
-          <p:cNvSpPr txBox="1"/>
-          <p:nvPr/>
-        </p:nvSpPr>
-        <p:spPr>
-          <a:xfrm>
-            <a:off x="1054099" y="1600201"/>
-            <a:ext cx="2386012" cy="2951898"/>
-          </a:xfrm>
-          <a:prstGeom prst="rect">
-            <a:avLst/>
-          </a:prstGeom>
-          <a:noFill/>
-        </p:spPr>
-        <p:txBody>
-          <a:bodyPr wrap="square" rtlCol="0">
-            <a:spAutoFit/>
-          </a:bodyPr>
-          <a:lstStyle/>
-          <a:p>
-            <a:pPr marL="285750" indent="-285750">
-              <a:lnSpc>
-                <a:spcPct val="150000"/>
-              </a:lnSpc>
-              <a:buFont typeface="Arial" panose="020B0604020202020204" pitchFamily="34" charset="0"/>
-              <a:buChar char="•"/>
-            </a:pPr>
-            <a:r>
-              <a:rPr lang="en-US" altLang="zh-CN" dirty="0" err="1">
-                <a:latin typeface="微软雅黑" panose="020B0503020204020204" pitchFamily="34" charset="-122"/>
-                <a:ea typeface="微软雅黑" panose="020B0503020204020204" pitchFamily="34" charset="-122"/>
-              </a:rPr>
-              <a:t>ActionSheet</a:t>
-            </a:r>
-            <a:r>
-              <a:rPr lang="zh-CN" altLang="en-US" dirty="0">
-                <a:latin typeface="微软雅黑" panose="020B0503020204020204" pitchFamily="34" charset="-122"/>
-                <a:ea typeface="微软雅黑" panose="020B0503020204020204" pitchFamily="34" charset="-122"/>
-              </a:rPr>
-              <a:t>用于显示包含一系列可交互的动作集合，包括说明、跳转等。由底部弹出，一般用于响应用户对页面的点击。</a:t>
-            </a:r>
-          </a:p>
-        </p:txBody>
-      </p:sp>
-    </p:spTree>
-    <p:extLst>
-      <p:ext uri="{BB962C8B-B14F-4D97-AF65-F5344CB8AC3E}">
-        <p14:creationId xmlns:p14="http://schemas.microsoft.com/office/powerpoint/2010/main" val="2699412093"/>
-      </p:ext>
-    </p:extLst>
-  </p:cSld>
-  <p:clrMapOvr>
-    <a:masterClrMapping/>
-  </p:clrMapOvr>
-</p:sld>
-</file>
-
-<file path=ppt/slides/slide14.xml><?xml version="1.0" encoding="utf-8"?>
 <p:sld xmlns:a="http://schemas.openxmlformats.org/drawingml/2006/main" xmlns:r="http://schemas.openxmlformats.org/officeDocument/2006/relationships" xmlns:p="http://schemas.openxmlformats.org/presentationml/2006/main">
   <p:cSld>
     <p:spTree>
@@ -14353,6 +14580,883 @@
 </p:sld>
 </file>
 
+<file path=ppt/slides/slide14.xml><?xml version="1.0" encoding="utf-8"?>
+<p:sld xmlns:a="http://schemas.openxmlformats.org/drawingml/2006/main" xmlns:r="http://schemas.openxmlformats.org/officeDocument/2006/relationships" xmlns:p="http://schemas.openxmlformats.org/presentationml/2006/main">
+  <p:cSld>
+    <p:spTree>
+      <p:nvGrpSpPr>
+        <p:cNvPr id="1" name=""/>
+        <p:cNvGrpSpPr/>
+        <p:nvPr/>
+      </p:nvGrpSpPr>
+      <p:grpSpPr>
+        <a:xfrm>
+          <a:off x="0" y="0"/>
+          <a:ext cx="0" cy="0"/>
+          <a:chOff x="0" y="0"/>
+          <a:chExt cx="0" cy="0"/>
+        </a:xfrm>
+      </p:grpSpPr>
+      <p:sp>
+        <p:nvSpPr>
+          <p:cNvPr id="2" name="内容占位符 1"/>
+          <p:cNvSpPr>
+            <a:spLocks noGrp="1"/>
+          </p:cNvSpPr>
+          <p:nvPr>
+            <p:ph sz="quarter" idx="13"/>
+          </p:nvPr>
+        </p:nvSpPr>
+        <p:spPr>
+          <a:xfrm>
+            <a:off x="1054099" y="543636"/>
+            <a:ext cx="5889625" cy="685800"/>
+          </a:xfrm>
+        </p:spPr>
+        <p:txBody>
+          <a:bodyPr/>
+          <a:lstStyle/>
+          <a:p>
+            <a:r>
+              <a:rPr lang="en-US" altLang="zh-CN" b="0" dirty="0"/>
+              <a:t>Panel</a:t>
+            </a:r>
+            <a:r>
+              <a:rPr lang="zh-CN" altLang="en-US" b="0" dirty="0"/>
+              <a:t>代码示例</a:t>
+            </a:r>
+          </a:p>
+        </p:txBody>
+      </p:sp>
+      <p:sp>
+        <p:nvSpPr>
+          <p:cNvPr id="3" name="文本框 2"/>
+          <p:cNvSpPr txBox="1"/>
+          <p:nvPr/>
+        </p:nvSpPr>
+        <p:spPr>
+          <a:xfrm>
+            <a:off x="1054098" y="1628775"/>
+            <a:ext cx="10233027" cy="5078313"/>
+          </a:xfrm>
+          <a:prstGeom prst="rect">
+            <a:avLst/>
+          </a:prstGeom>
+          <a:noFill/>
+        </p:spPr>
+        <p:txBody>
+          <a:bodyPr wrap="square" rtlCol="0">
+            <a:spAutoFit/>
+          </a:bodyPr>
+          <a:lstStyle/>
+          <a:p>
+            <a:r>
+              <a:rPr lang="en-US" altLang="zh-CN" dirty="0">
+                <a:latin typeface="Calibri" panose="020F0502020204030204" pitchFamily="34" charset="0"/>
+                <a:ea typeface="微软雅黑" panose="020B0503020204020204" pitchFamily="34" charset="-122"/>
+                <a:cs typeface="Calibri" panose="020F0502020204030204" pitchFamily="34" charset="0"/>
+              </a:rPr>
+              <a:t>    &lt;div class="</a:t>
+            </a:r>
+            <a:r>
+              <a:rPr lang="en-US" altLang="zh-CN" dirty="0" err="1">
+                <a:latin typeface="Calibri" panose="020F0502020204030204" pitchFamily="34" charset="0"/>
+                <a:ea typeface="微软雅黑" panose="020B0503020204020204" pitchFamily="34" charset="-122"/>
+                <a:cs typeface="Calibri" panose="020F0502020204030204" pitchFamily="34" charset="0"/>
+              </a:rPr>
+              <a:t>weui</a:t>
+            </a:r>
+            <a:r>
+              <a:rPr lang="en-US" altLang="zh-CN" dirty="0">
+                <a:latin typeface="Calibri" panose="020F0502020204030204" pitchFamily="34" charset="0"/>
+                <a:ea typeface="微软雅黑" panose="020B0503020204020204" pitchFamily="34" charset="-122"/>
+                <a:cs typeface="Calibri" panose="020F0502020204030204" pitchFamily="34" charset="0"/>
+              </a:rPr>
+              <a:t>-panel </a:t>
+            </a:r>
+            <a:r>
+              <a:rPr lang="en-US" altLang="zh-CN" dirty="0" err="1">
+                <a:latin typeface="Calibri" panose="020F0502020204030204" pitchFamily="34" charset="0"/>
+                <a:ea typeface="微软雅黑" panose="020B0503020204020204" pitchFamily="34" charset="-122"/>
+                <a:cs typeface="Calibri" panose="020F0502020204030204" pitchFamily="34" charset="0"/>
+              </a:rPr>
+              <a:t>weui-panel_access</a:t>
+            </a:r>
+            <a:r>
+              <a:rPr lang="en-US" altLang="zh-CN" dirty="0">
+                <a:latin typeface="Calibri" panose="020F0502020204030204" pitchFamily="34" charset="0"/>
+                <a:ea typeface="微软雅黑" panose="020B0503020204020204" pitchFamily="34" charset="-122"/>
+                <a:cs typeface="Calibri" panose="020F0502020204030204" pitchFamily="34" charset="0"/>
+              </a:rPr>
+              <a:t>"&gt;</a:t>
+            </a:r>
+          </a:p>
+          <a:p>
+            <a:r>
+              <a:rPr lang="en-US" altLang="zh-CN" dirty="0">
+                <a:latin typeface="Calibri" panose="020F0502020204030204" pitchFamily="34" charset="0"/>
+                <a:ea typeface="微软雅黑" panose="020B0503020204020204" pitchFamily="34" charset="-122"/>
+                <a:cs typeface="Calibri" panose="020F0502020204030204" pitchFamily="34" charset="0"/>
+              </a:rPr>
+              <a:t>        &lt;div class="</a:t>
+            </a:r>
+            <a:r>
+              <a:rPr lang="en-US" altLang="zh-CN" dirty="0" err="1">
+                <a:latin typeface="Calibri" panose="020F0502020204030204" pitchFamily="34" charset="0"/>
+                <a:ea typeface="微软雅黑" panose="020B0503020204020204" pitchFamily="34" charset="-122"/>
+                <a:cs typeface="Calibri" panose="020F0502020204030204" pitchFamily="34" charset="0"/>
+              </a:rPr>
+              <a:t>weui</a:t>
+            </a:r>
+            <a:r>
+              <a:rPr lang="en-US" altLang="zh-CN" dirty="0">
+                <a:latin typeface="Calibri" panose="020F0502020204030204" pitchFamily="34" charset="0"/>
+                <a:ea typeface="微软雅黑" panose="020B0503020204020204" pitchFamily="34" charset="-122"/>
+                <a:cs typeface="Calibri" panose="020F0502020204030204" pitchFamily="34" charset="0"/>
+              </a:rPr>
+              <a:t>-panel__</a:t>
+            </a:r>
+            <a:r>
+              <a:rPr lang="en-US" altLang="zh-CN" dirty="0" err="1">
+                <a:latin typeface="Calibri" panose="020F0502020204030204" pitchFamily="34" charset="0"/>
+                <a:ea typeface="微软雅黑" panose="020B0503020204020204" pitchFamily="34" charset="-122"/>
+                <a:cs typeface="Calibri" panose="020F0502020204030204" pitchFamily="34" charset="0"/>
+              </a:rPr>
+              <a:t>hd</a:t>
+            </a:r>
+            <a:r>
+              <a:rPr lang="en-US" altLang="zh-CN" dirty="0">
+                <a:latin typeface="Calibri" panose="020F0502020204030204" pitchFamily="34" charset="0"/>
+                <a:ea typeface="微软雅黑" panose="020B0503020204020204" pitchFamily="34" charset="-122"/>
+                <a:cs typeface="Calibri" panose="020F0502020204030204" pitchFamily="34" charset="0"/>
+              </a:rPr>
+              <a:t>"&gt;</a:t>
+            </a:r>
+            <a:r>
+              <a:rPr lang="zh-CN" altLang="en-US" dirty="0">
+                <a:latin typeface="Calibri" panose="020F0502020204030204" pitchFamily="34" charset="0"/>
+                <a:ea typeface="微软雅黑" panose="020B0503020204020204" pitchFamily="34" charset="-122"/>
+                <a:cs typeface="Calibri" panose="020F0502020204030204" pitchFamily="34" charset="0"/>
+              </a:rPr>
+              <a:t>图文组合列表</a:t>
+            </a:r>
+            <a:r>
+              <a:rPr lang="en-US" altLang="zh-CN" dirty="0">
+                <a:latin typeface="Calibri" panose="020F0502020204030204" pitchFamily="34" charset="0"/>
+                <a:ea typeface="微软雅黑" panose="020B0503020204020204" pitchFamily="34" charset="-122"/>
+                <a:cs typeface="Calibri" panose="020F0502020204030204" pitchFamily="34" charset="0"/>
+              </a:rPr>
+              <a:t>&lt;/div&gt;</a:t>
+            </a:r>
+          </a:p>
+          <a:p>
+            <a:r>
+              <a:rPr lang="en-US" altLang="zh-CN" dirty="0">
+                <a:latin typeface="Calibri" panose="020F0502020204030204" pitchFamily="34" charset="0"/>
+                <a:ea typeface="微软雅黑" panose="020B0503020204020204" pitchFamily="34" charset="-122"/>
+                <a:cs typeface="Calibri" panose="020F0502020204030204" pitchFamily="34" charset="0"/>
+              </a:rPr>
+              <a:t>        &lt;div class="</a:t>
+            </a:r>
+            <a:r>
+              <a:rPr lang="en-US" altLang="zh-CN" dirty="0" err="1">
+                <a:latin typeface="Calibri" panose="020F0502020204030204" pitchFamily="34" charset="0"/>
+                <a:ea typeface="微软雅黑" panose="020B0503020204020204" pitchFamily="34" charset="-122"/>
+                <a:cs typeface="Calibri" panose="020F0502020204030204" pitchFamily="34" charset="0"/>
+              </a:rPr>
+              <a:t>weui</a:t>
+            </a:r>
+            <a:r>
+              <a:rPr lang="en-US" altLang="zh-CN" dirty="0">
+                <a:latin typeface="Calibri" panose="020F0502020204030204" pitchFamily="34" charset="0"/>
+                <a:ea typeface="微软雅黑" panose="020B0503020204020204" pitchFamily="34" charset="-122"/>
+                <a:cs typeface="Calibri" panose="020F0502020204030204" pitchFamily="34" charset="0"/>
+              </a:rPr>
+              <a:t>-panel__</a:t>
+            </a:r>
+            <a:r>
+              <a:rPr lang="en-US" altLang="zh-CN" dirty="0" err="1">
+                <a:latin typeface="Calibri" panose="020F0502020204030204" pitchFamily="34" charset="0"/>
+                <a:ea typeface="微软雅黑" panose="020B0503020204020204" pitchFamily="34" charset="-122"/>
+                <a:cs typeface="Calibri" panose="020F0502020204030204" pitchFamily="34" charset="0"/>
+              </a:rPr>
+              <a:t>bd</a:t>
+            </a:r>
+            <a:r>
+              <a:rPr lang="en-US" altLang="zh-CN" dirty="0">
+                <a:latin typeface="Calibri" panose="020F0502020204030204" pitchFamily="34" charset="0"/>
+                <a:ea typeface="微软雅黑" panose="020B0503020204020204" pitchFamily="34" charset="-122"/>
+                <a:cs typeface="Calibri" panose="020F0502020204030204" pitchFamily="34" charset="0"/>
+              </a:rPr>
+              <a:t>"&gt;</a:t>
+            </a:r>
+          </a:p>
+          <a:p>
+            <a:r>
+              <a:rPr lang="en-US" altLang="zh-CN" dirty="0">
+                <a:latin typeface="Calibri" panose="020F0502020204030204" pitchFamily="34" charset="0"/>
+                <a:ea typeface="微软雅黑" panose="020B0503020204020204" pitchFamily="34" charset="-122"/>
+                <a:cs typeface="Calibri" panose="020F0502020204030204" pitchFamily="34" charset="0"/>
+              </a:rPr>
+              <a:t>          &lt;a </a:t>
+            </a:r>
+            <a:r>
+              <a:rPr lang="en-US" altLang="zh-CN" dirty="0" err="1">
+                <a:latin typeface="Calibri" panose="020F0502020204030204" pitchFamily="34" charset="0"/>
+                <a:ea typeface="微软雅黑" panose="020B0503020204020204" pitchFamily="34" charset="-122"/>
+                <a:cs typeface="Calibri" panose="020F0502020204030204" pitchFamily="34" charset="0"/>
+              </a:rPr>
+              <a:t>href</a:t>
+            </a:r>
+            <a:r>
+              <a:rPr lang="en-US" altLang="zh-CN" dirty="0">
+                <a:latin typeface="Calibri" panose="020F0502020204030204" pitchFamily="34" charset="0"/>
+                <a:ea typeface="微软雅黑" panose="020B0503020204020204" pitchFamily="34" charset="-122"/>
+                <a:cs typeface="Calibri" panose="020F0502020204030204" pitchFamily="34" charset="0"/>
+              </a:rPr>
+              <a:t>="</a:t>
+            </a:r>
+            <a:r>
+              <a:rPr lang="en-US" altLang="zh-CN" dirty="0" err="1">
+                <a:latin typeface="Calibri" panose="020F0502020204030204" pitchFamily="34" charset="0"/>
+                <a:ea typeface="微软雅黑" panose="020B0503020204020204" pitchFamily="34" charset="-122"/>
+                <a:cs typeface="Calibri" panose="020F0502020204030204" pitchFamily="34" charset="0"/>
+              </a:rPr>
+              <a:t>javascript:void</a:t>
+            </a:r>
+            <a:r>
+              <a:rPr lang="en-US" altLang="zh-CN" dirty="0">
+                <a:latin typeface="Calibri" panose="020F0502020204030204" pitchFamily="34" charset="0"/>
+                <a:ea typeface="微软雅黑" panose="020B0503020204020204" pitchFamily="34" charset="-122"/>
+                <a:cs typeface="Calibri" panose="020F0502020204030204" pitchFamily="34" charset="0"/>
+              </a:rPr>
+              <a:t>(0);" class="</a:t>
+            </a:r>
+            <a:r>
+              <a:rPr lang="en-US" altLang="zh-CN" dirty="0" err="1">
+                <a:latin typeface="Calibri" panose="020F0502020204030204" pitchFamily="34" charset="0"/>
+                <a:ea typeface="微软雅黑" panose="020B0503020204020204" pitchFamily="34" charset="-122"/>
+                <a:cs typeface="Calibri" panose="020F0502020204030204" pitchFamily="34" charset="0"/>
+              </a:rPr>
+              <a:t>weui</a:t>
+            </a:r>
+            <a:r>
+              <a:rPr lang="en-US" altLang="zh-CN" dirty="0">
+                <a:latin typeface="Calibri" panose="020F0502020204030204" pitchFamily="34" charset="0"/>
+                <a:ea typeface="微软雅黑" panose="020B0503020204020204" pitchFamily="34" charset="-122"/>
+                <a:cs typeface="Calibri" panose="020F0502020204030204" pitchFamily="34" charset="0"/>
+              </a:rPr>
+              <a:t>-media-box </a:t>
+            </a:r>
+            <a:r>
+              <a:rPr lang="en-US" altLang="zh-CN" dirty="0" err="1">
+                <a:latin typeface="Calibri" panose="020F0502020204030204" pitchFamily="34" charset="0"/>
+                <a:ea typeface="微软雅黑" panose="020B0503020204020204" pitchFamily="34" charset="-122"/>
+                <a:cs typeface="Calibri" panose="020F0502020204030204" pitchFamily="34" charset="0"/>
+              </a:rPr>
+              <a:t>weui</a:t>
+            </a:r>
+            <a:r>
+              <a:rPr lang="en-US" altLang="zh-CN" dirty="0">
+                <a:latin typeface="Calibri" panose="020F0502020204030204" pitchFamily="34" charset="0"/>
+                <a:ea typeface="微软雅黑" panose="020B0503020204020204" pitchFamily="34" charset="-122"/>
+                <a:cs typeface="Calibri" panose="020F0502020204030204" pitchFamily="34" charset="0"/>
+              </a:rPr>
+              <a:t>-media-</a:t>
+            </a:r>
+            <a:r>
+              <a:rPr lang="en-US" altLang="zh-CN" dirty="0" err="1">
+                <a:latin typeface="Calibri" panose="020F0502020204030204" pitchFamily="34" charset="0"/>
+                <a:ea typeface="微软雅黑" panose="020B0503020204020204" pitchFamily="34" charset="-122"/>
+                <a:cs typeface="Calibri" panose="020F0502020204030204" pitchFamily="34" charset="0"/>
+              </a:rPr>
+              <a:t>box_appmsg</a:t>
+            </a:r>
+            <a:r>
+              <a:rPr lang="en-US" altLang="zh-CN" dirty="0">
+                <a:latin typeface="Calibri" panose="020F0502020204030204" pitchFamily="34" charset="0"/>
+                <a:ea typeface="微软雅黑" panose="020B0503020204020204" pitchFamily="34" charset="-122"/>
+                <a:cs typeface="Calibri" panose="020F0502020204030204" pitchFamily="34" charset="0"/>
+              </a:rPr>
+              <a:t>"&gt;</a:t>
+            </a:r>
+          </a:p>
+          <a:p>
+            <a:r>
+              <a:rPr lang="en-US" altLang="zh-CN" dirty="0">
+                <a:latin typeface="Calibri" panose="020F0502020204030204" pitchFamily="34" charset="0"/>
+                <a:ea typeface="微软雅黑" panose="020B0503020204020204" pitchFamily="34" charset="-122"/>
+                <a:cs typeface="Calibri" panose="020F0502020204030204" pitchFamily="34" charset="0"/>
+              </a:rPr>
+              <a:t>            &lt;div class="</a:t>
+            </a:r>
+            <a:r>
+              <a:rPr lang="en-US" altLang="zh-CN" dirty="0" err="1">
+                <a:latin typeface="Calibri" panose="020F0502020204030204" pitchFamily="34" charset="0"/>
+                <a:ea typeface="微软雅黑" panose="020B0503020204020204" pitchFamily="34" charset="-122"/>
+                <a:cs typeface="Calibri" panose="020F0502020204030204" pitchFamily="34" charset="0"/>
+              </a:rPr>
+              <a:t>weui</a:t>
+            </a:r>
+            <a:r>
+              <a:rPr lang="en-US" altLang="zh-CN" dirty="0">
+                <a:latin typeface="Calibri" panose="020F0502020204030204" pitchFamily="34" charset="0"/>
+                <a:ea typeface="微软雅黑" panose="020B0503020204020204" pitchFamily="34" charset="-122"/>
+                <a:cs typeface="Calibri" panose="020F0502020204030204" pitchFamily="34" charset="0"/>
+              </a:rPr>
+              <a:t>-media-box__</a:t>
+            </a:r>
+            <a:r>
+              <a:rPr lang="en-US" altLang="zh-CN" dirty="0" err="1">
+                <a:latin typeface="Calibri" panose="020F0502020204030204" pitchFamily="34" charset="0"/>
+                <a:ea typeface="微软雅黑" panose="020B0503020204020204" pitchFamily="34" charset="-122"/>
+                <a:cs typeface="Calibri" panose="020F0502020204030204" pitchFamily="34" charset="0"/>
+              </a:rPr>
+              <a:t>hd</a:t>
+            </a:r>
+            <a:r>
+              <a:rPr lang="en-US" altLang="zh-CN" dirty="0">
+                <a:latin typeface="Calibri" panose="020F0502020204030204" pitchFamily="34" charset="0"/>
+                <a:ea typeface="微软雅黑" panose="020B0503020204020204" pitchFamily="34" charset="-122"/>
+                <a:cs typeface="Calibri" panose="020F0502020204030204" pitchFamily="34" charset="0"/>
+              </a:rPr>
+              <a:t>"&gt;</a:t>
+            </a:r>
+          </a:p>
+          <a:p>
+            <a:r>
+              <a:rPr lang="en-US" altLang="zh-CN" dirty="0">
+                <a:latin typeface="Calibri" panose="020F0502020204030204" pitchFamily="34" charset="0"/>
+                <a:ea typeface="微软雅黑" panose="020B0503020204020204" pitchFamily="34" charset="-122"/>
+                <a:cs typeface="Calibri" panose="020F0502020204030204" pitchFamily="34" charset="0"/>
+              </a:rPr>
+              <a:t>                &lt;</a:t>
+            </a:r>
+            <a:r>
+              <a:rPr lang="en-US" altLang="zh-CN" dirty="0" err="1">
+                <a:latin typeface="Calibri" panose="020F0502020204030204" pitchFamily="34" charset="0"/>
+                <a:ea typeface="微软雅黑" panose="020B0503020204020204" pitchFamily="34" charset="-122"/>
+                <a:cs typeface="Calibri" panose="020F0502020204030204" pitchFamily="34" charset="0"/>
+              </a:rPr>
+              <a:t>img</a:t>
+            </a:r>
+            <a:r>
+              <a:rPr lang="en-US" altLang="zh-CN" dirty="0">
+                <a:latin typeface="Calibri" panose="020F0502020204030204" pitchFamily="34" charset="0"/>
+                <a:ea typeface="微软雅黑" panose="020B0503020204020204" pitchFamily="34" charset="-122"/>
+                <a:cs typeface="Calibri" panose="020F0502020204030204" pitchFamily="34" charset="0"/>
+              </a:rPr>
+              <a:t> class="</a:t>
+            </a:r>
+            <a:r>
+              <a:rPr lang="en-US" altLang="zh-CN" dirty="0" err="1">
+                <a:latin typeface="Calibri" panose="020F0502020204030204" pitchFamily="34" charset="0"/>
+                <a:ea typeface="微软雅黑" panose="020B0503020204020204" pitchFamily="34" charset="-122"/>
+                <a:cs typeface="Calibri" panose="020F0502020204030204" pitchFamily="34" charset="0"/>
+              </a:rPr>
+              <a:t>weui</a:t>
+            </a:r>
+            <a:r>
+              <a:rPr lang="en-US" altLang="zh-CN" dirty="0">
+                <a:latin typeface="Calibri" panose="020F0502020204030204" pitchFamily="34" charset="0"/>
+                <a:ea typeface="微软雅黑" panose="020B0503020204020204" pitchFamily="34" charset="-122"/>
+                <a:cs typeface="Calibri" panose="020F0502020204030204" pitchFamily="34" charset="0"/>
+              </a:rPr>
+              <a:t>-media-</a:t>
+            </a:r>
+            <a:r>
+              <a:rPr lang="en-US" altLang="zh-CN" dirty="0" err="1">
+                <a:latin typeface="Calibri" panose="020F0502020204030204" pitchFamily="34" charset="0"/>
+                <a:ea typeface="微软雅黑" panose="020B0503020204020204" pitchFamily="34" charset="-122"/>
+                <a:cs typeface="Calibri" panose="020F0502020204030204" pitchFamily="34" charset="0"/>
+              </a:rPr>
+              <a:t>box__thumb</a:t>
+            </a:r>
+            <a:r>
+              <a:rPr lang="en-US" altLang="zh-CN" dirty="0">
+                <a:latin typeface="Calibri" panose="020F0502020204030204" pitchFamily="34" charset="0"/>
+                <a:ea typeface="微软雅黑" panose="020B0503020204020204" pitchFamily="34" charset="-122"/>
+                <a:cs typeface="Calibri" panose="020F0502020204030204" pitchFamily="34" charset="0"/>
+              </a:rPr>
+              <a:t>" </a:t>
+            </a:r>
+            <a:r>
+              <a:rPr lang="en-US" altLang="zh-CN" dirty="0" err="1">
+                <a:latin typeface="Calibri" panose="020F0502020204030204" pitchFamily="34" charset="0"/>
+                <a:ea typeface="微软雅黑" panose="020B0503020204020204" pitchFamily="34" charset="-122"/>
+                <a:cs typeface="Calibri" panose="020F0502020204030204" pitchFamily="34" charset="0"/>
+              </a:rPr>
+              <a:t>src</a:t>
+            </a:r>
+            <a:r>
+              <a:rPr lang="en-US" altLang="zh-CN" dirty="0">
+                <a:latin typeface="Calibri" panose="020F0502020204030204" pitchFamily="34" charset="0"/>
+                <a:ea typeface="微软雅黑" panose="020B0503020204020204" pitchFamily="34" charset="-122"/>
+                <a:cs typeface="Calibri" panose="020F0502020204030204" pitchFamily="34" charset="0"/>
+              </a:rPr>
+              <a:t>="./images/panel.jpg" alt=""&gt;&lt;/div&gt;</a:t>
+            </a:r>
+          </a:p>
+          <a:p>
+            <a:r>
+              <a:rPr lang="en-US" altLang="zh-CN" dirty="0">
+                <a:latin typeface="Calibri" panose="020F0502020204030204" pitchFamily="34" charset="0"/>
+                <a:ea typeface="微软雅黑" panose="020B0503020204020204" pitchFamily="34" charset="-122"/>
+                <a:cs typeface="Calibri" panose="020F0502020204030204" pitchFamily="34" charset="0"/>
+              </a:rPr>
+              <a:t>            &lt;div class="</a:t>
+            </a:r>
+            <a:r>
+              <a:rPr lang="en-US" altLang="zh-CN" dirty="0" err="1">
+                <a:latin typeface="Calibri" panose="020F0502020204030204" pitchFamily="34" charset="0"/>
+                <a:ea typeface="微软雅黑" panose="020B0503020204020204" pitchFamily="34" charset="-122"/>
+                <a:cs typeface="Calibri" panose="020F0502020204030204" pitchFamily="34" charset="0"/>
+              </a:rPr>
+              <a:t>weui</a:t>
+            </a:r>
+            <a:r>
+              <a:rPr lang="en-US" altLang="zh-CN" dirty="0">
+                <a:latin typeface="Calibri" panose="020F0502020204030204" pitchFamily="34" charset="0"/>
+                <a:ea typeface="微软雅黑" panose="020B0503020204020204" pitchFamily="34" charset="-122"/>
+                <a:cs typeface="Calibri" panose="020F0502020204030204" pitchFamily="34" charset="0"/>
+              </a:rPr>
+              <a:t>-media-box__</a:t>
+            </a:r>
+            <a:r>
+              <a:rPr lang="en-US" altLang="zh-CN" dirty="0" err="1">
+                <a:latin typeface="Calibri" panose="020F0502020204030204" pitchFamily="34" charset="0"/>
+                <a:ea typeface="微软雅黑" panose="020B0503020204020204" pitchFamily="34" charset="-122"/>
+                <a:cs typeface="Calibri" panose="020F0502020204030204" pitchFamily="34" charset="0"/>
+              </a:rPr>
+              <a:t>bd</a:t>
+            </a:r>
+            <a:r>
+              <a:rPr lang="en-US" altLang="zh-CN" dirty="0">
+                <a:latin typeface="Calibri" panose="020F0502020204030204" pitchFamily="34" charset="0"/>
+                <a:ea typeface="微软雅黑" panose="020B0503020204020204" pitchFamily="34" charset="-122"/>
+                <a:cs typeface="Calibri" panose="020F0502020204030204" pitchFamily="34" charset="0"/>
+              </a:rPr>
+              <a:t>"&gt;</a:t>
+            </a:r>
+          </a:p>
+          <a:p>
+            <a:r>
+              <a:rPr lang="en-US" altLang="zh-CN" dirty="0">
+                <a:latin typeface="Calibri" panose="020F0502020204030204" pitchFamily="34" charset="0"/>
+                <a:ea typeface="微软雅黑" panose="020B0503020204020204" pitchFamily="34" charset="-122"/>
+                <a:cs typeface="Calibri" panose="020F0502020204030204" pitchFamily="34" charset="0"/>
+              </a:rPr>
+              <a:t>              &lt;h4 class="</a:t>
+            </a:r>
+            <a:r>
+              <a:rPr lang="en-US" altLang="zh-CN" dirty="0" err="1">
+                <a:latin typeface="Calibri" panose="020F0502020204030204" pitchFamily="34" charset="0"/>
+                <a:ea typeface="微软雅黑" panose="020B0503020204020204" pitchFamily="34" charset="-122"/>
+                <a:cs typeface="Calibri" panose="020F0502020204030204" pitchFamily="34" charset="0"/>
+              </a:rPr>
+              <a:t>weui</a:t>
+            </a:r>
+            <a:r>
+              <a:rPr lang="en-US" altLang="zh-CN" dirty="0">
+                <a:latin typeface="Calibri" panose="020F0502020204030204" pitchFamily="34" charset="0"/>
+                <a:ea typeface="微软雅黑" panose="020B0503020204020204" pitchFamily="34" charset="-122"/>
+                <a:cs typeface="Calibri" panose="020F0502020204030204" pitchFamily="34" charset="0"/>
+              </a:rPr>
+              <a:t>-media-</a:t>
+            </a:r>
+            <a:r>
+              <a:rPr lang="en-US" altLang="zh-CN" dirty="0" err="1">
+                <a:latin typeface="Calibri" panose="020F0502020204030204" pitchFamily="34" charset="0"/>
+                <a:ea typeface="微软雅黑" panose="020B0503020204020204" pitchFamily="34" charset="-122"/>
+                <a:cs typeface="Calibri" panose="020F0502020204030204" pitchFamily="34" charset="0"/>
+              </a:rPr>
+              <a:t>box__title</a:t>
+            </a:r>
+            <a:r>
+              <a:rPr lang="en-US" altLang="zh-CN" dirty="0">
+                <a:latin typeface="Calibri" panose="020F0502020204030204" pitchFamily="34" charset="0"/>
+                <a:ea typeface="微软雅黑" panose="020B0503020204020204" pitchFamily="34" charset="-122"/>
+                <a:cs typeface="Calibri" panose="020F0502020204030204" pitchFamily="34" charset="0"/>
+              </a:rPr>
+              <a:t>"&gt;</a:t>
+            </a:r>
+            <a:r>
+              <a:rPr lang="zh-CN" altLang="en-US" dirty="0">
+                <a:latin typeface="Calibri" panose="020F0502020204030204" pitchFamily="34" charset="0"/>
+                <a:ea typeface="微软雅黑" panose="020B0503020204020204" pitchFamily="34" charset="-122"/>
+                <a:cs typeface="Calibri" panose="020F0502020204030204" pitchFamily="34" charset="0"/>
+              </a:rPr>
+              <a:t>标题一</a:t>
+            </a:r>
+            <a:r>
+              <a:rPr lang="en-US" altLang="zh-CN" dirty="0">
+                <a:latin typeface="Calibri" panose="020F0502020204030204" pitchFamily="34" charset="0"/>
+                <a:ea typeface="微软雅黑" panose="020B0503020204020204" pitchFamily="34" charset="-122"/>
+                <a:cs typeface="Calibri" panose="020F0502020204030204" pitchFamily="34" charset="0"/>
+              </a:rPr>
+              <a:t>&lt;/h4&gt;</a:t>
+            </a:r>
+          </a:p>
+          <a:p>
+            <a:r>
+              <a:rPr lang="en-US" altLang="zh-CN" dirty="0">
+                <a:latin typeface="Calibri" panose="020F0502020204030204" pitchFamily="34" charset="0"/>
+                <a:ea typeface="微软雅黑" panose="020B0503020204020204" pitchFamily="34" charset="-122"/>
+                <a:cs typeface="Calibri" panose="020F0502020204030204" pitchFamily="34" charset="0"/>
+              </a:rPr>
+              <a:t>              &lt;p class="</a:t>
+            </a:r>
+            <a:r>
+              <a:rPr lang="en-US" altLang="zh-CN" dirty="0" err="1">
+                <a:latin typeface="Calibri" panose="020F0502020204030204" pitchFamily="34" charset="0"/>
+                <a:ea typeface="微软雅黑" panose="020B0503020204020204" pitchFamily="34" charset="-122"/>
+                <a:cs typeface="Calibri" panose="020F0502020204030204" pitchFamily="34" charset="0"/>
+              </a:rPr>
+              <a:t>weui</a:t>
+            </a:r>
+            <a:r>
+              <a:rPr lang="en-US" altLang="zh-CN" dirty="0">
+                <a:latin typeface="Calibri" panose="020F0502020204030204" pitchFamily="34" charset="0"/>
+                <a:ea typeface="微软雅黑" panose="020B0503020204020204" pitchFamily="34" charset="-122"/>
+                <a:cs typeface="Calibri" panose="020F0502020204030204" pitchFamily="34" charset="0"/>
+              </a:rPr>
+              <a:t>-media-box__</a:t>
+            </a:r>
+            <a:r>
+              <a:rPr lang="en-US" altLang="zh-CN" dirty="0" err="1">
+                <a:latin typeface="Calibri" panose="020F0502020204030204" pitchFamily="34" charset="0"/>
+                <a:ea typeface="微软雅黑" panose="020B0503020204020204" pitchFamily="34" charset="-122"/>
+                <a:cs typeface="Calibri" panose="020F0502020204030204" pitchFamily="34" charset="0"/>
+              </a:rPr>
+              <a:t>desc</a:t>
+            </a:r>
+            <a:r>
+              <a:rPr lang="en-US" altLang="zh-CN" dirty="0">
+                <a:latin typeface="Calibri" panose="020F0502020204030204" pitchFamily="34" charset="0"/>
+                <a:ea typeface="微软雅黑" panose="020B0503020204020204" pitchFamily="34" charset="-122"/>
+                <a:cs typeface="Calibri" panose="020F0502020204030204" pitchFamily="34" charset="0"/>
+              </a:rPr>
+              <a:t>"&gt;</a:t>
+            </a:r>
+          </a:p>
+          <a:p>
+            <a:r>
+              <a:rPr lang="en-US" altLang="zh-CN" dirty="0">
+                <a:latin typeface="Calibri" panose="020F0502020204030204" pitchFamily="34" charset="0"/>
+                <a:ea typeface="微软雅黑" panose="020B0503020204020204" pitchFamily="34" charset="-122"/>
+                <a:cs typeface="Calibri" panose="020F0502020204030204" pitchFamily="34" charset="0"/>
+              </a:rPr>
+              <a:t>               </a:t>
+            </a:r>
+            <a:r>
+              <a:rPr lang="zh-CN" altLang="en-US" dirty="0">
+                <a:latin typeface="Calibri" panose="020F0502020204030204" pitchFamily="34" charset="0"/>
+                <a:ea typeface="微软雅黑" panose="020B0503020204020204" pitchFamily="34" charset="-122"/>
+                <a:cs typeface="Calibri" panose="020F0502020204030204" pitchFamily="34" charset="0"/>
+              </a:rPr>
+              <a:t>由各种物质组成的巨型球状天体，叫做星球。星球有一定的形状，有自己的运行轨道。</a:t>
+            </a:r>
+            <a:r>
+              <a:rPr lang="en-US" altLang="zh-CN" dirty="0">
+                <a:latin typeface="Calibri" panose="020F0502020204030204" pitchFamily="34" charset="0"/>
+                <a:ea typeface="微软雅黑" panose="020B0503020204020204" pitchFamily="34" charset="-122"/>
+                <a:cs typeface="Calibri" panose="020F0502020204030204" pitchFamily="34" charset="0"/>
+              </a:rPr>
+              <a:t>&lt;/p&gt;</a:t>
+            </a:r>
+          </a:p>
+          <a:p>
+            <a:r>
+              <a:rPr lang="en-US" altLang="zh-CN" dirty="0">
+                <a:latin typeface="Calibri" panose="020F0502020204030204" pitchFamily="34" charset="0"/>
+                <a:ea typeface="微软雅黑" panose="020B0503020204020204" pitchFamily="34" charset="-122"/>
+                <a:cs typeface="Calibri" panose="020F0502020204030204" pitchFamily="34" charset="0"/>
+              </a:rPr>
+              <a:t>            &lt;/div&gt;</a:t>
+            </a:r>
+          </a:p>
+          <a:p>
+            <a:r>
+              <a:rPr lang="en-US" altLang="zh-CN" dirty="0">
+                <a:latin typeface="Calibri" panose="020F0502020204030204" pitchFamily="34" charset="0"/>
+                <a:ea typeface="微软雅黑" panose="020B0503020204020204" pitchFamily="34" charset="-122"/>
+                <a:cs typeface="Calibri" panose="020F0502020204030204" pitchFamily="34" charset="0"/>
+              </a:rPr>
+              <a:t>          &lt;/a&gt;</a:t>
+            </a:r>
+          </a:p>
+          <a:p>
+            <a:r>
+              <a:rPr lang="en-US" altLang="zh-CN" dirty="0">
+                <a:latin typeface="Calibri" panose="020F0502020204030204" pitchFamily="34" charset="0"/>
+                <a:ea typeface="微软雅黑" panose="020B0503020204020204" pitchFamily="34" charset="-122"/>
+                <a:cs typeface="Calibri" panose="020F0502020204030204" pitchFamily="34" charset="0"/>
+              </a:rPr>
+              <a:t>        &lt;/div&gt;</a:t>
+            </a:r>
+          </a:p>
+          <a:p>
+            <a:r>
+              <a:rPr lang="en-US" altLang="zh-CN" dirty="0">
+                <a:latin typeface="Calibri" panose="020F0502020204030204" pitchFamily="34" charset="0"/>
+                <a:ea typeface="微软雅黑" panose="020B0503020204020204" pitchFamily="34" charset="-122"/>
+                <a:cs typeface="Calibri" panose="020F0502020204030204" pitchFamily="34" charset="0"/>
+              </a:rPr>
+              <a:t>        &lt;div class="</a:t>
+            </a:r>
+            <a:r>
+              <a:rPr lang="en-US" altLang="zh-CN" dirty="0" err="1">
+                <a:latin typeface="Calibri" panose="020F0502020204030204" pitchFamily="34" charset="0"/>
+                <a:ea typeface="微软雅黑" panose="020B0503020204020204" pitchFamily="34" charset="-122"/>
+                <a:cs typeface="Calibri" panose="020F0502020204030204" pitchFamily="34" charset="0"/>
+              </a:rPr>
+              <a:t>weui</a:t>
+            </a:r>
+            <a:r>
+              <a:rPr lang="en-US" altLang="zh-CN" dirty="0">
+                <a:latin typeface="Calibri" panose="020F0502020204030204" pitchFamily="34" charset="0"/>
+                <a:ea typeface="微软雅黑" panose="020B0503020204020204" pitchFamily="34" charset="-122"/>
+                <a:cs typeface="Calibri" panose="020F0502020204030204" pitchFamily="34" charset="0"/>
+              </a:rPr>
+              <a:t>-panel__</a:t>
+            </a:r>
+            <a:r>
+              <a:rPr lang="en-US" altLang="zh-CN" dirty="0" err="1">
+                <a:latin typeface="Calibri" panose="020F0502020204030204" pitchFamily="34" charset="0"/>
+                <a:ea typeface="微软雅黑" panose="020B0503020204020204" pitchFamily="34" charset="-122"/>
+                <a:cs typeface="Calibri" panose="020F0502020204030204" pitchFamily="34" charset="0"/>
+              </a:rPr>
+              <a:t>ft</a:t>
+            </a:r>
+            <a:r>
+              <a:rPr lang="en-US" altLang="zh-CN" dirty="0">
+                <a:latin typeface="Calibri" panose="020F0502020204030204" pitchFamily="34" charset="0"/>
+                <a:ea typeface="微软雅黑" panose="020B0503020204020204" pitchFamily="34" charset="-122"/>
+                <a:cs typeface="Calibri" panose="020F0502020204030204" pitchFamily="34" charset="0"/>
+              </a:rPr>
+              <a:t>"&gt;</a:t>
+            </a:r>
+          </a:p>
+          <a:p>
+            <a:r>
+              <a:rPr lang="en-US" altLang="zh-CN" dirty="0">
+                <a:latin typeface="Calibri" panose="020F0502020204030204" pitchFamily="34" charset="0"/>
+                <a:ea typeface="微软雅黑" panose="020B0503020204020204" pitchFamily="34" charset="-122"/>
+                <a:cs typeface="Calibri" panose="020F0502020204030204" pitchFamily="34" charset="0"/>
+              </a:rPr>
+              <a:t>          &lt;a </a:t>
+            </a:r>
+            <a:r>
+              <a:rPr lang="en-US" altLang="zh-CN" dirty="0" err="1">
+                <a:latin typeface="Calibri" panose="020F0502020204030204" pitchFamily="34" charset="0"/>
+                <a:ea typeface="微软雅黑" panose="020B0503020204020204" pitchFamily="34" charset="-122"/>
+                <a:cs typeface="Calibri" panose="020F0502020204030204" pitchFamily="34" charset="0"/>
+              </a:rPr>
+              <a:t>href</a:t>
+            </a:r>
+            <a:r>
+              <a:rPr lang="en-US" altLang="zh-CN" dirty="0">
+                <a:latin typeface="Calibri" panose="020F0502020204030204" pitchFamily="34" charset="0"/>
+                <a:ea typeface="微软雅黑" panose="020B0503020204020204" pitchFamily="34" charset="-122"/>
+                <a:cs typeface="Calibri" panose="020F0502020204030204" pitchFamily="34" charset="0"/>
+              </a:rPr>
+              <a:t>="</a:t>
+            </a:r>
+            <a:r>
+              <a:rPr lang="en-US" altLang="zh-CN" dirty="0" err="1">
+                <a:latin typeface="Calibri" panose="020F0502020204030204" pitchFamily="34" charset="0"/>
+                <a:ea typeface="微软雅黑" panose="020B0503020204020204" pitchFamily="34" charset="-122"/>
+                <a:cs typeface="Calibri" panose="020F0502020204030204" pitchFamily="34" charset="0"/>
+              </a:rPr>
+              <a:t>javascript:void</a:t>
+            </a:r>
+            <a:r>
+              <a:rPr lang="en-US" altLang="zh-CN" dirty="0">
+                <a:latin typeface="Calibri" panose="020F0502020204030204" pitchFamily="34" charset="0"/>
+                <a:ea typeface="微软雅黑" panose="020B0503020204020204" pitchFamily="34" charset="-122"/>
+                <a:cs typeface="Calibri" panose="020F0502020204030204" pitchFamily="34" charset="0"/>
+              </a:rPr>
+              <a:t>(0);" class="</a:t>
+            </a:r>
+            <a:r>
+              <a:rPr lang="en-US" altLang="zh-CN" dirty="0" err="1">
+                <a:latin typeface="Calibri" panose="020F0502020204030204" pitchFamily="34" charset="0"/>
+                <a:ea typeface="微软雅黑" panose="020B0503020204020204" pitchFamily="34" charset="-122"/>
+                <a:cs typeface="Calibri" panose="020F0502020204030204" pitchFamily="34" charset="0"/>
+              </a:rPr>
+              <a:t>weui</a:t>
+            </a:r>
+            <a:r>
+              <a:rPr lang="en-US" altLang="zh-CN" dirty="0">
+                <a:latin typeface="Calibri" panose="020F0502020204030204" pitchFamily="34" charset="0"/>
+                <a:ea typeface="微软雅黑" panose="020B0503020204020204" pitchFamily="34" charset="-122"/>
+                <a:cs typeface="Calibri" panose="020F0502020204030204" pitchFamily="34" charset="0"/>
+              </a:rPr>
+              <a:t>-cell </a:t>
+            </a:r>
+            <a:r>
+              <a:rPr lang="en-US" altLang="zh-CN" dirty="0" err="1">
+                <a:latin typeface="Calibri" panose="020F0502020204030204" pitchFamily="34" charset="0"/>
+                <a:ea typeface="微软雅黑" panose="020B0503020204020204" pitchFamily="34" charset="-122"/>
+                <a:cs typeface="Calibri" panose="020F0502020204030204" pitchFamily="34" charset="0"/>
+              </a:rPr>
+              <a:t>weui-cell_access</a:t>
+            </a:r>
+            <a:r>
+              <a:rPr lang="en-US" altLang="zh-CN" dirty="0">
+                <a:latin typeface="Calibri" panose="020F0502020204030204" pitchFamily="34" charset="0"/>
+                <a:ea typeface="微软雅黑" panose="020B0503020204020204" pitchFamily="34" charset="-122"/>
+                <a:cs typeface="Calibri" panose="020F0502020204030204" pitchFamily="34" charset="0"/>
+              </a:rPr>
+              <a:t> </a:t>
+            </a:r>
+            <a:r>
+              <a:rPr lang="en-US" altLang="zh-CN" dirty="0" err="1">
+                <a:latin typeface="Calibri" panose="020F0502020204030204" pitchFamily="34" charset="0"/>
+                <a:ea typeface="微软雅黑" panose="020B0503020204020204" pitchFamily="34" charset="-122"/>
+                <a:cs typeface="Calibri" panose="020F0502020204030204" pitchFamily="34" charset="0"/>
+              </a:rPr>
+              <a:t>weui-cell_link</a:t>
+            </a:r>
+            <a:r>
+              <a:rPr lang="en-US" altLang="zh-CN" dirty="0">
+                <a:latin typeface="Calibri" panose="020F0502020204030204" pitchFamily="34" charset="0"/>
+                <a:ea typeface="微软雅黑" panose="020B0503020204020204" pitchFamily="34" charset="-122"/>
+                <a:cs typeface="Calibri" panose="020F0502020204030204" pitchFamily="34" charset="0"/>
+              </a:rPr>
+              <a:t>"&gt;</a:t>
+            </a:r>
+          </a:p>
+          <a:p>
+            <a:r>
+              <a:rPr lang="en-US" altLang="zh-CN" dirty="0">
+                <a:latin typeface="Calibri" panose="020F0502020204030204" pitchFamily="34" charset="0"/>
+                <a:ea typeface="微软雅黑" panose="020B0503020204020204" pitchFamily="34" charset="-122"/>
+                <a:cs typeface="Calibri" panose="020F0502020204030204" pitchFamily="34" charset="0"/>
+              </a:rPr>
+              <a:t>            &lt;div class="</a:t>
+            </a:r>
+            <a:r>
+              <a:rPr lang="en-US" altLang="zh-CN" dirty="0" err="1">
+                <a:latin typeface="Calibri" panose="020F0502020204030204" pitchFamily="34" charset="0"/>
+                <a:ea typeface="微软雅黑" panose="020B0503020204020204" pitchFamily="34" charset="-122"/>
+                <a:cs typeface="Calibri" panose="020F0502020204030204" pitchFamily="34" charset="0"/>
+              </a:rPr>
+              <a:t>weui</a:t>
+            </a:r>
+            <a:r>
+              <a:rPr lang="en-US" altLang="zh-CN" dirty="0">
+                <a:latin typeface="Calibri" panose="020F0502020204030204" pitchFamily="34" charset="0"/>
+                <a:ea typeface="微软雅黑" panose="020B0503020204020204" pitchFamily="34" charset="-122"/>
+                <a:cs typeface="Calibri" panose="020F0502020204030204" pitchFamily="34" charset="0"/>
+              </a:rPr>
+              <a:t>-cell__</a:t>
+            </a:r>
+            <a:r>
+              <a:rPr lang="en-US" altLang="zh-CN" dirty="0" err="1">
+                <a:latin typeface="Calibri" panose="020F0502020204030204" pitchFamily="34" charset="0"/>
+                <a:ea typeface="微软雅黑" panose="020B0503020204020204" pitchFamily="34" charset="-122"/>
+                <a:cs typeface="Calibri" panose="020F0502020204030204" pitchFamily="34" charset="0"/>
+              </a:rPr>
+              <a:t>bd</a:t>
+            </a:r>
+            <a:r>
+              <a:rPr lang="en-US" altLang="zh-CN" dirty="0">
+                <a:latin typeface="Calibri" panose="020F0502020204030204" pitchFamily="34" charset="0"/>
+                <a:ea typeface="微软雅黑" panose="020B0503020204020204" pitchFamily="34" charset="-122"/>
+                <a:cs typeface="Calibri" panose="020F0502020204030204" pitchFamily="34" charset="0"/>
+              </a:rPr>
+              <a:t>"&gt;</a:t>
+            </a:r>
+            <a:r>
+              <a:rPr lang="zh-CN" altLang="en-US" dirty="0">
+                <a:latin typeface="Calibri" panose="020F0502020204030204" pitchFamily="34" charset="0"/>
+                <a:ea typeface="微软雅黑" panose="020B0503020204020204" pitchFamily="34" charset="-122"/>
+                <a:cs typeface="Calibri" panose="020F0502020204030204" pitchFamily="34" charset="0"/>
+              </a:rPr>
+              <a:t>查看更多</a:t>
+            </a:r>
+            <a:r>
+              <a:rPr lang="en-US" altLang="zh-CN" dirty="0">
+                <a:latin typeface="Calibri" panose="020F0502020204030204" pitchFamily="34" charset="0"/>
+                <a:ea typeface="微软雅黑" panose="020B0503020204020204" pitchFamily="34" charset="-122"/>
+                <a:cs typeface="Calibri" panose="020F0502020204030204" pitchFamily="34" charset="0"/>
+              </a:rPr>
+              <a:t>&lt;/div&gt;&lt;span class="</a:t>
+            </a:r>
+            <a:r>
+              <a:rPr lang="en-US" altLang="zh-CN" dirty="0" err="1">
+                <a:latin typeface="Calibri" panose="020F0502020204030204" pitchFamily="34" charset="0"/>
+                <a:ea typeface="微软雅黑" panose="020B0503020204020204" pitchFamily="34" charset="-122"/>
+                <a:cs typeface="Calibri" panose="020F0502020204030204" pitchFamily="34" charset="0"/>
+              </a:rPr>
+              <a:t>weui</a:t>
+            </a:r>
+            <a:r>
+              <a:rPr lang="en-US" altLang="zh-CN" dirty="0">
+                <a:latin typeface="Calibri" panose="020F0502020204030204" pitchFamily="34" charset="0"/>
+                <a:ea typeface="微软雅黑" panose="020B0503020204020204" pitchFamily="34" charset="-122"/>
+                <a:cs typeface="Calibri" panose="020F0502020204030204" pitchFamily="34" charset="0"/>
+              </a:rPr>
+              <a:t>-cell__</a:t>
+            </a:r>
+            <a:r>
+              <a:rPr lang="en-US" altLang="zh-CN" dirty="0" err="1">
+                <a:latin typeface="Calibri" panose="020F0502020204030204" pitchFamily="34" charset="0"/>
+                <a:ea typeface="微软雅黑" panose="020B0503020204020204" pitchFamily="34" charset="-122"/>
+                <a:cs typeface="Calibri" panose="020F0502020204030204" pitchFamily="34" charset="0"/>
+              </a:rPr>
+              <a:t>ft</a:t>
+            </a:r>
+            <a:r>
+              <a:rPr lang="en-US" altLang="zh-CN" dirty="0">
+                <a:latin typeface="Calibri" panose="020F0502020204030204" pitchFamily="34" charset="0"/>
+                <a:ea typeface="微软雅黑" panose="020B0503020204020204" pitchFamily="34" charset="-122"/>
+                <a:cs typeface="Calibri" panose="020F0502020204030204" pitchFamily="34" charset="0"/>
+              </a:rPr>
+              <a:t>"&gt;&lt;/span&gt;&lt;/a&gt;    </a:t>
+            </a:r>
+          </a:p>
+          <a:p>
+            <a:r>
+              <a:rPr lang="en-US" altLang="zh-CN" dirty="0">
+                <a:latin typeface="Calibri" panose="020F0502020204030204" pitchFamily="34" charset="0"/>
+                <a:ea typeface="微软雅黑" panose="020B0503020204020204" pitchFamily="34" charset="-122"/>
+                <a:cs typeface="Calibri" panose="020F0502020204030204" pitchFamily="34" charset="0"/>
+              </a:rPr>
+              <a:t>        &lt;/div&gt;</a:t>
+            </a:r>
+          </a:p>
+          <a:p>
+            <a:r>
+              <a:rPr lang="en-US" altLang="zh-CN" dirty="0">
+                <a:latin typeface="Calibri" panose="020F0502020204030204" pitchFamily="34" charset="0"/>
+                <a:ea typeface="微软雅黑" panose="020B0503020204020204" pitchFamily="34" charset="-122"/>
+                <a:cs typeface="Calibri" panose="020F0502020204030204" pitchFamily="34" charset="0"/>
+              </a:rPr>
+              <a:t>      &lt;/div&gt;</a:t>
+            </a:r>
+            <a:endParaRPr lang="zh-CN" altLang="en-US" dirty="0">
+              <a:latin typeface="Calibri" panose="020F0502020204030204" pitchFamily="34" charset="0"/>
+              <a:ea typeface="微软雅黑" panose="020B0503020204020204" pitchFamily="34" charset="-122"/>
+              <a:cs typeface="Calibri" panose="020F0502020204030204" pitchFamily="34" charset="0"/>
+            </a:endParaRPr>
+          </a:p>
+        </p:txBody>
+      </p:sp>
+    </p:spTree>
+    <p:extLst>
+      <p:ext uri="{BB962C8B-B14F-4D97-AF65-F5344CB8AC3E}">
+        <p14:creationId xmlns:p14="http://schemas.microsoft.com/office/powerpoint/2010/main" val="389274775"/>
+      </p:ext>
+    </p:extLst>
+  </p:cSld>
+  <p:clrMapOvr>
+    <a:masterClrMapping/>
+  </p:clrMapOvr>
+</p:sld>
+</file>
+
 <file path=ppt/slides/slide15.xml><?xml version="1.0" encoding="utf-8"?>
 <p:sld xmlns:a="http://schemas.openxmlformats.org/drawingml/2006/main" xmlns:r="http://schemas.openxmlformats.org/officeDocument/2006/relationships" xmlns:p="http://schemas.openxmlformats.org/presentationml/2006/main">
   <p:cSld>
@@ -14382,883 +15486,6 @@
         </p:nvSpPr>
         <p:spPr>
           <a:xfrm>
-            <a:off x="1054099" y="543636"/>
-            <a:ext cx="5889625" cy="685800"/>
-          </a:xfrm>
-        </p:spPr>
-        <p:txBody>
-          <a:bodyPr/>
-          <a:lstStyle/>
-          <a:p>
-            <a:r>
-              <a:rPr lang="en-US" altLang="zh-CN" b="0" dirty="0"/>
-              <a:t>Panel</a:t>
-            </a:r>
-            <a:r>
-              <a:rPr lang="zh-CN" altLang="en-US" b="0" dirty="0"/>
-              <a:t>代码示例</a:t>
-            </a:r>
-          </a:p>
-        </p:txBody>
-      </p:sp>
-      <p:sp>
-        <p:nvSpPr>
-          <p:cNvPr id="3" name="文本框 2"/>
-          <p:cNvSpPr txBox="1"/>
-          <p:nvPr/>
-        </p:nvSpPr>
-        <p:spPr>
-          <a:xfrm>
-            <a:off x="1054098" y="1628775"/>
-            <a:ext cx="10233027" cy="5078313"/>
-          </a:xfrm>
-          <a:prstGeom prst="rect">
-            <a:avLst/>
-          </a:prstGeom>
-          <a:noFill/>
-        </p:spPr>
-        <p:txBody>
-          <a:bodyPr wrap="square" rtlCol="0">
-            <a:spAutoFit/>
-          </a:bodyPr>
-          <a:lstStyle/>
-          <a:p>
-            <a:r>
-              <a:rPr lang="en-US" altLang="zh-CN" dirty="0">
-                <a:latin typeface="Calibri" panose="020F0502020204030204" pitchFamily="34" charset="0"/>
-                <a:ea typeface="微软雅黑" panose="020B0503020204020204" pitchFamily="34" charset="-122"/>
-                <a:cs typeface="Calibri" panose="020F0502020204030204" pitchFamily="34" charset="0"/>
-              </a:rPr>
-              <a:t>    &lt;div class="</a:t>
-            </a:r>
-            <a:r>
-              <a:rPr lang="en-US" altLang="zh-CN" dirty="0" err="1">
-                <a:latin typeface="Calibri" panose="020F0502020204030204" pitchFamily="34" charset="0"/>
-                <a:ea typeface="微软雅黑" panose="020B0503020204020204" pitchFamily="34" charset="-122"/>
-                <a:cs typeface="Calibri" panose="020F0502020204030204" pitchFamily="34" charset="0"/>
-              </a:rPr>
-              <a:t>weui</a:t>
-            </a:r>
-            <a:r>
-              <a:rPr lang="en-US" altLang="zh-CN" dirty="0">
-                <a:latin typeface="Calibri" panose="020F0502020204030204" pitchFamily="34" charset="0"/>
-                <a:ea typeface="微软雅黑" panose="020B0503020204020204" pitchFamily="34" charset="-122"/>
-                <a:cs typeface="Calibri" panose="020F0502020204030204" pitchFamily="34" charset="0"/>
-              </a:rPr>
-              <a:t>-panel </a:t>
-            </a:r>
-            <a:r>
-              <a:rPr lang="en-US" altLang="zh-CN" dirty="0" err="1">
-                <a:latin typeface="Calibri" panose="020F0502020204030204" pitchFamily="34" charset="0"/>
-                <a:ea typeface="微软雅黑" panose="020B0503020204020204" pitchFamily="34" charset="-122"/>
-                <a:cs typeface="Calibri" panose="020F0502020204030204" pitchFamily="34" charset="0"/>
-              </a:rPr>
-              <a:t>weui-panel_access</a:t>
-            </a:r>
-            <a:r>
-              <a:rPr lang="en-US" altLang="zh-CN" dirty="0">
-                <a:latin typeface="Calibri" panose="020F0502020204030204" pitchFamily="34" charset="0"/>
-                <a:ea typeface="微软雅黑" panose="020B0503020204020204" pitchFamily="34" charset="-122"/>
-                <a:cs typeface="Calibri" panose="020F0502020204030204" pitchFamily="34" charset="0"/>
-              </a:rPr>
-              <a:t>"&gt;</a:t>
-            </a:r>
-          </a:p>
-          <a:p>
-            <a:r>
-              <a:rPr lang="en-US" altLang="zh-CN" dirty="0">
-                <a:latin typeface="Calibri" panose="020F0502020204030204" pitchFamily="34" charset="0"/>
-                <a:ea typeface="微软雅黑" panose="020B0503020204020204" pitchFamily="34" charset="-122"/>
-                <a:cs typeface="Calibri" panose="020F0502020204030204" pitchFamily="34" charset="0"/>
-              </a:rPr>
-              <a:t>        &lt;div class="</a:t>
-            </a:r>
-            <a:r>
-              <a:rPr lang="en-US" altLang="zh-CN" dirty="0" err="1">
-                <a:latin typeface="Calibri" panose="020F0502020204030204" pitchFamily="34" charset="0"/>
-                <a:ea typeface="微软雅黑" panose="020B0503020204020204" pitchFamily="34" charset="-122"/>
-                <a:cs typeface="Calibri" panose="020F0502020204030204" pitchFamily="34" charset="0"/>
-              </a:rPr>
-              <a:t>weui</a:t>
-            </a:r>
-            <a:r>
-              <a:rPr lang="en-US" altLang="zh-CN" dirty="0">
-                <a:latin typeface="Calibri" panose="020F0502020204030204" pitchFamily="34" charset="0"/>
-                <a:ea typeface="微软雅黑" panose="020B0503020204020204" pitchFamily="34" charset="-122"/>
-                <a:cs typeface="Calibri" panose="020F0502020204030204" pitchFamily="34" charset="0"/>
-              </a:rPr>
-              <a:t>-panel__</a:t>
-            </a:r>
-            <a:r>
-              <a:rPr lang="en-US" altLang="zh-CN" dirty="0" err="1">
-                <a:latin typeface="Calibri" panose="020F0502020204030204" pitchFamily="34" charset="0"/>
-                <a:ea typeface="微软雅黑" panose="020B0503020204020204" pitchFamily="34" charset="-122"/>
-                <a:cs typeface="Calibri" panose="020F0502020204030204" pitchFamily="34" charset="0"/>
-              </a:rPr>
-              <a:t>hd</a:t>
-            </a:r>
-            <a:r>
-              <a:rPr lang="en-US" altLang="zh-CN" dirty="0">
-                <a:latin typeface="Calibri" panose="020F0502020204030204" pitchFamily="34" charset="0"/>
-                <a:ea typeface="微软雅黑" panose="020B0503020204020204" pitchFamily="34" charset="-122"/>
-                <a:cs typeface="Calibri" panose="020F0502020204030204" pitchFamily="34" charset="0"/>
-              </a:rPr>
-              <a:t>"&gt;</a:t>
-            </a:r>
-            <a:r>
-              <a:rPr lang="zh-CN" altLang="en-US" dirty="0">
-                <a:latin typeface="Calibri" panose="020F0502020204030204" pitchFamily="34" charset="0"/>
-                <a:ea typeface="微软雅黑" panose="020B0503020204020204" pitchFamily="34" charset="-122"/>
-                <a:cs typeface="Calibri" panose="020F0502020204030204" pitchFamily="34" charset="0"/>
-              </a:rPr>
-              <a:t>图文组合列表</a:t>
-            </a:r>
-            <a:r>
-              <a:rPr lang="en-US" altLang="zh-CN" dirty="0">
-                <a:latin typeface="Calibri" panose="020F0502020204030204" pitchFamily="34" charset="0"/>
-                <a:ea typeface="微软雅黑" panose="020B0503020204020204" pitchFamily="34" charset="-122"/>
-                <a:cs typeface="Calibri" panose="020F0502020204030204" pitchFamily="34" charset="0"/>
-              </a:rPr>
-              <a:t>&lt;/div&gt;</a:t>
-            </a:r>
-          </a:p>
-          <a:p>
-            <a:r>
-              <a:rPr lang="en-US" altLang="zh-CN" dirty="0">
-                <a:latin typeface="Calibri" panose="020F0502020204030204" pitchFamily="34" charset="0"/>
-                <a:ea typeface="微软雅黑" panose="020B0503020204020204" pitchFamily="34" charset="-122"/>
-                <a:cs typeface="Calibri" panose="020F0502020204030204" pitchFamily="34" charset="0"/>
-              </a:rPr>
-              <a:t>        &lt;div class="</a:t>
-            </a:r>
-            <a:r>
-              <a:rPr lang="en-US" altLang="zh-CN" dirty="0" err="1">
-                <a:latin typeface="Calibri" panose="020F0502020204030204" pitchFamily="34" charset="0"/>
-                <a:ea typeface="微软雅黑" panose="020B0503020204020204" pitchFamily="34" charset="-122"/>
-                <a:cs typeface="Calibri" panose="020F0502020204030204" pitchFamily="34" charset="0"/>
-              </a:rPr>
-              <a:t>weui</a:t>
-            </a:r>
-            <a:r>
-              <a:rPr lang="en-US" altLang="zh-CN" dirty="0">
-                <a:latin typeface="Calibri" panose="020F0502020204030204" pitchFamily="34" charset="0"/>
-                <a:ea typeface="微软雅黑" panose="020B0503020204020204" pitchFamily="34" charset="-122"/>
-                <a:cs typeface="Calibri" panose="020F0502020204030204" pitchFamily="34" charset="0"/>
-              </a:rPr>
-              <a:t>-panel__</a:t>
-            </a:r>
-            <a:r>
-              <a:rPr lang="en-US" altLang="zh-CN" dirty="0" err="1">
-                <a:latin typeface="Calibri" panose="020F0502020204030204" pitchFamily="34" charset="0"/>
-                <a:ea typeface="微软雅黑" panose="020B0503020204020204" pitchFamily="34" charset="-122"/>
-                <a:cs typeface="Calibri" panose="020F0502020204030204" pitchFamily="34" charset="0"/>
-              </a:rPr>
-              <a:t>bd</a:t>
-            </a:r>
-            <a:r>
-              <a:rPr lang="en-US" altLang="zh-CN" dirty="0">
-                <a:latin typeface="Calibri" panose="020F0502020204030204" pitchFamily="34" charset="0"/>
-                <a:ea typeface="微软雅黑" panose="020B0503020204020204" pitchFamily="34" charset="-122"/>
-                <a:cs typeface="Calibri" panose="020F0502020204030204" pitchFamily="34" charset="0"/>
-              </a:rPr>
-              <a:t>"&gt;</a:t>
-            </a:r>
-          </a:p>
-          <a:p>
-            <a:r>
-              <a:rPr lang="en-US" altLang="zh-CN" dirty="0">
-                <a:latin typeface="Calibri" panose="020F0502020204030204" pitchFamily="34" charset="0"/>
-                <a:ea typeface="微软雅黑" panose="020B0503020204020204" pitchFamily="34" charset="-122"/>
-                <a:cs typeface="Calibri" panose="020F0502020204030204" pitchFamily="34" charset="0"/>
-              </a:rPr>
-              <a:t>          &lt;a </a:t>
-            </a:r>
-            <a:r>
-              <a:rPr lang="en-US" altLang="zh-CN" dirty="0" err="1">
-                <a:latin typeface="Calibri" panose="020F0502020204030204" pitchFamily="34" charset="0"/>
-                <a:ea typeface="微软雅黑" panose="020B0503020204020204" pitchFamily="34" charset="-122"/>
-                <a:cs typeface="Calibri" panose="020F0502020204030204" pitchFamily="34" charset="0"/>
-              </a:rPr>
-              <a:t>href</a:t>
-            </a:r>
-            <a:r>
-              <a:rPr lang="en-US" altLang="zh-CN" dirty="0">
-                <a:latin typeface="Calibri" panose="020F0502020204030204" pitchFamily="34" charset="0"/>
-                <a:ea typeface="微软雅黑" panose="020B0503020204020204" pitchFamily="34" charset="-122"/>
-                <a:cs typeface="Calibri" panose="020F0502020204030204" pitchFamily="34" charset="0"/>
-              </a:rPr>
-              <a:t>="</a:t>
-            </a:r>
-            <a:r>
-              <a:rPr lang="en-US" altLang="zh-CN" dirty="0" err="1">
-                <a:latin typeface="Calibri" panose="020F0502020204030204" pitchFamily="34" charset="0"/>
-                <a:ea typeface="微软雅黑" panose="020B0503020204020204" pitchFamily="34" charset="-122"/>
-                <a:cs typeface="Calibri" panose="020F0502020204030204" pitchFamily="34" charset="0"/>
-              </a:rPr>
-              <a:t>javascript:void</a:t>
-            </a:r>
-            <a:r>
-              <a:rPr lang="en-US" altLang="zh-CN" dirty="0">
-                <a:latin typeface="Calibri" panose="020F0502020204030204" pitchFamily="34" charset="0"/>
-                <a:ea typeface="微软雅黑" panose="020B0503020204020204" pitchFamily="34" charset="-122"/>
-                <a:cs typeface="Calibri" panose="020F0502020204030204" pitchFamily="34" charset="0"/>
-              </a:rPr>
-              <a:t>(0);" class="</a:t>
-            </a:r>
-            <a:r>
-              <a:rPr lang="en-US" altLang="zh-CN" dirty="0" err="1">
-                <a:latin typeface="Calibri" panose="020F0502020204030204" pitchFamily="34" charset="0"/>
-                <a:ea typeface="微软雅黑" panose="020B0503020204020204" pitchFamily="34" charset="-122"/>
-                <a:cs typeface="Calibri" panose="020F0502020204030204" pitchFamily="34" charset="0"/>
-              </a:rPr>
-              <a:t>weui</a:t>
-            </a:r>
-            <a:r>
-              <a:rPr lang="en-US" altLang="zh-CN" dirty="0">
-                <a:latin typeface="Calibri" panose="020F0502020204030204" pitchFamily="34" charset="0"/>
-                <a:ea typeface="微软雅黑" panose="020B0503020204020204" pitchFamily="34" charset="-122"/>
-                <a:cs typeface="Calibri" panose="020F0502020204030204" pitchFamily="34" charset="0"/>
-              </a:rPr>
-              <a:t>-media-box </a:t>
-            </a:r>
-            <a:r>
-              <a:rPr lang="en-US" altLang="zh-CN" dirty="0" err="1">
-                <a:latin typeface="Calibri" panose="020F0502020204030204" pitchFamily="34" charset="0"/>
-                <a:ea typeface="微软雅黑" panose="020B0503020204020204" pitchFamily="34" charset="-122"/>
-                <a:cs typeface="Calibri" panose="020F0502020204030204" pitchFamily="34" charset="0"/>
-              </a:rPr>
-              <a:t>weui</a:t>
-            </a:r>
-            <a:r>
-              <a:rPr lang="en-US" altLang="zh-CN" dirty="0">
-                <a:latin typeface="Calibri" panose="020F0502020204030204" pitchFamily="34" charset="0"/>
-                <a:ea typeface="微软雅黑" panose="020B0503020204020204" pitchFamily="34" charset="-122"/>
-                <a:cs typeface="Calibri" panose="020F0502020204030204" pitchFamily="34" charset="0"/>
-              </a:rPr>
-              <a:t>-media-</a:t>
-            </a:r>
-            <a:r>
-              <a:rPr lang="en-US" altLang="zh-CN" dirty="0" err="1">
-                <a:latin typeface="Calibri" panose="020F0502020204030204" pitchFamily="34" charset="0"/>
-                <a:ea typeface="微软雅黑" panose="020B0503020204020204" pitchFamily="34" charset="-122"/>
-                <a:cs typeface="Calibri" panose="020F0502020204030204" pitchFamily="34" charset="0"/>
-              </a:rPr>
-              <a:t>box_appmsg</a:t>
-            </a:r>
-            <a:r>
-              <a:rPr lang="en-US" altLang="zh-CN" dirty="0">
-                <a:latin typeface="Calibri" panose="020F0502020204030204" pitchFamily="34" charset="0"/>
-                <a:ea typeface="微软雅黑" panose="020B0503020204020204" pitchFamily="34" charset="-122"/>
-                <a:cs typeface="Calibri" panose="020F0502020204030204" pitchFamily="34" charset="0"/>
-              </a:rPr>
-              <a:t>"&gt;</a:t>
-            </a:r>
-          </a:p>
-          <a:p>
-            <a:r>
-              <a:rPr lang="en-US" altLang="zh-CN" dirty="0">
-                <a:latin typeface="Calibri" panose="020F0502020204030204" pitchFamily="34" charset="0"/>
-                <a:ea typeface="微软雅黑" panose="020B0503020204020204" pitchFamily="34" charset="-122"/>
-                <a:cs typeface="Calibri" panose="020F0502020204030204" pitchFamily="34" charset="0"/>
-              </a:rPr>
-              <a:t>            &lt;div class="</a:t>
-            </a:r>
-            <a:r>
-              <a:rPr lang="en-US" altLang="zh-CN" dirty="0" err="1">
-                <a:latin typeface="Calibri" panose="020F0502020204030204" pitchFamily="34" charset="0"/>
-                <a:ea typeface="微软雅黑" panose="020B0503020204020204" pitchFamily="34" charset="-122"/>
-                <a:cs typeface="Calibri" panose="020F0502020204030204" pitchFamily="34" charset="0"/>
-              </a:rPr>
-              <a:t>weui</a:t>
-            </a:r>
-            <a:r>
-              <a:rPr lang="en-US" altLang="zh-CN" dirty="0">
-                <a:latin typeface="Calibri" panose="020F0502020204030204" pitchFamily="34" charset="0"/>
-                <a:ea typeface="微软雅黑" panose="020B0503020204020204" pitchFamily="34" charset="-122"/>
-                <a:cs typeface="Calibri" panose="020F0502020204030204" pitchFamily="34" charset="0"/>
-              </a:rPr>
-              <a:t>-media-box__</a:t>
-            </a:r>
-            <a:r>
-              <a:rPr lang="en-US" altLang="zh-CN" dirty="0" err="1">
-                <a:latin typeface="Calibri" panose="020F0502020204030204" pitchFamily="34" charset="0"/>
-                <a:ea typeface="微软雅黑" panose="020B0503020204020204" pitchFamily="34" charset="-122"/>
-                <a:cs typeface="Calibri" panose="020F0502020204030204" pitchFamily="34" charset="0"/>
-              </a:rPr>
-              <a:t>hd</a:t>
-            </a:r>
-            <a:r>
-              <a:rPr lang="en-US" altLang="zh-CN" dirty="0">
-                <a:latin typeface="Calibri" panose="020F0502020204030204" pitchFamily="34" charset="0"/>
-                <a:ea typeface="微软雅黑" panose="020B0503020204020204" pitchFamily="34" charset="-122"/>
-                <a:cs typeface="Calibri" panose="020F0502020204030204" pitchFamily="34" charset="0"/>
-              </a:rPr>
-              <a:t>"&gt;</a:t>
-            </a:r>
-          </a:p>
-          <a:p>
-            <a:r>
-              <a:rPr lang="en-US" altLang="zh-CN" dirty="0">
-                <a:latin typeface="Calibri" panose="020F0502020204030204" pitchFamily="34" charset="0"/>
-                <a:ea typeface="微软雅黑" panose="020B0503020204020204" pitchFamily="34" charset="-122"/>
-                <a:cs typeface="Calibri" panose="020F0502020204030204" pitchFamily="34" charset="0"/>
-              </a:rPr>
-              <a:t>                &lt;</a:t>
-            </a:r>
-            <a:r>
-              <a:rPr lang="en-US" altLang="zh-CN" dirty="0" err="1">
-                <a:latin typeface="Calibri" panose="020F0502020204030204" pitchFamily="34" charset="0"/>
-                <a:ea typeface="微软雅黑" panose="020B0503020204020204" pitchFamily="34" charset="-122"/>
-                <a:cs typeface="Calibri" panose="020F0502020204030204" pitchFamily="34" charset="0"/>
-              </a:rPr>
-              <a:t>img</a:t>
-            </a:r>
-            <a:r>
-              <a:rPr lang="en-US" altLang="zh-CN" dirty="0">
-                <a:latin typeface="Calibri" panose="020F0502020204030204" pitchFamily="34" charset="0"/>
-                <a:ea typeface="微软雅黑" panose="020B0503020204020204" pitchFamily="34" charset="-122"/>
-                <a:cs typeface="Calibri" panose="020F0502020204030204" pitchFamily="34" charset="0"/>
-              </a:rPr>
-              <a:t> class="</a:t>
-            </a:r>
-            <a:r>
-              <a:rPr lang="en-US" altLang="zh-CN" dirty="0" err="1">
-                <a:latin typeface="Calibri" panose="020F0502020204030204" pitchFamily="34" charset="0"/>
-                <a:ea typeface="微软雅黑" panose="020B0503020204020204" pitchFamily="34" charset="-122"/>
-                <a:cs typeface="Calibri" panose="020F0502020204030204" pitchFamily="34" charset="0"/>
-              </a:rPr>
-              <a:t>weui</a:t>
-            </a:r>
-            <a:r>
-              <a:rPr lang="en-US" altLang="zh-CN" dirty="0">
-                <a:latin typeface="Calibri" panose="020F0502020204030204" pitchFamily="34" charset="0"/>
-                <a:ea typeface="微软雅黑" panose="020B0503020204020204" pitchFamily="34" charset="-122"/>
-                <a:cs typeface="Calibri" panose="020F0502020204030204" pitchFamily="34" charset="0"/>
-              </a:rPr>
-              <a:t>-media-</a:t>
-            </a:r>
-            <a:r>
-              <a:rPr lang="en-US" altLang="zh-CN" dirty="0" err="1">
-                <a:latin typeface="Calibri" panose="020F0502020204030204" pitchFamily="34" charset="0"/>
-                <a:ea typeface="微软雅黑" panose="020B0503020204020204" pitchFamily="34" charset="-122"/>
-                <a:cs typeface="Calibri" panose="020F0502020204030204" pitchFamily="34" charset="0"/>
-              </a:rPr>
-              <a:t>box__thumb</a:t>
-            </a:r>
-            <a:r>
-              <a:rPr lang="en-US" altLang="zh-CN" dirty="0">
-                <a:latin typeface="Calibri" panose="020F0502020204030204" pitchFamily="34" charset="0"/>
-                <a:ea typeface="微软雅黑" panose="020B0503020204020204" pitchFamily="34" charset="-122"/>
-                <a:cs typeface="Calibri" panose="020F0502020204030204" pitchFamily="34" charset="0"/>
-              </a:rPr>
-              <a:t>" </a:t>
-            </a:r>
-            <a:r>
-              <a:rPr lang="en-US" altLang="zh-CN" dirty="0" err="1">
-                <a:latin typeface="Calibri" panose="020F0502020204030204" pitchFamily="34" charset="0"/>
-                <a:ea typeface="微软雅黑" panose="020B0503020204020204" pitchFamily="34" charset="-122"/>
-                <a:cs typeface="Calibri" panose="020F0502020204030204" pitchFamily="34" charset="0"/>
-              </a:rPr>
-              <a:t>src</a:t>
-            </a:r>
-            <a:r>
-              <a:rPr lang="en-US" altLang="zh-CN" dirty="0">
-                <a:latin typeface="Calibri" panose="020F0502020204030204" pitchFamily="34" charset="0"/>
-                <a:ea typeface="微软雅黑" panose="020B0503020204020204" pitchFamily="34" charset="-122"/>
-                <a:cs typeface="Calibri" panose="020F0502020204030204" pitchFamily="34" charset="0"/>
-              </a:rPr>
-              <a:t>="./images/panel.jpg" alt=""&gt;&lt;/div&gt;</a:t>
-            </a:r>
-          </a:p>
-          <a:p>
-            <a:r>
-              <a:rPr lang="en-US" altLang="zh-CN" dirty="0">
-                <a:latin typeface="Calibri" panose="020F0502020204030204" pitchFamily="34" charset="0"/>
-                <a:ea typeface="微软雅黑" panose="020B0503020204020204" pitchFamily="34" charset="-122"/>
-                <a:cs typeface="Calibri" panose="020F0502020204030204" pitchFamily="34" charset="0"/>
-              </a:rPr>
-              <a:t>            &lt;div class="</a:t>
-            </a:r>
-            <a:r>
-              <a:rPr lang="en-US" altLang="zh-CN" dirty="0" err="1">
-                <a:latin typeface="Calibri" panose="020F0502020204030204" pitchFamily="34" charset="0"/>
-                <a:ea typeface="微软雅黑" panose="020B0503020204020204" pitchFamily="34" charset="-122"/>
-                <a:cs typeface="Calibri" panose="020F0502020204030204" pitchFamily="34" charset="0"/>
-              </a:rPr>
-              <a:t>weui</a:t>
-            </a:r>
-            <a:r>
-              <a:rPr lang="en-US" altLang="zh-CN" dirty="0">
-                <a:latin typeface="Calibri" panose="020F0502020204030204" pitchFamily="34" charset="0"/>
-                <a:ea typeface="微软雅黑" panose="020B0503020204020204" pitchFamily="34" charset="-122"/>
-                <a:cs typeface="Calibri" panose="020F0502020204030204" pitchFamily="34" charset="0"/>
-              </a:rPr>
-              <a:t>-media-box__</a:t>
-            </a:r>
-            <a:r>
-              <a:rPr lang="en-US" altLang="zh-CN" dirty="0" err="1">
-                <a:latin typeface="Calibri" panose="020F0502020204030204" pitchFamily="34" charset="0"/>
-                <a:ea typeface="微软雅黑" panose="020B0503020204020204" pitchFamily="34" charset="-122"/>
-                <a:cs typeface="Calibri" panose="020F0502020204030204" pitchFamily="34" charset="0"/>
-              </a:rPr>
-              <a:t>bd</a:t>
-            </a:r>
-            <a:r>
-              <a:rPr lang="en-US" altLang="zh-CN" dirty="0">
-                <a:latin typeface="Calibri" panose="020F0502020204030204" pitchFamily="34" charset="0"/>
-                <a:ea typeface="微软雅黑" panose="020B0503020204020204" pitchFamily="34" charset="-122"/>
-                <a:cs typeface="Calibri" panose="020F0502020204030204" pitchFamily="34" charset="0"/>
-              </a:rPr>
-              <a:t>"&gt;</a:t>
-            </a:r>
-          </a:p>
-          <a:p>
-            <a:r>
-              <a:rPr lang="en-US" altLang="zh-CN" dirty="0">
-                <a:latin typeface="Calibri" panose="020F0502020204030204" pitchFamily="34" charset="0"/>
-                <a:ea typeface="微软雅黑" panose="020B0503020204020204" pitchFamily="34" charset="-122"/>
-                <a:cs typeface="Calibri" panose="020F0502020204030204" pitchFamily="34" charset="0"/>
-              </a:rPr>
-              <a:t>              &lt;h4 class="</a:t>
-            </a:r>
-            <a:r>
-              <a:rPr lang="en-US" altLang="zh-CN" dirty="0" err="1">
-                <a:latin typeface="Calibri" panose="020F0502020204030204" pitchFamily="34" charset="0"/>
-                <a:ea typeface="微软雅黑" panose="020B0503020204020204" pitchFamily="34" charset="-122"/>
-                <a:cs typeface="Calibri" panose="020F0502020204030204" pitchFamily="34" charset="0"/>
-              </a:rPr>
-              <a:t>weui</a:t>
-            </a:r>
-            <a:r>
-              <a:rPr lang="en-US" altLang="zh-CN" dirty="0">
-                <a:latin typeface="Calibri" panose="020F0502020204030204" pitchFamily="34" charset="0"/>
-                <a:ea typeface="微软雅黑" panose="020B0503020204020204" pitchFamily="34" charset="-122"/>
-                <a:cs typeface="Calibri" panose="020F0502020204030204" pitchFamily="34" charset="0"/>
-              </a:rPr>
-              <a:t>-media-</a:t>
-            </a:r>
-            <a:r>
-              <a:rPr lang="en-US" altLang="zh-CN" dirty="0" err="1">
-                <a:latin typeface="Calibri" panose="020F0502020204030204" pitchFamily="34" charset="0"/>
-                <a:ea typeface="微软雅黑" panose="020B0503020204020204" pitchFamily="34" charset="-122"/>
-                <a:cs typeface="Calibri" panose="020F0502020204030204" pitchFamily="34" charset="0"/>
-              </a:rPr>
-              <a:t>box__title</a:t>
-            </a:r>
-            <a:r>
-              <a:rPr lang="en-US" altLang="zh-CN" dirty="0">
-                <a:latin typeface="Calibri" panose="020F0502020204030204" pitchFamily="34" charset="0"/>
-                <a:ea typeface="微软雅黑" panose="020B0503020204020204" pitchFamily="34" charset="-122"/>
-                <a:cs typeface="Calibri" panose="020F0502020204030204" pitchFamily="34" charset="0"/>
-              </a:rPr>
-              <a:t>"&gt;</a:t>
-            </a:r>
-            <a:r>
-              <a:rPr lang="zh-CN" altLang="en-US" dirty="0">
-                <a:latin typeface="Calibri" panose="020F0502020204030204" pitchFamily="34" charset="0"/>
-                <a:ea typeface="微软雅黑" panose="020B0503020204020204" pitchFamily="34" charset="-122"/>
-                <a:cs typeface="Calibri" panose="020F0502020204030204" pitchFamily="34" charset="0"/>
-              </a:rPr>
-              <a:t>标题一</a:t>
-            </a:r>
-            <a:r>
-              <a:rPr lang="en-US" altLang="zh-CN" dirty="0">
-                <a:latin typeface="Calibri" panose="020F0502020204030204" pitchFamily="34" charset="0"/>
-                <a:ea typeface="微软雅黑" panose="020B0503020204020204" pitchFamily="34" charset="-122"/>
-                <a:cs typeface="Calibri" panose="020F0502020204030204" pitchFamily="34" charset="0"/>
-              </a:rPr>
-              <a:t>&lt;/h4&gt;</a:t>
-            </a:r>
-          </a:p>
-          <a:p>
-            <a:r>
-              <a:rPr lang="en-US" altLang="zh-CN" dirty="0">
-                <a:latin typeface="Calibri" panose="020F0502020204030204" pitchFamily="34" charset="0"/>
-                <a:ea typeface="微软雅黑" panose="020B0503020204020204" pitchFamily="34" charset="-122"/>
-                <a:cs typeface="Calibri" panose="020F0502020204030204" pitchFamily="34" charset="0"/>
-              </a:rPr>
-              <a:t>              &lt;p class="</a:t>
-            </a:r>
-            <a:r>
-              <a:rPr lang="en-US" altLang="zh-CN" dirty="0" err="1">
-                <a:latin typeface="Calibri" panose="020F0502020204030204" pitchFamily="34" charset="0"/>
-                <a:ea typeface="微软雅黑" panose="020B0503020204020204" pitchFamily="34" charset="-122"/>
-                <a:cs typeface="Calibri" panose="020F0502020204030204" pitchFamily="34" charset="0"/>
-              </a:rPr>
-              <a:t>weui</a:t>
-            </a:r>
-            <a:r>
-              <a:rPr lang="en-US" altLang="zh-CN" dirty="0">
-                <a:latin typeface="Calibri" panose="020F0502020204030204" pitchFamily="34" charset="0"/>
-                <a:ea typeface="微软雅黑" panose="020B0503020204020204" pitchFamily="34" charset="-122"/>
-                <a:cs typeface="Calibri" panose="020F0502020204030204" pitchFamily="34" charset="0"/>
-              </a:rPr>
-              <a:t>-media-box__</a:t>
-            </a:r>
-            <a:r>
-              <a:rPr lang="en-US" altLang="zh-CN" dirty="0" err="1">
-                <a:latin typeface="Calibri" panose="020F0502020204030204" pitchFamily="34" charset="0"/>
-                <a:ea typeface="微软雅黑" panose="020B0503020204020204" pitchFamily="34" charset="-122"/>
-                <a:cs typeface="Calibri" panose="020F0502020204030204" pitchFamily="34" charset="0"/>
-              </a:rPr>
-              <a:t>desc</a:t>
-            </a:r>
-            <a:r>
-              <a:rPr lang="en-US" altLang="zh-CN" dirty="0">
-                <a:latin typeface="Calibri" panose="020F0502020204030204" pitchFamily="34" charset="0"/>
-                <a:ea typeface="微软雅黑" panose="020B0503020204020204" pitchFamily="34" charset="-122"/>
-                <a:cs typeface="Calibri" panose="020F0502020204030204" pitchFamily="34" charset="0"/>
-              </a:rPr>
-              <a:t>"&gt;</a:t>
-            </a:r>
-          </a:p>
-          <a:p>
-            <a:r>
-              <a:rPr lang="en-US" altLang="zh-CN" dirty="0">
-                <a:latin typeface="Calibri" panose="020F0502020204030204" pitchFamily="34" charset="0"/>
-                <a:ea typeface="微软雅黑" panose="020B0503020204020204" pitchFamily="34" charset="-122"/>
-                <a:cs typeface="Calibri" panose="020F0502020204030204" pitchFamily="34" charset="0"/>
-              </a:rPr>
-              <a:t>               </a:t>
-            </a:r>
-            <a:r>
-              <a:rPr lang="zh-CN" altLang="en-US" dirty="0">
-                <a:latin typeface="Calibri" panose="020F0502020204030204" pitchFamily="34" charset="0"/>
-                <a:ea typeface="微软雅黑" panose="020B0503020204020204" pitchFamily="34" charset="-122"/>
-                <a:cs typeface="Calibri" panose="020F0502020204030204" pitchFamily="34" charset="0"/>
-              </a:rPr>
-              <a:t>由各种物质组成的巨型球状天体，叫做星球。星球有一定的形状，有自己的运行轨道。</a:t>
-            </a:r>
-            <a:r>
-              <a:rPr lang="en-US" altLang="zh-CN" dirty="0">
-                <a:latin typeface="Calibri" panose="020F0502020204030204" pitchFamily="34" charset="0"/>
-                <a:ea typeface="微软雅黑" panose="020B0503020204020204" pitchFamily="34" charset="-122"/>
-                <a:cs typeface="Calibri" panose="020F0502020204030204" pitchFamily="34" charset="0"/>
-              </a:rPr>
-              <a:t>&lt;/p&gt;</a:t>
-            </a:r>
-          </a:p>
-          <a:p>
-            <a:r>
-              <a:rPr lang="en-US" altLang="zh-CN" dirty="0">
-                <a:latin typeface="Calibri" panose="020F0502020204030204" pitchFamily="34" charset="0"/>
-                <a:ea typeface="微软雅黑" panose="020B0503020204020204" pitchFamily="34" charset="-122"/>
-                <a:cs typeface="Calibri" panose="020F0502020204030204" pitchFamily="34" charset="0"/>
-              </a:rPr>
-              <a:t>            &lt;/div&gt;</a:t>
-            </a:r>
-          </a:p>
-          <a:p>
-            <a:r>
-              <a:rPr lang="en-US" altLang="zh-CN" dirty="0">
-                <a:latin typeface="Calibri" panose="020F0502020204030204" pitchFamily="34" charset="0"/>
-                <a:ea typeface="微软雅黑" panose="020B0503020204020204" pitchFamily="34" charset="-122"/>
-                <a:cs typeface="Calibri" panose="020F0502020204030204" pitchFamily="34" charset="0"/>
-              </a:rPr>
-              <a:t>          &lt;/a&gt;</a:t>
-            </a:r>
-          </a:p>
-          <a:p>
-            <a:r>
-              <a:rPr lang="en-US" altLang="zh-CN" dirty="0">
-                <a:latin typeface="Calibri" panose="020F0502020204030204" pitchFamily="34" charset="0"/>
-                <a:ea typeface="微软雅黑" panose="020B0503020204020204" pitchFamily="34" charset="-122"/>
-                <a:cs typeface="Calibri" panose="020F0502020204030204" pitchFamily="34" charset="0"/>
-              </a:rPr>
-              <a:t>        &lt;/div&gt;</a:t>
-            </a:r>
-          </a:p>
-          <a:p>
-            <a:r>
-              <a:rPr lang="en-US" altLang="zh-CN" dirty="0">
-                <a:latin typeface="Calibri" panose="020F0502020204030204" pitchFamily="34" charset="0"/>
-                <a:ea typeface="微软雅黑" panose="020B0503020204020204" pitchFamily="34" charset="-122"/>
-                <a:cs typeface="Calibri" panose="020F0502020204030204" pitchFamily="34" charset="0"/>
-              </a:rPr>
-              <a:t>        &lt;div class="</a:t>
-            </a:r>
-            <a:r>
-              <a:rPr lang="en-US" altLang="zh-CN" dirty="0" err="1">
-                <a:latin typeface="Calibri" panose="020F0502020204030204" pitchFamily="34" charset="0"/>
-                <a:ea typeface="微软雅黑" panose="020B0503020204020204" pitchFamily="34" charset="-122"/>
-                <a:cs typeface="Calibri" panose="020F0502020204030204" pitchFamily="34" charset="0"/>
-              </a:rPr>
-              <a:t>weui</a:t>
-            </a:r>
-            <a:r>
-              <a:rPr lang="en-US" altLang="zh-CN" dirty="0">
-                <a:latin typeface="Calibri" panose="020F0502020204030204" pitchFamily="34" charset="0"/>
-                <a:ea typeface="微软雅黑" panose="020B0503020204020204" pitchFamily="34" charset="-122"/>
-                <a:cs typeface="Calibri" panose="020F0502020204030204" pitchFamily="34" charset="0"/>
-              </a:rPr>
-              <a:t>-panel__</a:t>
-            </a:r>
-            <a:r>
-              <a:rPr lang="en-US" altLang="zh-CN" dirty="0" err="1">
-                <a:latin typeface="Calibri" panose="020F0502020204030204" pitchFamily="34" charset="0"/>
-                <a:ea typeface="微软雅黑" panose="020B0503020204020204" pitchFamily="34" charset="-122"/>
-                <a:cs typeface="Calibri" panose="020F0502020204030204" pitchFamily="34" charset="0"/>
-              </a:rPr>
-              <a:t>ft</a:t>
-            </a:r>
-            <a:r>
-              <a:rPr lang="en-US" altLang="zh-CN" dirty="0">
-                <a:latin typeface="Calibri" panose="020F0502020204030204" pitchFamily="34" charset="0"/>
-                <a:ea typeface="微软雅黑" panose="020B0503020204020204" pitchFamily="34" charset="-122"/>
-                <a:cs typeface="Calibri" panose="020F0502020204030204" pitchFamily="34" charset="0"/>
-              </a:rPr>
-              <a:t>"&gt;</a:t>
-            </a:r>
-          </a:p>
-          <a:p>
-            <a:r>
-              <a:rPr lang="en-US" altLang="zh-CN" dirty="0">
-                <a:latin typeface="Calibri" panose="020F0502020204030204" pitchFamily="34" charset="0"/>
-                <a:ea typeface="微软雅黑" panose="020B0503020204020204" pitchFamily="34" charset="-122"/>
-                <a:cs typeface="Calibri" panose="020F0502020204030204" pitchFamily="34" charset="0"/>
-              </a:rPr>
-              <a:t>          &lt;a </a:t>
-            </a:r>
-            <a:r>
-              <a:rPr lang="en-US" altLang="zh-CN" dirty="0" err="1">
-                <a:latin typeface="Calibri" panose="020F0502020204030204" pitchFamily="34" charset="0"/>
-                <a:ea typeface="微软雅黑" panose="020B0503020204020204" pitchFamily="34" charset="-122"/>
-                <a:cs typeface="Calibri" panose="020F0502020204030204" pitchFamily="34" charset="0"/>
-              </a:rPr>
-              <a:t>href</a:t>
-            </a:r>
-            <a:r>
-              <a:rPr lang="en-US" altLang="zh-CN" dirty="0">
-                <a:latin typeface="Calibri" panose="020F0502020204030204" pitchFamily="34" charset="0"/>
-                <a:ea typeface="微软雅黑" panose="020B0503020204020204" pitchFamily="34" charset="-122"/>
-                <a:cs typeface="Calibri" panose="020F0502020204030204" pitchFamily="34" charset="0"/>
-              </a:rPr>
-              <a:t>="</a:t>
-            </a:r>
-            <a:r>
-              <a:rPr lang="en-US" altLang="zh-CN" dirty="0" err="1">
-                <a:latin typeface="Calibri" panose="020F0502020204030204" pitchFamily="34" charset="0"/>
-                <a:ea typeface="微软雅黑" panose="020B0503020204020204" pitchFamily="34" charset="-122"/>
-                <a:cs typeface="Calibri" panose="020F0502020204030204" pitchFamily="34" charset="0"/>
-              </a:rPr>
-              <a:t>javascript:void</a:t>
-            </a:r>
-            <a:r>
-              <a:rPr lang="en-US" altLang="zh-CN" dirty="0">
-                <a:latin typeface="Calibri" panose="020F0502020204030204" pitchFamily="34" charset="0"/>
-                <a:ea typeface="微软雅黑" panose="020B0503020204020204" pitchFamily="34" charset="-122"/>
-                <a:cs typeface="Calibri" panose="020F0502020204030204" pitchFamily="34" charset="0"/>
-              </a:rPr>
-              <a:t>(0);" class="</a:t>
-            </a:r>
-            <a:r>
-              <a:rPr lang="en-US" altLang="zh-CN" dirty="0" err="1">
-                <a:latin typeface="Calibri" panose="020F0502020204030204" pitchFamily="34" charset="0"/>
-                <a:ea typeface="微软雅黑" panose="020B0503020204020204" pitchFamily="34" charset="-122"/>
-                <a:cs typeface="Calibri" panose="020F0502020204030204" pitchFamily="34" charset="0"/>
-              </a:rPr>
-              <a:t>weui</a:t>
-            </a:r>
-            <a:r>
-              <a:rPr lang="en-US" altLang="zh-CN" dirty="0">
-                <a:latin typeface="Calibri" panose="020F0502020204030204" pitchFamily="34" charset="0"/>
-                <a:ea typeface="微软雅黑" panose="020B0503020204020204" pitchFamily="34" charset="-122"/>
-                <a:cs typeface="Calibri" panose="020F0502020204030204" pitchFamily="34" charset="0"/>
-              </a:rPr>
-              <a:t>-cell </a:t>
-            </a:r>
-            <a:r>
-              <a:rPr lang="en-US" altLang="zh-CN" dirty="0" err="1">
-                <a:latin typeface="Calibri" panose="020F0502020204030204" pitchFamily="34" charset="0"/>
-                <a:ea typeface="微软雅黑" panose="020B0503020204020204" pitchFamily="34" charset="-122"/>
-                <a:cs typeface="Calibri" panose="020F0502020204030204" pitchFamily="34" charset="0"/>
-              </a:rPr>
-              <a:t>weui-cell_access</a:t>
-            </a:r>
-            <a:r>
-              <a:rPr lang="en-US" altLang="zh-CN" dirty="0">
-                <a:latin typeface="Calibri" panose="020F0502020204030204" pitchFamily="34" charset="0"/>
-                <a:ea typeface="微软雅黑" panose="020B0503020204020204" pitchFamily="34" charset="-122"/>
-                <a:cs typeface="Calibri" panose="020F0502020204030204" pitchFamily="34" charset="0"/>
-              </a:rPr>
-              <a:t> </a:t>
-            </a:r>
-            <a:r>
-              <a:rPr lang="en-US" altLang="zh-CN" dirty="0" err="1">
-                <a:latin typeface="Calibri" panose="020F0502020204030204" pitchFamily="34" charset="0"/>
-                <a:ea typeface="微软雅黑" panose="020B0503020204020204" pitchFamily="34" charset="-122"/>
-                <a:cs typeface="Calibri" panose="020F0502020204030204" pitchFamily="34" charset="0"/>
-              </a:rPr>
-              <a:t>weui-cell_link</a:t>
-            </a:r>
-            <a:r>
-              <a:rPr lang="en-US" altLang="zh-CN" dirty="0">
-                <a:latin typeface="Calibri" panose="020F0502020204030204" pitchFamily="34" charset="0"/>
-                <a:ea typeface="微软雅黑" panose="020B0503020204020204" pitchFamily="34" charset="-122"/>
-                <a:cs typeface="Calibri" panose="020F0502020204030204" pitchFamily="34" charset="0"/>
-              </a:rPr>
-              <a:t>"&gt;</a:t>
-            </a:r>
-          </a:p>
-          <a:p>
-            <a:r>
-              <a:rPr lang="en-US" altLang="zh-CN" dirty="0">
-                <a:latin typeface="Calibri" panose="020F0502020204030204" pitchFamily="34" charset="0"/>
-                <a:ea typeface="微软雅黑" panose="020B0503020204020204" pitchFamily="34" charset="-122"/>
-                <a:cs typeface="Calibri" panose="020F0502020204030204" pitchFamily="34" charset="0"/>
-              </a:rPr>
-              <a:t>            &lt;div class="</a:t>
-            </a:r>
-            <a:r>
-              <a:rPr lang="en-US" altLang="zh-CN" dirty="0" err="1">
-                <a:latin typeface="Calibri" panose="020F0502020204030204" pitchFamily="34" charset="0"/>
-                <a:ea typeface="微软雅黑" panose="020B0503020204020204" pitchFamily="34" charset="-122"/>
-                <a:cs typeface="Calibri" panose="020F0502020204030204" pitchFamily="34" charset="0"/>
-              </a:rPr>
-              <a:t>weui</a:t>
-            </a:r>
-            <a:r>
-              <a:rPr lang="en-US" altLang="zh-CN" dirty="0">
-                <a:latin typeface="Calibri" panose="020F0502020204030204" pitchFamily="34" charset="0"/>
-                <a:ea typeface="微软雅黑" panose="020B0503020204020204" pitchFamily="34" charset="-122"/>
-                <a:cs typeface="Calibri" panose="020F0502020204030204" pitchFamily="34" charset="0"/>
-              </a:rPr>
-              <a:t>-cell__</a:t>
-            </a:r>
-            <a:r>
-              <a:rPr lang="en-US" altLang="zh-CN" dirty="0" err="1">
-                <a:latin typeface="Calibri" panose="020F0502020204030204" pitchFamily="34" charset="0"/>
-                <a:ea typeface="微软雅黑" panose="020B0503020204020204" pitchFamily="34" charset="-122"/>
-                <a:cs typeface="Calibri" panose="020F0502020204030204" pitchFamily="34" charset="0"/>
-              </a:rPr>
-              <a:t>bd</a:t>
-            </a:r>
-            <a:r>
-              <a:rPr lang="en-US" altLang="zh-CN" dirty="0">
-                <a:latin typeface="Calibri" panose="020F0502020204030204" pitchFamily="34" charset="0"/>
-                <a:ea typeface="微软雅黑" panose="020B0503020204020204" pitchFamily="34" charset="-122"/>
-                <a:cs typeface="Calibri" panose="020F0502020204030204" pitchFamily="34" charset="0"/>
-              </a:rPr>
-              <a:t>"&gt;</a:t>
-            </a:r>
-            <a:r>
-              <a:rPr lang="zh-CN" altLang="en-US" dirty="0">
-                <a:latin typeface="Calibri" panose="020F0502020204030204" pitchFamily="34" charset="0"/>
-                <a:ea typeface="微软雅黑" panose="020B0503020204020204" pitchFamily="34" charset="-122"/>
-                <a:cs typeface="Calibri" panose="020F0502020204030204" pitchFamily="34" charset="0"/>
-              </a:rPr>
-              <a:t>查看更多</a:t>
-            </a:r>
-            <a:r>
-              <a:rPr lang="en-US" altLang="zh-CN" dirty="0">
-                <a:latin typeface="Calibri" panose="020F0502020204030204" pitchFamily="34" charset="0"/>
-                <a:ea typeface="微软雅黑" panose="020B0503020204020204" pitchFamily="34" charset="-122"/>
-                <a:cs typeface="Calibri" panose="020F0502020204030204" pitchFamily="34" charset="0"/>
-              </a:rPr>
-              <a:t>&lt;/div&gt;&lt;span class="</a:t>
-            </a:r>
-            <a:r>
-              <a:rPr lang="en-US" altLang="zh-CN" dirty="0" err="1">
-                <a:latin typeface="Calibri" panose="020F0502020204030204" pitchFamily="34" charset="0"/>
-                <a:ea typeface="微软雅黑" panose="020B0503020204020204" pitchFamily="34" charset="-122"/>
-                <a:cs typeface="Calibri" panose="020F0502020204030204" pitchFamily="34" charset="0"/>
-              </a:rPr>
-              <a:t>weui</a:t>
-            </a:r>
-            <a:r>
-              <a:rPr lang="en-US" altLang="zh-CN" dirty="0">
-                <a:latin typeface="Calibri" panose="020F0502020204030204" pitchFamily="34" charset="0"/>
-                <a:ea typeface="微软雅黑" panose="020B0503020204020204" pitchFamily="34" charset="-122"/>
-                <a:cs typeface="Calibri" panose="020F0502020204030204" pitchFamily="34" charset="0"/>
-              </a:rPr>
-              <a:t>-cell__</a:t>
-            </a:r>
-            <a:r>
-              <a:rPr lang="en-US" altLang="zh-CN" dirty="0" err="1">
-                <a:latin typeface="Calibri" panose="020F0502020204030204" pitchFamily="34" charset="0"/>
-                <a:ea typeface="微软雅黑" panose="020B0503020204020204" pitchFamily="34" charset="-122"/>
-                <a:cs typeface="Calibri" panose="020F0502020204030204" pitchFamily="34" charset="0"/>
-              </a:rPr>
-              <a:t>ft</a:t>
-            </a:r>
-            <a:r>
-              <a:rPr lang="en-US" altLang="zh-CN" dirty="0">
-                <a:latin typeface="Calibri" panose="020F0502020204030204" pitchFamily="34" charset="0"/>
-                <a:ea typeface="微软雅黑" panose="020B0503020204020204" pitchFamily="34" charset="-122"/>
-                <a:cs typeface="Calibri" panose="020F0502020204030204" pitchFamily="34" charset="0"/>
-              </a:rPr>
-              <a:t>"&gt;&lt;/span&gt;&lt;/a&gt;    </a:t>
-            </a:r>
-          </a:p>
-          <a:p>
-            <a:r>
-              <a:rPr lang="en-US" altLang="zh-CN" dirty="0">
-                <a:latin typeface="Calibri" panose="020F0502020204030204" pitchFamily="34" charset="0"/>
-                <a:ea typeface="微软雅黑" panose="020B0503020204020204" pitchFamily="34" charset="-122"/>
-                <a:cs typeface="Calibri" panose="020F0502020204030204" pitchFamily="34" charset="0"/>
-              </a:rPr>
-              <a:t>        &lt;/div&gt;</a:t>
-            </a:r>
-          </a:p>
-          <a:p>
-            <a:r>
-              <a:rPr lang="en-US" altLang="zh-CN" dirty="0">
-                <a:latin typeface="Calibri" panose="020F0502020204030204" pitchFamily="34" charset="0"/>
-                <a:ea typeface="微软雅黑" panose="020B0503020204020204" pitchFamily="34" charset="-122"/>
-                <a:cs typeface="Calibri" panose="020F0502020204030204" pitchFamily="34" charset="0"/>
-              </a:rPr>
-              <a:t>      &lt;/div&gt;</a:t>
-            </a:r>
-            <a:endParaRPr lang="zh-CN" altLang="en-US" dirty="0">
-              <a:latin typeface="Calibri" panose="020F0502020204030204" pitchFamily="34" charset="0"/>
-              <a:ea typeface="微软雅黑" panose="020B0503020204020204" pitchFamily="34" charset="-122"/>
-              <a:cs typeface="Calibri" panose="020F0502020204030204" pitchFamily="34" charset="0"/>
-            </a:endParaRPr>
-          </a:p>
-        </p:txBody>
-      </p:sp>
-    </p:spTree>
-    <p:extLst>
-      <p:ext uri="{BB962C8B-B14F-4D97-AF65-F5344CB8AC3E}">
-        <p14:creationId xmlns:p14="http://schemas.microsoft.com/office/powerpoint/2010/main" val="389274775"/>
-      </p:ext>
-    </p:extLst>
-  </p:cSld>
-  <p:clrMapOvr>
-    <a:masterClrMapping/>
-  </p:clrMapOvr>
-</p:sld>
-</file>
-
-<file path=ppt/slides/slide16.xml><?xml version="1.0" encoding="utf-8"?>
-<p:sld xmlns:a="http://schemas.openxmlformats.org/drawingml/2006/main" xmlns:r="http://schemas.openxmlformats.org/officeDocument/2006/relationships" xmlns:p="http://schemas.openxmlformats.org/presentationml/2006/main">
-  <p:cSld>
-    <p:spTree>
-      <p:nvGrpSpPr>
-        <p:cNvPr id="1" name=""/>
-        <p:cNvGrpSpPr/>
-        <p:nvPr/>
-      </p:nvGrpSpPr>
-      <p:grpSpPr>
-        <a:xfrm>
-          <a:off x="0" y="0"/>
-          <a:ext cx="0" cy="0"/>
-          <a:chOff x="0" y="0"/>
-          <a:chExt cx="0" cy="0"/>
-        </a:xfrm>
-      </p:grpSpPr>
-      <p:sp>
-        <p:nvSpPr>
-          <p:cNvPr id="2" name="内容占位符 1"/>
-          <p:cNvSpPr>
-            <a:spLocks noGrp="1"/>
-          </p:cNvSpPr>
-          <p:nvPr>
-            <p:ph sz="quarter" idx="13"/>
-          </p:nvPr>
-        </p:nvSpPr>
-        <p:spPr>
-          <a:xfrm>
             <a:off x="1054100" y="543636"/>
             <a:ext cx="7304088" cy="685800"/>
           </a:xfrm>
@@ -15430,7 +15657,7 @@
 </p:sld>
 </file>
 
-<file path=ppt/slides/slide17.xml><?xml version="1.0" encoding="utf-8"?>
+<file path=ppt/slides/slide16.xml><?xml version="1.0" encoding="utf-8"?>
 <p:sld xmlns:a="http://schemas.openxmlformats.org/drawingml/2006/main" xmlns:r="http://schemas.openxmlformats.org/officeDocument/2006/relationships" xmlns:p="http://schemas.openxmlformats.org/presentationml/2006/main">
   <p:cSld>
     <p:spTree>
@@ -15595,7 +15822,7 @@
 </p:sld>
 </file>
 
-<file path=ppt/slides/slide18.xml><?xml version="1.0" encoding="utf-8"?>
+<file path=ppt/slides/slide17.xml><?xml version="1.0" encoding="utf-8"?>
 <p:sld xmlns:a="http://schemas.openxmlformats.org/drawingml/2006/main" xmlns:r="http://schemas.openxmlformats.org/officeDocument/2006/relationships" xmlns:p="http://schemas.openxmlformats.org/presentationml/2006/main">
   <p:cSld>
     <p:spTree>
@@ -15828,7 +16055,7 @@
 </p:sld>
 </file>
 
-<file path=ppt/slides/slide19.xml><?xml version="1.0" encoding="utf-8"?>
+<file path=ppt/slides/slide18.xml><?xml version="1.0" encoding="utf-8"?>
 <p:sld xmlns:a="http://schemas.openxmlformats.org/drawingml/2006/main" xmlns:r="http://schemas.openxmlformats.org/officeDocument/2006/relationships" xmlns:p="http://schemas.openxmlformats.org/presentationml/2006/main">
   <p:cSld>
     <p:spTree>
@@ -16020,204 +16247,7 @@
 </p:sld>
 </file>
 
-<file path=ppt/slides/slide2.xml><?xml version="1.0" encoding="utf-8"?>
-<p:sld xmlns:a="http://schemas.openxmlformats.org/drawingml/2006/main" xmlns:r="http://schemas.openxmlformats.org/officeDocument/2006/relationships" xmlns:p="http://schemas.openxmlformats.org/presentationml/2006/main">
-  <p:cSld>
-    <p:spTree>
-      <p:nvGrpSpPr>
-        <p:cNvPr id="1" name=""/>
-        <p:cNvGrpSpPr/>
-        <p:nvPr/>
-      </p:nvGrpSpPr>
-      <p:grpSpPr>
-        <a:xfrm>
-          <a:off x="0" y="0"/>
-          <a:ext cx="0" cy="0"/>
-          <a:chOff x="0" y="0"/>
-          <a:chExt cx="0" cy="0"/>
-        </a:xfrm>
-      </p:grpSpPr>
-      <p:sp>
-        <p:nvSpPr>
-          <p:cNvPr id="2" name="内容占位符 1"/>
-          <p:cNvSpPr>
-            <a:spLocks noGrp="1"/>
-          </p:cNvSpPr>
-          <p:nvPr>
-            <p:ph sz="quarter" idx="13"/>
-          </p:nvPr>
-        </p:nvSpPr>
-        <p:spPr/>
-        <p:txBody>
-          <a:bodyPr/>
-          <a:lstStyle/>
-          <a:p>
-            <a:r>
-              <a:rPr lang="zh-CN" altLang="en-US" b="0" dirty="0"/>
-              <a:t>本次课程目录</a:t>
-            </a:r>
-          </a:p>
-        </p:txBody>
-      </p:sp>
-      <p:sp>
-        <p:nvSpPr>
-          <p:cNvPr id="4" name="文本框 3"/>
-          <p:cNvSpPr txBox="1"/>
-          <p:nvPr/>
-        </p:nvSpPr>
-        <p:spPr>
-          <a:xfrm>
-            <a:off x="4058444" y="2343152"/>
-            <a:ext cx="5385594" cy="2308324"/>
-          </a:xfrm>
-          <a:prstGeom prst="rect">
-            <a:avLst/>
-          </a:prstGeom>
-          <a:noFill/>
-        </p:spPr>
-        <p:txBody>
-          <a:bodyPr wrap="square" rtlCol="0">
-            <a:spAutoFit/>
-          </a:bodyPr>
-          <a:lstStyle/>
-          <a:p>
-            <a:pPr marL="514350" indent="-514350">
-              <a:lnSpc>
-                <a:spcPct val="200000"/>
-              </a:lnSpc>
-              <a:buFont typeface="+mj-ea"/>
-              <a:buAutoNum type="ea1JpnChsDbPeriod"/>
-            </a:pPr>
-            <a:r>
-              <a:rPr lang="en-US" altLang="zh-CN" sz="2400" dirty="0" err="1">
-                <a:solidFill>
-                  <a:schemeClr val="tx1">
-                    <a:lumMod val="65000"/>
-                    <a:lumOff val="35000"/>
-                  </a:schemeClr>
-                </a:solidFill>
-                <a:latin typeface="微软雅黑" panose="020B0503020204020204" pitchFamily="34" charset="-122"/>
-                <a:ea typeface="微软雅黑" panose="020B0503020204020204" pitchFamily="34" charset="-122"/>
-              </a:rPr>
-              <a:t>WeUI</a:t>
-            </a:r>
-            <a:r>
-              <a:rPr lang="zh-CN" altLang="en-US" sz="2400" dirty="0">
-                <a:solidFill>
-                  <a:schemeClr val="tx1">
-                    <a:lumMod val="65000"/>
-                    <a:lumOff val="35000"/>
-                  </a:schemeClr>
-                </a:solidFill>
-                <a:latin typeface="微软雅黑" panose="020B0503020204020204" pitchFamily="34" charset="-122"/>
-                <a:ea typeface="微软雅黑" panose="020B0503020204020204" pitchFamily="34" charset="-122"/>
-              </a:rPr>
-              <a:t>介绍与基础</a:t>
-            </a:r>
-            <a:endParaRPr lang="en-US" altLang="zh-CN" sz="2400" dirty="0">
-              <a:solidFill>
-                <a:schemeClr val="tx1">
-                  <a:lumMod val="65000"/>
-                  <a:lumOff val="35000"/>
-                </a:schemeClr>
-              </a:solidFill>
-              <a:latin typeface="微软雅黑" panose="020B0503020204020204" pitchFamily="34" charset="-122"/>
-              <a:ea typeface="微软雅黑" panose="020B0503020204020204" pitchFamily="34" charset="-122"/>
-            </a:endParaRPr>
-          </a:p>
-          <a:p>
-            <a:pPr marL="514350" indent="-514350">
-              <a:lnSpc>
-                <a:spcPct val="200000"/>
-              </a:lnSpc>
-              <a:buFont typeface="+mj-ea"/>
-              <a:buAutoNum type="ea1JpnChsDbPeriod"/>
-            </a:pPr>
-            <a:r>
-              <a:rPr lang="en-US" altLang="zh-CN" sz="2400" dirty="0" err="1">
-                <a:solidFill>
-                  <a:schemeClr val="tx1">
-                    <a:lumMod val="65000"/>
-                    <a:lumOff val="35000"/>
-                  </a:schemeClr>
-                </a:solidFill>
-                <a:latin typeface="微软雅黑" panose="020B0503020204020204" pitchFamily="34" charset="-122"/>
-                <a:ea typeface="微软雅黑" panose="020B0503020204020204" pitchFamily="34" charset="-122"/>
-              </a:rPr>
-              <a:t>WeUI</a:t>
-            </a:r>
-            <a:r>
-              <a:rPr lang="zh-CN" altLang="en-US" sz="2400" dirty="0">
-                <a:solidFill>
-                  <a:schemeClr val="tx1">
-                    <a:lumMod val="65000"/>
-                    <a:lumOff val="35000"/>
-                  </a:schemeClr>
-                </a:solidFill>
-                <a:latin typeface="微软雅黑" panose="020B0503020204020204" pitchFamily="34" charset="-122"/>
-                <a:ea typeface="微软雅黑" panose="020B0503020204020204" pitchFamily="34" charset="-122"/>
-              </a:rPr>
-              <a:t>基本使用</a:t>
-            </a:r>
-            <a:endParaRPr lang="en-US" altLang="zh-CN" sz="2400" dirty="0">
-              <a:solidFill>
-                <a:schemeClr val="tx1">
-                  <a:lumMod val="65000"/>
-                  <a:lumOff val="35000"/>
-                </a:schemeClr>
-              </a:solidFill>
-              <a:latin typeface="微软雅黑" panose="020B0503020204020204" pitchFamily="34" charset="-122"/>
-              <a:ea typeface="微软雅黑" panose="020B0503020204020204" pitchFamily="34" charset="-122"/>
-            </a:endParaRPr>
-          </a:p>
-          <a:p>
-            <a:pPr marL="514350" indent="-514350">
-              <a:lnSpc>
-                <a:spcPct val="200000"/>
-              </a:lnSpc>
-              <a:buFont typeface="+mj-ea"/>
-              <a:buAutoNum type="ea1JpnChsDbPeriod"/>
-            </a:pPr>
-            <a:r>
-              <a:rPr lang="zh-CN" altLang="en-US" sz="2400" dirty="0">
-                <a:solidFill>
-                  <a:schemeClr val="tx1">
-                    <a:lumMod val="65000"/>
-                    <a:lumOff val="35000"/>
-                  </a:schemeClr>
-                </a:solidFill>
-                <a:latin typeface="微软雅黑" panose="020B0503020204020204" pitchFamily="34" charset="-122"/>
-                <a:ea typeface="微软雅黑" panose="020B0503020204020204" pitchFamily="34" charset="-122"/>
-              </a:rPr>
-              <a:t>实现表单功能</a:t>
-            </a:r>
-            <a:endParaRPr lang="en-US" altLang="zh-CN" sz="2400" dirty="0">
-              <a:solidFill>
-                <a:schemeClr val="tx1">
-                  <a:lumMod val="65000"/>
-                  <a:lumOff val="35000"/>
-                </a:schemeClr>
-              </a:solidFill>
-              <a:latin typeface="微软雅黑" panose="020B0503020204020204" pitchFamily="34" charset="-122"/>
-              <a:ea typeface="微软雅黑" panose="020B0503020204020204" pitchFamily="34" charset="-122"/>
-            </a:endParaRPr>
-          </a:p>
-        </p:txBody>
-      </p:sp>
-    </p:spTree>
-    <p:extLst>
-      <p:ext uri="{BB962C8B-B14F-4D97-AF65-F5344CB8AC3E}">
-        <p14:creationId xmlns:p14="http://schemas.microsoft.com/office/powerpoint/2010/main" val="714534542"/>
-      </p:ext>
-    </p:extLst>
-  </p:cSld>
-  <p:clrMapOvr>
-    <a:masterClrMapping/>
-  </p:clrMapOvr>
-</p:sld>
-</file>
-
-<file path=ppt/slides/slide20.xml><?xml version="1.0" encoding="utf-8"?>
+<file path=ppt/slides/slide19.xml><?xml version="1.0" encoding="utf-8"?>
 <p:sld xmlns:a="http://schemas.openxmlformats.org/drawingml/2006/main" xmlns:r="http://schemas.openxmlformats.org/officeDocument/2006/relationships" xmlns:p="http://schemas.openxmlformats.org/presentationml/2006/main">
   <p:cSld>
     <p:spTree>
@@ -16918,6 +16948,203 @@
 </p:sld>
 </file>
 
+<file path=ppt/slides/slide2.xml><?xml version="1.0" encoding="utf-8"?>
+<p:sld xmlns:a="http://schemas.openxmlformats.org/drawingml/2006/main" xmlns:r="http://schemas.openxmlformats.org/officeDocument/2006/relationships" xmlns:p="http://schemas.openxmlformats.org/presentationml/2006/main">
+  <p:cSld>
+    <p:spTree>
+      <p:nvGrpSpPr>
+        <p:cNvPr id="1" name=""/>
+        <p:cNvGrpSpPr/>
+        <p:nvPr/>
+      </p:nvGrpSpPr>
+      <p:grpSpPr>
+        <a:xfrm>
+          <a:off x="0" y="0"/>
+          <a:ext cx="0" cy="0"/>
+          <a:chOff x="0" y="0"/>
+          <a:chExt cx="0" cy="0"/>
+        </a:xfrm>
+      </p:grpSpPr>
+      <p:sp>
+        <p:nvSpPr>
+          <p:cNvPr id="2" name="内容占位符 1"/>
+          <p:cNvSpPr>
+            <a:spLocks noGrp="1"/>
+          </p:cNvSpPr>
+          <p:nvPr>
+            <p:ph sz="quarter" idx="13"/>
+          </p:nvPr>
+        </p:nvSpPr>
+        <p:spPr/>
+        <p:txBody>
+          <a:bodyPr/>
+          <a:lstStyle/>
+          <a:p>
+            <a:r>
+              <a:rPr lang="zh-CN" altLang="en-US" b="0" dirty="0"/>
+              <a:t>本次课程目录</a:t>
+            </a:r>
+          </a:p>
+        </p:txBody>
+      </p:sp>
+      <p:sp>
+        <p:nvSpPr>
+          <p:cNvPr id="4" name="文本框 3"/>
+          <p:cNvSpPr txBox="1"/>
+          <p:nvPr/>
+        </p:nvSpPr>
+        <p:spPr>
+          <a:xfrm>
+            <a:off x="4058444" y="2343152"/>
+            <a:ext cx="5385594" cy="2308324"/>
+          </a:xfrm>
+          <a:prstGeom prst="rect">
+            <a:avLst/>
+          </a:prstGeom>
+          <a:noFill/>
+        </p:spPr>
+        <p:txBody>
+          <a:bodyPr wrap="square" rtlCol="0">
+            <a:spAutoFit/>
+          </a:bodyPr>
+          <a:lstStyle/>
+          <a:p>
+            <a:pPr marL="514350" indent="-514350">
+              <a:lnSpc>
+                <a:spcPct val="200000"/>
+              </a:lnSpc>
+              <a:buFont typeface="+mj-ea"/>
+              <a:buAutoNum type="ea1JpnChsDbPeriod"/>
+            </a:pPr>
+            <a:r>
+              <a:rPr lang="en-US" altLang="zh-CN" sz="2400" dirty="0" err="1">
+                <a:solidFill>
+                  <a:schemeClr val="tx1">
+                    <a:lumMod val="65000"/>
+                    <a:lumOff val="35000"/>
+                  </a:schemeClr>
+                </a:solidFill>
+                <a:latin typeface="微软雅黑" panose="020B0503020204020204" pitchFamily="34" charset="-122"/>
+                <a:ea typeface="微软雅黑" panose="020B0503020204020204" pitchFamily="34" charset="-122"/>
+              </a:rPr>
+              <a:t>WeUI</a:t>
+            </a:r>
+            <a:r>
+              <a:rPr lang="zh-CN" altLang="en-US" sz="2400" dirty="0">
+                <a:solidFill>
+                  <a:schemeClr val="tx1">
+                    <a:lumMod val="65000"/>
+                    <a:lumOff val="35000"/>
+                  </a:schemeClr>
+                </a:solidFill>
+                <a:latin typeface="微软雅黑" panose="020B0503020204020204" pitchFamily="34" charset="-122"/>
+                <a:ea typeface="微软雅黑" panose="020B0503020204020204" pitchFamily="34" charset="-122"/>
+              </a:rPr>
+              <a:t>介绍与基础</a:t>
+            </a:r>
+            <a:endParaRPr lang="en-US" altLang="zh-CN" sz="2400" dirty="0">
+              <a:solidFill>
+                <a:schemeClr val="tx1">
+                  <a:lumMod val="65000"/>
+                  <a:lumOff val="35000"/>
+                </a:schemeClr>
+              </a:solidFill>
+              <a:latin typeface="微软雅黑" panose="020B0503020204020204" pitchFamily="34" charset="-122"/>
+              <a:ea typeface="微软雅黑" panose="020B0503020204020204" pitchFamily="34" charset="-122"/>
+            </a:endParaRPr>
+          </a:p>
+          <a:p>
+            <a:pPr marL="514350" indent="-514350">
+              <a:lnSpc>
+                <a:spcPct val="200000"/>
+              </a:lnSpc>
+              <a:buFont typeface="+mj-ea"/>
+              <a:buAutoNum type="ea1JpnChsDbPeriod"/>
+            </a:pPr>
+            <a:r>
+              <a:rPr lang="en-US" altLang="zh-CN" sz="2400" dirty="0" err="1">
+                <a:solidFill>
+                  <a:schemeClr val="tx1">
+                    <a:lumMod val="65000"/>
+                    <a:lumOff val="35000"/>
+                  </a:schemeClr>
+                </a:solidFill>
+                <a:latin typeface="微软雅黑" panose="020B0503020204020204" pitchFamily="34" charset="-122"/>
+                <a:ea typeface="微软雅黑" panose="020B0503020204020204" pitchFamily="34" charset="-122"/>
+              </a:rPr>
+              <a:t>WeUI</a:t>
+            </a:r>
+            <a:r>
+              <a:rPr lang="zh-CN" altLang="en-US" sz="2400" dirty="0">
+                <a:solidFill>
+                  <a:schemeClr val="tx1">
+                    <a:lumMod val="65000"/>
+                    <a:lumOff val="35000"/>
+                  </a:schemeClr>
+                </a:solidFill>
+                <a:latin typeface="微软雅黑" panose="020B0503020204020204" pitchFamily="34" charset="-122"/>
+                <a:ea typeface="微软雅黑" panose="020B0503020204020204" pitchFamily="34" charset="-122"/>
+              </a:rPr>
+              <a:t>基本使用</a:t>
+            </a:r>
+            <a:endParaRPr lang="en-US" altLang="zh-CN" sz="2400" dirty="0">
+              <a:solidFill>
+                <a:schemeClr val="tx1">
+                  <a:lumMod val="65000"/>
+                  <a:lumOff val="35000"/>
+                </a:schemeClr>
+              </a:solidFill>
+              <a:latin typeface="微软雅黑" panose="020B0503020204020204" pitchFamily="34" charset="-122"/>
+              <a:ea typeface="微软雅黑" panose="020B0503020204020204" pitchFamily="34" charset="-122"/>
+            </a:endParaRPr>
+          </a:p>
+          <a:p>
+            <a:pPr marL="514350" indent="-514350">
+              <a:lnSpc>
+                <a:spcPct val="200000"/>
+              </a:lnSpc>
+              <a:buFont typeface="+mj-ea"/>
+              <a:buAutoNum type="ea1JpnChsDbPeriod"/>
+            </a:pPr>
+            <a:r>
+              <a:rPr lang="zh-CN" altLang="en-US" sz="2400" dirty="0">
+                <a:solidFill>
+                  <a:schemeClr val="tx1">
+                    <a:lumMod val="65000"/>
+                    <a:lumOff val="35000"/>
+                  </a:schemeClr>
+                </a:solidFill>
+                <a:latin typeface="微软雅黑" panose="020B0503020204020204" pitchFamily="34" charset="-122"/>
+                <a:ea typeface="微软雅黑" panose="020B0503020204020204" pitchFamily="34" charset="-122"/>
+              </a:rPr>
+              <a:t>实现表单功能</a:t>
+            </a:r>
+            <a:endParaRPr lang="en-US" altLang="zh-CN" sz="2400" dirty="0">
+              <a:solidFill>
+                <a:schemeClr val="tx1">
+                  <a:lumMod val="65000"/>
+                  <a:lumOff val="35000"/>
+                </a:schemeClr>
+              </a:solidFill>
+              <a:latin typeface="微软雅黑" panose="020B0503020204020204" pitchFamily="34" charset="-122"/>
+              <a:ea typeface="微软雅黑" panose="020B0503020204020204" pitchFamily="34" charset="-122"/>
+            </a:endParaRPr>
+          </a:p>
+        </p:txBody>
+      </p:sp>
+    </p:spTree>
+    <p:extLst>
+      <p:ext uri="{BB962C8B-B14F-4D97-AF65-F5344CB8AC3E}">
+        <p14:creationId xmlns:p14="http://schemas.microsoft.com/office/powerpoint/2010/main" val="714534542"/>
+      </p:ext>
+    </p:extLst>
+  </p:cSld>
+  <p:clrMapOvr>
+    <a:masterClrMapping/>
+  </p:clrMapOvr>
+</p:sld>
+</file>
+
 <file path=ppt/slides/slide3.xml><?xml version="1.0" encoding="utf-8"?>
 <p:sld xmlns:a="http://schemas.openxmlformats.org/drawingml/2006/main" xmlns:r="http://schemas.openxmlformats.org/officeDocument/2006/relationships" xmlns:p="http://schemas.openxmlformats.org/presentationml/2006/main">
   <p:cSld>
@@ -17961,6 +18188,200 @@
 </file>
 
 <file path=ppt/slides/slide8.xml><?xml version="1.0" encoding="utf-8"?>
+<p:sld xmlns:a="http://schemas.openxmlformats.org/drawingml/2006/main" xmlns:r="http://schemas.openxmlformats.org/officeDocument/2006/relationships" xmlns:p="http://schemas.openxmlformats.org/presentationml/2006/main">
+  <p:cSld>
+    <p:spTree>
+      <p:nvGrpSpPr>
+        <p:cNvPr id="1" name=""/>
+        <p:cNvGrpSpPr/>
+        <p:nvPr/>
+      </p:nvGrpSpPr>
+      <p:grpSpPr>
+        <a:xfrm>
+          <a:off x="0" y="0"/>
+          <a:ext cx="0" cy="0"/>
+          <a:chOff x="0" y="0"/>
+          <a:chExt cx="0" cy="0"/>
+        </a:xfrm>
+      </p:grpSpPr>
+      <p:sp>
+        <p:nvSpPr>
+          <p:cNvPr id="2" name="内容占位符 1"/>
+          <p:cNvSpPr>
+            <a:spLocks noGrp="1"/>
+          </p:cNvSpPr>
+          <p:nvPr>
+            <p:ph sz="quarter" idx="13"/>
+          </p:nvPr>
+        </p:nvSpPr>
+        <p:spPr/>
+        <p:txBody>
+          <a:bodyPr/>
+          <a:lstStyle/>
+          <a:p>
+            <a:r>
+              <a:rPr lang="zh-CN" altLang="en-US" dirty="0"/>
+              <a:t>第二讲</a:t>
+            </a:r>
+          </a:p>
+        </p:txBody>
+      </p:sp>
+      <p:sp>
+        <p:nvSpPr>
+          <p:cNvPr id="4" name="文本框 3"/>
+          <p:cNvSpPr txBox="1"/>
+          <p:nvPr/>
+        </p:nvSpPr>
+        <p:spPr>
+          <a:xfrm>
+            <a:off x="4058444" y="2343152"/>
+            <a:ext cx="5385594" cy="2062103"/>
+          </a:xfrm>
+          <a:prstGeom prst="rect">
+            <a:avLst/>
+          </a:prstGeom>
+          <a:noFill/>
+        </p:spPr>
+        <p:txBody>
+          <a:bodyPr wrap="square" rtlCol="0">
+            <a:spAutoFit/>
+          </a:bodyPr>
+          <a:lstStyle/>
+          <a:p>
+            <a:pPr marL="514350" indent="-514350">
+              <a:lnSpc>
+                <a:spcPct val="200000"/>
+              </a:lnSpc>
+              <a:buFont typeface="+mj-ea"/>
+              <a:buAutoNum type="ea1JpnChsDbPeriod"/>
+            </a:pPr>
+            <a:r>
+              <a:rPr lang="en-US" altLang="zh-CN" sz="2000" dirty="0" err="1">
+                <a:solidFill>
+                  <a:schemeClr val="tx1">
+                    <a:lumMod val="65000"/>
+                    <a:lumOff val="35000"/>
+                  </a:schemeClr>
+                </a:solidFill>
+                <a:latin typeface="微软雅黑" panose="020B0503020204020204" pitchFamily="34" charset="-122"/>
+                <a:ea typeface="微软雅黑" panose="020B0503020204020204" pitchFamily="34" charset="-122"/>
+              </a:rPr>
+              <a:t>WeUI</a:t>
+            </a:r>
+            <a:r>
+              <a:rPr lang="zh-CN" altLang="en-US" sz="2000" dirty="0">
+                <a:solidFill>
+                  <a:schemeClr val="tx1">
+                    <a:lumMod val="65000"/>
+                    <a:lumOff val="35000"/>
+                  </a:schemeClr>
+                </a:solidFill>
+                <a:latin typeface="微软雅黑" panose="020B0503020204020204" pitchFamily="34" charset="-122"/>
+                <a:ea typeface="微软雅黑" panose="020B0503020204020204" pitchFamily="34" charset="-122"/>
+              </a:rPr>
+              <a:t>介绍与基础</a:t>
+            </a:r>
+            <a:endParaRPr lang="en-US" altLang="zh-CN" sz="2000" dirty="0">
+              <a:solidFill>
+                <a:schemeClr val="tx1">
+                  <a:lumMod val="65000"/>
+                  <a:lumOff val="35000"/>
+                </a:schemeClr>
+              </a:solidFill>
+              <a:latin typeface="微软雅黑" panose="020B0503020204020204" pitchFamily="34" charset="-122"/>
+              <a:ea typeface="微软雅黑" panose="020B0503020204020204" pitchFamily="34" charset="-122"/>
+            </a:endParaRPr>
+          </a:p>
+          <a:p>
+            <a:pPr marL="514350" indent="-514350">
+              <a:lnSpc>
+                <a:spcPct val="200000"/>
+              </a:lnSpc>
+              <a:buFont typeface="+mj-ea"/>
+              <a:buAutoNum type="ea1JpnChsDbPeriod"/>
+            </a:pPr>
+            <a:r>
+              <a:rPr lang="en-US" altLang="zh-CN" sz="2400" dirty="0" err="1">
+                <a:solidFill>
+                  <a:schemeClr val="accent6">
+                    <a:lumMod val="75000"/>
+                  </a:schemeClr>
+                </a:solidFill>
+                <a:latin typeface="微软雅黑" panose="020B0503020204020204" pitchFamily="34" charset="-122"/>
+                <a:ea typeface="微软雅黑" panose="020B0503020204020204" pitchFamily="34" charset="-122"/>
+              </a:rPr>
+              <a:t>WeUI</a:t>
+            </a:r>
+            <a:r>
+              <a:rPr lang="zh-CN" altLang="en-US" sz="2400" dirty="0">
+                <a:solidFill>
+                  <a:schemeClr val="accent6">
+                    <a:lumMod val="75000"/>
+                  </a:schemeClr>
+                </a:solidFill>
+                <a:latin typeface="微软雅黑" panose="020B0503020204020204" pitchFamily="34" charset="-122"/>
+                <a:ea typeface="微软雅黑" panose="020B0503020204020204" pitchFamily="34" charset="-122"/>
+              </a:rPr>
+              <a:t>基本使用</a:t>
+            </a:r>
+            <a:endParaRPr lang="en-US" altLang="zh-CN" sz="2400" dirty="0">
+              <a:solidFill>
+                <a:schemeClr val="accent6">
+                  <a:lumMod val="75000"/>
+                </a:schemeClr>
+              </a:solidFill>
+              <a:latin typeface="微软雅黑" panose="020B0503020204020204" pitchFamily="34" charset="-122"/>
+              <a:ea typeface="微软雅黑" panose="020B0503020204020204" pitchFamily="34" charset="-122"/>
+            </a:endParaRPr>
+          </a:p>
+          <a:p>
+            <a:pPr marL="514350" indent="-514350">
+              <a:lnSpc>
+                <a:spcPct val="200000"/>
+              </a:lnSpc>
+              <a:buFont typeface="+mj-ea"/>
+              <a:buAutoNum type="ea1JpnChsDbPeriod"/>
+            </a:pPr>
+            <a:r>
+              <a:rPr lang="zh-CN" altLang="en-US" sz="2000" dirty="0">
+                <a:solidFill>
+                  <a:schemeClr val="tx1">
+                    <a:lumMod val="65000"/>
+                    <a:lumOff val="35000"/>
+                  </a:schemeClr>
+                </a:solidFill>
+                <a:latin typeface="微软雅黑" panose="020B0503020204020204" pitchFamily="34" charset="-122"/>
+                <a:ea typeface="微软雅黑" panose="020B0503020204020204" pitchFamily="34" charset="-122"/>
+              </a:rPr>
+              <a:t>实现表单功能</a:t>
+            </a:r>
+            <a:endParaRPr lang="en-US" altLang="zh-CN" sz="2000" dirty="0">
+              <a:solidFill>
+                <a:schemeClr val="tx1">
+                  <a:lumMod val="65000"/>
+                  <a:lumOff val="35000"/>
+                </a:schemeClr>
+              </a:solidFill>
+              <a:latin typeface="微软雅黑" panose="020B0503020204020204" pitchFamily="34" charset="-122"/>
+              <a:ea typeface="微软雅黑" panose="020B0503020204020204" pitchFamily="34" charset="-122"/>
+            </a:endParaRPr>
+          </a:p>
+        </p:txBody>
+      </p:sp>
+    </p:spTree>
+    <p:extLst>
+      <p:ext uri="{BB962C8B-B14F-4D97-AF65-F5344CB8AC3E}">
+        <p14:creationId xmlns:p14="http://schemas.microsoft.com/office/powerpoint/2010/main" val="2999457395"/>
+      </p:ext>
+    </p:extLst>
+  </p:cSld>
+  <p:clrMapOvr>
+    <a:masterClrMapping/>
+  </p:clrMapOvr>
+</p:sld>
+</file>
+
+<file path=ppt/slides/slide9.xml><?xml version="1.0" encoding="utf-8"?>
 <p:sld xmlns:a="http://schemas.openxmlformats.org/drawingml/2006/main" xmlns:r="http://schemas.openxmlformats.org/officeDocument/2006/relationships" xmlns:p="http://schemas.openxmlformats.org/presentationml/2006/main">
   <p:cSld>
     <p:spTree>
@@ -18440,532 +18861,6 @@
     <p:extLst>
       <p:ext uri="{BB962C8B-B14F-4D97-AF65-F5344CB8AC3E}">
         <p14:creationId xmlns:p14="http://schemas.microsoft.com/office/powerpoint/2010/main" val="3481064266"/>
-      </p:ext>
-    </p:extLst>
-  </p:cSld>
-  <p:clrMapOvr>
-    <a:masterClrMapping/>
-  </p:clrMapOvr>
-</p:sld>
-</file>
-
-<file path=ppt/slides/slide9.xml><?xml version="1.0" encoding="utf-8"?>
-<p:sld xmlns:a="http://schemas.openxmlformats.org/drawingml/2006/main" xmlns:r="http://schemas.openxmlformats.org/officeDocument/2006/relationships" xmlns:p="http://schemas.openxmlformats.org/presentationml/2006/main">
-  <p:cSld>
-    <p:spTree>
-      <p:nvGrpSpPr>
-        <p:cNvPr id="1" name=""/>
-        <p:cNvGrpSpPr/>
-        <p:nvPr/>
-      </p:nvGrpSpPr>
-      <p:grpSpPr>
-        <a:xfrm>
-          <a:off x="0" y="0"/>
-          <a:ext cx="0" cy="0"/>
-          <a:chOff x="0" y="0"/>
-          <a:chExt cx="0" cy="0"/>
-        </a:xfrm>
-      </p:grpSpPr>
-      <p:sp>
-        <p:nvSpPr>
-          <p:cNvPr id="2" name="内容占位符 1"/>
-          <p:cNvSpPr>
-            <a:spLocks noGrp="1"/>
-          </p:cNvSpPr>
-          <p:nvPr>
-            <p:ph sz="quarter" idx="13"/>
-          </p:nvPr>
-        </p:nvSpPr>
-        <p:spPr>
-          <a:xfrm>
-            <a:off x="1054100" y="543636"/>
-            <a:ext cx="5818188" cy="685800"/>
-          </a:xfrm>
-        </p:spPr>
-        <p:txBody>
-          <a:bodyPr/>
-          <a:lstStyle/>
-          <a:p>
-            <a:r>
-              <a:rPr lang="en-US" altLang="zh-CN" b="0" dirty="0"/>
-              <a:t>Cell</a:t>
-            </a:r>
-            <a:endParaRPr lang="zh-CN" altLang="en-US" b="0" dirty="0"/>
-          </a:p>
-        </p:txBody>
-      </p:sp>
-      <p:sp>
-        <p:nvSpPr>
-          <p:cNvPr id="3" name="文本框 2"/>
-          <p:cNvSpPr txBox="1"/>
-          <p:nvPr/>
-        </p:nvSpPr>
-        <p:spPr>
-          <a:xfrm>
-            <a:off x="954087" y="1600200"/>
-            <a:ext cx="6527799" cy="2585323"/>
-          </a:xfrm>
-          <a:prstGeom prst="rect">
-            <a:avLst/>
-          </a:prstGeom>
-          <a:noFill/>
-        </p:spPr>
-        <p:txBody>
-          <a:bodyPr wrap="square" rtlCol="0">
-            <a:spAutoFit/>
-          </a:bodyPr>
-          <a:lstStyle/>
-          <a:p>
-            <a:pPr marL="285750" indent="-285750">
-              <a:lnSpc>
-                <a:spcPct val="150000"/>
-              </a:lnSpc>
-              <a:buFont typeface="Arial" panose="020B0604020202020204" pitchFamily="34" charset="0"/>
-              <a:buChar char="•"/>
-            </a:pPr>
-            <a:r>
-              <a:rPr lang="zh-CN" altLang="en-US" dirty="0">
-                <a:latin typeface="微软雅黑" panose="020B0503020204020204" pitchFamily="34" charset="-122"/>
-                <a:ea typeface="微软雅黑" panose="020B0503020204020204" pitchFamily="34" charset="-122"/>
-              </a:rPr>
-              <a:t>列表视图，用于将信息以列表的结构显示在页面上，是</a:t>
-            </a:r>
-            <a:r>
-              <a:rPr lang="en-US" altLang="zh-CN" dirty="0" err="1">
-                <a:latin typeface="微软雅黑" panose="020B0503020204020204" pitchFamily="34" charset="-122"/>
-                <a:ea typeface="微软雅黑" panose="020B0503020204020204" pitchFamily="34" charset="-122"/>
-              </a:rPr>
-              <a:t>wap</a:t>
-            </a:r>
-            <a:r>
-              <a:rPr lang="zh-CN" altLang="en-US" dirty="0">
-                <a:latin typeface="微软雅黑" panose="020B0503020204020204" pitchFamily="34" charset="-122"/>
-                <a:ea typeface="微软雅黑" panose="020B0503020204020204" pitchFamily="34" charset="-122"/>
-              </a:rPr>
-              <a:t>上最常用的内容结构。</a:t>
-            </a:r>
-            <a:r>
-              <a:rPr lang="en-US" altLang="zh-CN" dirty="0">
-                <a:latin typeface="微软雅黑" panose="020B0503020204020204" pitchFamily="34" charset="-122"/>
-                <a:ea typeface="微软雅黑" panose="020B0503020204020204" pitchFamily="34" charset="-122"/>
-              </a:rPr>
-              <a:t>Cell</a:t>
-            </a:r>
-            <a:r>
-              <a:rPr lang="zh-CN" altLang="en-US" dirty="0">
-                <a:latin typeface="微软雅黑" panose="020B0503020204020204" pitchFamily="34" charset="-122"/>
-                <a:ea typeface="微软雅黑" panose="020B0503020204020204" pitchFamily="34" charset="-122"/>
-              </a:rPr>
-              <a:t>由多个</a:t>
-            </a:r>
-            <a:r>
-              <a:rPr lang="en-US" altLang="zh-CN" dirty="0">
-                <a:latin typeface="微软雅黑" panose="020B0503020204020204" pitchFamily="34" charset="-122"/>
-                <a:ea typeface="微软雅黑" panose="020B0503020204020204" pitchFamily="34" charset="-122"/>
-              </a:rPr>
-              <a:t>section</a:t>
-            </a:r>
-            <a:r>
-              <a:rPr lang="zh-CN" altLang="en-US" dirty="0">
-                <a:latin typeface="微软雅黑" panose="020B0503020204020204" pitchFamily="34" charset="-122"/>
-                <a:ea typeface="微软雅黑" panose="020B0503020204020204" pitchFamily="34" charset="-122"/>
-              </a:rPr>
-              <a:t>组成，每个</a:t>
-            </a:r>
-            <a:r>
-              <a:rPr lang="en-US" altLang="zh-CN" dirty="0">
-                <a:latin typeface="微软雅黑" panose="020B0503020204020204" pitchFamily="34" charset="-122"/>
-                <a:ea typeface="微软雅黑" panose="020B0503020204020204" pitchFamily="34" charset="-122"/>
-              </a:rPr>
-              <a:t>section</a:t>
-            </a:r>
-            <a:r>
-              <a:rPr lang="zh-CN" altLang="en-US" dirty="0">
-                <a:latin typeface="微软雅黑" panose="020B0503020204020204" pitchFamily="34" charset="-122"/>
-                <a:ea typeface="微软雅黑" panose="020B0503020204020204" pitchFamily="34" charset="-122"/>
-              </a:rPr>
-              <a:t>包括</a:t>
-            </a:r>
-            <a:r>
-              <a:rPr lang="en-US" altLang="zh-CN" dirty="0">
-                <a:latin typeface="微软雅黑" panose="020B0503020204020204" pitchFamily="34" charset="-122"/>
-                <a:ea typeface="微软雅黑" panose="020B0503020204020204" pitchFamily="34" charset="-122"/>
-              </a:rPr>
-              <a:t>section </a:t>
-            </a:r>
-            <a:r>
-              <a:rPr lang="en-US" altLang="zh-CN" dirty="0" err="1">
-                <a:latin typeface="微软雅黑" panose="020B0503020204020204" pitchFamily="34" charset="-122"/>
-                <a:ea typeface="微软雅黑" panose="020B0503020204020204" pitchFamily="34" charset="-122"/>
-              </a:rPr>
-              <a:t>headerweui</a:t>
-            </a:r>
-            <a:r>
-              <a:rPr lang="en-US" altLang="zh-CN" dirty="0">
-                <a:latin typeface="微软雅黑" panose="020B0503020204020204" pitchFamily="34" charset="-122"/>
-                <a:ea typeface="微软雅黑" panose="020B0503020204020204" pitchFamily="34" charset="-122"/>
-              </a:rPr>
-              <a:t>-</a:t>
-            </a:r>
-            <a:r>
-              <a:rPr lang="en-US" altLang="zh-CN" dirty="0" err="1">
-                <a:latin typeface="微软雅黑" panose="020B0503020204020204" pitchFamily="34" charset="-122"/>
-                <a:ea typeface="微软雅黑" panose="020B0503020204020204" pitchFamily="34" charset="-122"/>
-              </a:rPr>
-              <a:t>cells__title</a:t>
-            </a:r>
-            <a:r>
-              <a:rPr lang="zh-CN" altLang="en-US" dirty="0">
-                <a:latin typeface="微软雅黑" panose="020B0503020204020204" pitchFamily="34" charset="-122"/>
-                <a:ea typeface="微软雅黑" panose="020B0503020204020204" pitchFamily="34" charset="-122"/>
-              </a:rPr>
-              <a:t>以及</a:t>
-            </a:r>
-            <a:r>
-              <a:rPr lang="en-US" altLang="zh-CN" dirty="0" err="1">
-                <a:latin typeface="微软雅黑" panose="020B0503020204020204" pitchFamily="34" charset="-122"/>
-                <a:ea typeface="微软雅黑" panose="020B0503020204020204" pitchFamily="34" charset="-122"/>
-              </a:rPr>
-              <a:t>cellsweui</a:t>
-            </a:r>
-            <a:r>
-              <a:rPr lang="en-US" altLang="zh-CN" dirty="0">
-                <a:latin typeface="微软雅黑" panose="020B0503020204020204" pitchFamily="34" charset="-122"/>
-                <a:ea typeface="微软雅黑" panose="020B0503020204020204" pitchFamily="34" charset="-122"/>
-              </a:rPr>
-              <a:t>-cells</a:t>
-            </a:r>
-            <a:r>
-              <a:rPr lang="zh-CN" altLang="en-US" dirty="0">
-                <a:latin typeface="微软雅黑" panose="020B0503020204020204" pitchFamily="34" charset="-122"/>
-                <a:ea typeface="微软雅黑" panose="020B0503020204020204" pitchFamily="34" charset="-122"/>
-              </a:rPr>
-              <a:t>。</a:t>
-            </a:r>
-            <a:endParaRPr lang="en-US" altLang="zh-CN" dirty="0">
-              <a:latin typeface="微软雅黑" panose="020B0503020204020204" pitchFamily="34" charset="-122"/>
-              <a:ea typeface="微软雅黑" panose="020B0503020204020204" pitchFamily="34" charset="-122"/>
-            </a:endParaRPr>
-          </a:p>
-          <a:p>
-            <a:pPr marL="285750" indent="-285750">
-              <a:lnSpc>
-                <a:spcPct val="150000"/>
-              </a:lnSpc>
-              <a:buFont typeface="Arial" panose="020B0604020202020204" pitchFamily="34" charset="0"/>
-              <a:buChar char="•"/>
-            </a:pPr>
-            <a:r>
-              <a:rPr lang="en-US" altLang="zh-CN" dirty="0">
-                <a:latin typeface="微软雅黑" panose="020B0503020204020204" pitchFamily="34" charset="-122"/>
-                <a:ea typeface="微软雅黑" panose="020B0503020204020204" pitchFamily="34" charset="-122"/>
-              </a:rPr>
-              <a:t>cell</a:t>
-            </a:r>
-            <a:r>
-              <a:rPr lang="zh-CN" altLang="en-US" dirty="0">
-                <a:latin typeface="微软雅黑" panose="020B0503020204020204" pitchFamily="34" charset="-122"/>
-                <a:ea typeface="微软雅黑" panose="020B0503020204020204" pitchFamily="34" charset="-122"/>
-              </a:rPr>
-              <a:t>由</a:t>
-            </a:r>
-            <a:r>
-              <a:rPr lang="en-US" altLang="zh-CN" dirty="0" err="1">
-                <a:latin typeface="微软雅黑" panose="020B0503020204020204" pitchFamily="34" charset="-122"/>
-                <a:ea typeface="微软雅黑" panose="020B0503020204020204" pitchFamily="34" charset="-122"/>
-              </a:rPr>
-              <a:t>weui</a:t>
-            </a:r>
-            <a:r>
-              <a:rPr lang="en-US" altLang="zh-CN" dirty="0">
-                <a:latin typeface="微软雅黑" panose="020B0503020204020204" pitchFamily="34" charset="-122"/>
-                <a:ea typeface="微软雅黑" panose="020B0503020204020204" pitchFamily="34" charset="-122"/>
-              </a:rPr>
-              <a:t>-cell__</a:t>
-            </a:r>
-            <a:r>
-              <a:rPr lang="en-US" altLang="zh-CN" dirty="0" err="1">
-                <a:latin typeface="微软雅黑" panose="020B0503020204020204" pitchFamily="34" charset="-122"/>
-                <a:ea typeface="微软雅黑" panose="020B0503020204020204" pitchFamily="34" charset="-122"/>
-              </a:rPr>
-              <a:t>hd</a:t>
-            </a:r>
-            <a:r>
-              <a:rPr lang="zh-CN" altLang="en-US" dirty="0">
-                <a:latin typeface="微软雅黑" panose="020B0503020204020204" pitchFamily="34" charset="-122"/>
-                <a:ea typeface="微软雅黑" panose="020B0503020204020204" pitchFamily="34" charset="-122"/>
-              </a:rPr>
-              <a:t>、</a:t>
-            </a:r>
-            <a:r>
-              <a:rPr lang="en-US" altLang="zh-CN" dirty="0" err="1">
-                <a:latin typeface="微软雅黑" panose="020B0503020204020204" pitchFamily="34" charset="-122"/>
-                <a:ea typeface="微软雅黑" panose="020B0503020204020204" pitchFamily="34" charset="-122"/>
-              </a:rPr>
-              <a:t>weui</a:t>
-            </a:r>
-            <a:r>
-              <a:rPr lang="en-US" altLang="zh-CN" dirty="0">
-                <a:latin typeface="微软雅黑" panose="020B0503020204020204" pitchFamily="34" charset="-122"/>
-                <a:ea typeface="微软雅黑" panose="020B0503020204020204" pitchFamily="34" charset="-122"/>
-              </a:rPr>
-              <a:t>-cell__</a:t>
-            </a:r>
-            <a:r>
-              <a:rPr lang="en-US" altLang="zh-CN" dirty="0" err="1">
-                <a:latin typeface="微软雅黑" panose="020B0503020204020204" pitchFamily="34" charset="-122"/>
-                <a:ea typeface="微软雅黑" panose="020B0503020204020204" pitchFamily="34" charset="-122"/>
-              </a:rPr>
-              <a:t>bd</a:t>
-            </a:r>
-            <a:r>
-              <a:rPr lang="zh-CN" altLang="en-US" dirty="0">
-                <a:latin typeface="微软雅黑" panose="020B0503020204020204" pitchFamily="34" charset="-122"/>
-                <a:ea typeface="微软雅黑" panose="020B0503020204020204" pitchFamily="34" charset="-122"/>
-              </a:rPr>
-              <a:t>、</a:t>
-            </a:r>
-            <a:r>
-              <a:rPr lang="en-US" altLang="zh-CN" dirty="0" err="1">
-                <a:latin typeface="微软雅黑" panose="020B0503020204020204" pitchFamily="34" charset="-122"/>
-                <a:ea typeface="微软雅黑" panose="020B0503020204020204" pitchFamily="34" charset="-122"/>
-              </a:rPr>
-              <a:t>weui</a:t>
-            </a:r>
-            <a:r>
-              <a:rPr lang="en-US" altLang="zh-CN" dirty="0">
-                <a:latin typeface="微软雅黑" panose="020B0503020204020204" pitchFamily="34" charset="-122"/>
-                <a:ea typeface="微软雅黑" panose="020B0503020204020204" pitchFamily="34" charset="-122"/>
-              </a:rPr>
-              <a:t>-cell__</a:t>
-            </a:r>
-            <a:r>
-              <a:rPr lang="en-US" altLang="zh-CN" dirty="0" err="1">
-                <a:latin typeface="微软雅黑" panose="020B0503020204020204" pitchFamily="34" charset="-122"/>
-                <a:ea typeface="微软雅黑" panose="020B0503020204020204" pitchFamily="34" charset="-122"/>
-              </a:rPr>
-              <a:t>ft</a:t>
-            </a:r>
-            <a:r>
-              <a:rPr lang="zh-CN" altLang="en-US" dirty="0">
-                <a:latin typeface="微软雅黑" panose="020B0503020204020204" pitchFamily="34" charset="-122"/>
-                <a:ea typeface="微软雅黑" panose="020B0503020204020204" pitchFamily="34" charset="-122"/>
-              </a:rPr>
-              <a:t>三部分组成，其中</a:t>
-            </a:r>
-            <a:r>
-              <a:rPr lang="en-US" altLang="zh-CN" dirty="0" err="1">
-                <a:latin typeface="微软雅黑" panose="020B0503020204020204" pitchFamily="34" charset="-122"/>
-                <a:ea typeface="微软雅黑" panose="020B0503020204020204" pitchFamily="34" charset="-122"/>
-              </a:rPr>
-              <a:t>weui</a:t>
-            </a:r>
-            <a:r>
-              <a:rPr lang="en-US" altLang="zh-CN" dirty="0">
-                <a:latin typeface="微软雅黑" panose="020B0503020204020204" pitchFamily="34" charset="-122"/>
-                <a:ea typeface="微软雅黑" panose="020B0503020204020204" pitchFamily="34" charset="-122"/>
-              </a:rPr>
-              <a:t>-cell__</a:t>
-            </a:r>
-            <a:r>
-              <a:rPr lang="en-US" altLang="zh-CN" dirty="0" err="1">
-                <a:latin typeface="微软雅黑" panose="020B0503020204020204" pitchFamily="34" charset="-122"/>
-                <a:ea typeface="微软雅黑" panose="020B0503020204020204" pitchFamily="34" charset="-122"/>
-              </a:rPr>
-              <a:t>bd</a:t>
-            </a:r>
-            <a:r>
-              <a:rPr lang="zh-CN" altLang="en-US" dirty="0">
-                <a:latin typeface="微软雅黑" panose="020B0503020204020204" pitchFamily="34" charset="-122"/>
-                <a:ea typeface="微软雅黑" panose="020B0503020204020204" pitchFamily="34" charset="-122"/>
-              </a:rPr>
-              <a:t>采用自适应布局。</a:t>
-            </a:r>
-          </a:p>
-        </p:txBody>
-      </p:sp>
-      <p:sp>
-        <p:nvSpPr>
-          <p:cNvPr id="4" name="文本框 3"/>
-          <p:cNvSpPr txBox="1"/>
-          <p:nvPr/>
-        </p:nvSpPr>
-        <p:spPr>
-          <a:xfrm>
-            <a:off x="1054100" y="4233121"/>
-            <a:ext cx="10347325" cy="2308324"/>
-          </a:xfrm>
-          <a:prstGeom prst="rect">
-            <a:avLst/>
-          </a:prstGeom>
-          <a:noFill/>
-        </p:spPr>
-        <p:txBody>
-          <a:bodyPr wrap="square" rtlCol="0">
-            <a:spAutoFit/>
-          </a:bodyPr>
-          <a:lstStyle/>
-          <a:p>
-            <a:pPr marL="285750" indent="-285750">
-              <a:buFont typeface="Arial" panose="020B0604020202020204" pitchFamily="34" charset="0"/>
-              <a:buChar char="•"/>
-            </a:pPr>
-            <a:r>
-              <a:rPr lang="zh-CN" altLang="en-US" dirty="0"/>
-              <a:t>示例代码：</a:t>
-            </a:r>
-            <a:endParaRPr lang="en-US" altLang="zh-CN" dirty="0"/>
-          </a:p>
-          <a:p>
-            <a:pPr lvl="1"/>
-            <a:r>
-              <a:rPr lang="en-US" altLang="zh-CN" dirty="0"/>
-              <a:t>&lt;div class="</a:t>
-            </a:r>
-            <a:r>
-              <a:rPr lang="en-US" altLang="zh-CN" dirty="0" err="1"/>
-              <a:t>weui</a:t>
-            </a:r>
-            <a:r>
-              <a:rPr lang="en-US" altLang="zh-CN" dirty="0"/>
-              <a:t>-</a:t>
-            </a:r>
-            <a:r>
-              <a:rPr lang="en-US" altLang="zh-CN" dirty="0" err="1"/>
-              <a:t>cells__title</a:t>
-            </a:r>
-            <a:r>
-              <a:rPr lang="en-US" altLang="zh-CN" dirty="0"/>
-              <a:t>"&gt;Programming language&lt;/div&gt;</a:t>
-            </a:r>
-          </a:p>
-          <a:p>
-            <a:pPr lvl="1"/>
-            <a:r>
-              <a:rPr lang="en-US" altLang="zh-CN" dirty="0"/>
-              <a:t>     &lt;div class="</a:t>
-            </a:r>
-            <a:r>
-              <a:rPr lang="en-US" altLang="zh-CN" dirty="0" err="1"/>
-              <a:t>weui</a:t>
-            </a:r>
-            <a:r>
-              <a:rPr lang="en-US" altLang="zh-CN" dirty="0"/>
-              <a:t>-cells"&gt;</a:t>
-            </a:r>
-          </a:p>
-          <a:p>
-            <a:pPr lvl="1"/>
-            <a:r>
-              <a:rPr lang="en-US" altLang="zh-CN" dirty="0"/>
-              <a:t>         &lt;div class="</a:t>
-            </a:r>
-            <a:r>
-              <a:rPr lang="en-US" altLang="zh-CN" dirty="0" err="1"/>
-              <a:t>weui</a:t>
-            </a:r>
-            <a:r>
-              <a:rPr lang="en-US" altLang="zh-CN" dirty="0"/>
-              <a:t>-cell"&gt;</a:t>
-            </a:r>
-          </a:p>
-          <a:p>
-            <a:pPr lvl="1"/>
-            <a:r>
-              <a:rPr lang="en-US" altLang="zh-CN" dirty="0"/>
-              <a:t>         &lt;div class="</a:t>
-            </a:r>
-            <a:r>
-              <a:rPr lang="en-US" altLang="zh-CN" dirty="0" err="1"/>
-              <a:t>weui</a:t>
-            </a:r>
-            <a:r>
-              <a:rPr lang="en-US" altLang="zh-CN" dirty="0"/>
-              <a:t>-cell__</a:t>
-            </a:r>
-            <a:r>
-              <a:rPr lang="en-US" altLang="zh-CN" dirty="0" err="1"/>
-              <a:t>bd</a:t>
-            </a:r>
-            <a:r>
-              <a:rPr lang="en-US" altLang="zh-CN" dirty="0"/>
-              <a:t>"&gt;&lt;p&gt;PHP best&lt;/p&gt;&lt;/div&gt;</a:t>
-            </a:r>
-          </a:p>
-          <a:p>
-            <a:pPr lvl="1"/>
-            <a:r>
-              <a:rPr lang="en-US" altLang="zh-CN" dirty="0"/>
-              <a:t>         &lt;div class="</a:t>
-            </a:r>
-            <a:r>
-              <a:rPr lang="en-US" altLang="zh-CN" dirty="0" err="1"/>
-              <a:t>weui</a:t>
-            </a:r>
-            <a:r>
-              <a:rPr lang="en-US" altLang="zh-CN" dirty="0"/>
-              <a:t>-cell__</a:t>
-            </a:r>
-            <a:r>
-              <a:rPr lang="en-US" altLang="zh-CN" dirty="0" err="1"/>
-              <a:t>ft</a:t>
-            </a:r>
-            <a:r>
-              <a:rPr lang="en-US" altLang="zh-CN" dirty="0"/>
-              <a:t>"&gt;PHP is the best programming language in the world.&lt;/div&gt;</a:t>
-            </a:r>
-          </a:p>
-          <a:p>
-            <a:pPr lvl="1"/>
-            <a:r>
-              <a:rPr lang="en-US" altLang="zh-CN" dirty="0"/>
-              <a:t>      &lt;/div&gt;</a:t>
-            </a:r>
-          </a:p>
-          <a:p>
-            <a:pPr lvl="1"/>
-            <a:r>
-              <a:rPr lang="en-US" altLang="zh-CN" dirty="0"/>
-              <a:t> &lt;/div&gt;</a:t>
-            </a:r>
-            <a:endParaRPr lang="zh-CN" altLang="en-US" dirty="0"/>
-          </a:p>
-        </p:txBody>
-      </p:sp>
-      <p:pic>
-        <p:nvPicPr>
-          <p:cNvPr id="5" name="图片 4"/>
-          <p:cNvPicPr>
-            <a:picLocks noChangeAspect="1"/>
-          </p:cNvPicPr>
-          <p:nvPr/>
-        </p:nvPicPr>
-        <p:blipFill>
-          <a:blip r:embed="rId2">
-            <a:extLst>
-              <a:ext uri="{28A0092B-C50C-407E-A947-70E740481C1C}">
-                <a14:useLocalDpi xmlns:a14="http://schemas.microsoft.com/office/drawing/2010/main" val="0"/>
-              </a:ext>
-            </a:extLst>
-          </a:blip>
-          <a:stretch>
-            <a:fillRect/>
-          </a:stretch>
-        </p:blipFill>
-        <p:spPr>
-          <a:xfrm>
-            <a:off x="7481886" y="1600200"/>
-            <a:ext cx="4517853" cy="1614488"/>
-          </a:xfrm>
-          <a:prstGeom prst="rect">
-            <a:avLst/>
-          </a:prstGeom>
-        </p:spPr>
-      </p:pic>
-    </p:spTree>
-    <p:extLst>
-      <p:ext uri="{BB962C8B-B14F-4D97-AF65-F5344CB8AC3E}">
-        <p14:creationId xmlns:p14="http://schemas.microsoft.com/office/powerpoint/2010/main" val="2902273865"/>
       </p:ext>
     </p:extLst>
   </p:cSld>
